--- a/triangle.pptx
+++ b/triangle.pptx
@@ -2,13 +2,13 @@
 <file path=ppt/presentation.xml><?xml version="1.0" encoding="utf-8"?>
 <p:presentation xmlns:a="http://schemas.openxmlformats.org/drawingml/2006/main" xmlns:r="http://schemas.openxmlformats.org/officeDocument/2006/relationships" xmlns:p="http://schemas.openxmlformats.org/presentationml/2006/main" saveSubsetFonts="1">
   <p:sldMasterIdLst>
-    <p:sldMasterId id="2147483660" r:id="rId1"/>
+    <p:sldMasterId id="2147483672" r:id="rId1"/>
   </p:sldMasterIdLst>
   <p:sldIdLst>
-    <p:sldId id="258" r:id="rId2"/>
+    <p:sldId id="259" r:id="rId2"/>
   </p:sldIdLst>
-  <p:sldSz cx="9144000" cy="6858000" type="screen4x3"/>
-  <p:notesSz cx="6858000" cy="9144000"/>
+  <p:sldSz cx="10058400" cy="7772400"/>
+  <p:notesSz cx="7023100" cy="9309100"/>
   <p:defaultTextStyle>
     <a:defPPr>
       <a:defRPr lang="en-US"/>
@@ -104,6 +104,11 @@
       </a:defRPr>
     </a:lvl9pPr>
   </p:defaultTextStyle>
+  <p:extLst>
+    <p:ext uri="{EFAFB233-063F-42B5-8137-9DF3F51BA10A}">
+      <p15:sldGuideLst xmlns:p15="http://schemas.microsoft.com/office/powerpoint/2012/main"/>
+    </p:ext>
+  </p:extLst>
 </p:presentation>
 </file>
 
@@ -136,15 +141,15 @@
         </p:nvSpPr>
         <p:spPr>
           <a:xfrm>
-            <a:off x="685800" y="1122363"/>
-            <a:ext cx="7772400" cy="2387600"/>
+            <a:off x="754380" y="1272011"/>
+            <a:ext cx="8549640" cy="2705947"/>
           </a:xfrm>
         </p:spPr>
         <p:txBody>
           <a:bodyPr anchor="b"/>
           <a:lstStyle>
             <a:lvl1pPr algn="ctr">
-              <a:defRPr sz="6000"/>
+              <a:defRPr sz="6600"/>
             </a:lvl1pPr>
           </a:lstStyle>
           <a:p>
@@ -168,8 +173,8 @@
         </p:nvSpPr>
         <p:spPr>
           <a:xfrm>
-            <a:off x="1143000" y="3602038"/>
-            <a:ext cx="6858000" cy="1655762"/>
+            <a:off x="1257300" y="4082310"/>
+            <a:ext cx="7543800" cy="1876530"/>
           </a:xfrm>
         </p:spPr>
         <p:txBody>
@@ -177,39 +182,39 @@
           <a:lstStyle>
             <a:lvl1pPr marL="0" indent="0" algn="ctr">
               <a:buNone/>
-              <a:defRPr sz="2400"/>
+              <a:defRPr sz="2640"/>
             </a:lvl1pPr>
-            <a:lvl2pPr marL="457200" indent="0" algn="ctr">
-              <a:buNone/>
-              <a:defRPr sz="2000"/>
+            <a:lvl2pPr marL="502920" indent="0" algn="ctr">
+              <a:buNone/>
+              <a:defRPr sz="2200"/>
             </a:lvl2pPr>
-            <a:lvl3pPr marL="914400" indent="0" algn="ctr">
-              <a:buNone/>
-              <a:defRPr sz="1800"/>
+            <a:lvl3pPr marL="1005840" indent="0" algn="ctr">
+              <a:buNone/>
+              <a:defRPr sz="1980"/>
             </a:lvl3pPr>
-            <a:lvl4pPr marL="1371600" indent="0" algn="ctr">
-              <a:buNone/>
-              <a:defRPr sz="1600"/>
+            <a:lvl4pPr marL="1508760" indent="0" algn="ctr">
+              <a:buNone/>
+              <a:defRPr sz="1760"/>
             </a:lvl4pPr>
-            <a:lvl5pPr marL="1828800" indent="0" algn="ctr">
-              <a:buNone/>
-              <a:defRPr sz="1600"/>
+            <a:lvl5pPr marL="2011680" indent="0" algn="ctr">
+              <a:buNone/>
+              <a:defRPr sz="1760"/>
             </a:lvl5pPr>
-            <a:lvl6pPr marL="2286000" indent="0" algn="ctr">
-              <a:buNone/>
-              <a:defRPr sz="1600"/>
+            <a:lvl6pPr marL="2514600" indent="0" algn="ctr">
+              <a:buNone/>
+              <a:defRPr sz="1760"/>
             </a:lvl6pPr>
-            <a:lvl7pPr marL="2743200" indent="0" algn="ctr">
-              <a:buNone/>
-              <a:defRPr sz="1600"/>
+            <a:lvl7pPr marL="3017520" indent="0" algn="ctr">
+              <a:buNone/>
+              <a:defRPr sz="1760"/>
             </a:lvl7pPr>
-            <a:lvl8pPr marL="3200400" indent="0" algn="ctr">
-              <a:buNone/>
-              <a:defRPr sz="1600"/>
+            <a:lvl8pPr marL="3520440" indent="0" algn="ctr">
+              <a:buNone/>
+              <a:defRPr sz="1760"/>
             </a:lvl8pPr>
-            <a:lvl9pPr marL="3657600" indent="0" algn="ctr">
-              <a:buNone/>
-              <a:defRPr sz="1600"/>
+            <a:lvl9pPr marL="4023360" indent="0" algn="ctr">
+              <a:buNone/>
+              <a:defRPr sz="1760"/>
             </a:lvl9pPr>
           </a:lstStyle>
           <a:p>
@@ -238,7 +243,7 @@
           <a:p>
             <a:fld id="{6227D096-A259-4FCE-88BD-DC0E0BBC075A}" type="datetimeFigureOut">
               <a:rPr lang="en-US" smtClean="0"/>
-              <a:t>8/25/2024</a:t>
+              <a:t>8/26/2024</a:t>
             </a:fld>
             <a:endParaRPr lang="en-US"/>
           </a:p>
@@ -289,7 +294,7 @@
     </p:spTree>
     <p:extLst>
       <p:ext uri="{BB962C8B-B14F-4D97-AF65-F5344CB8AC3E}">
-        <p14:creationId xmlns:p14="http://schemas.microsoft.com/office/powerpoint/2010/main" val="4154187751"/>
+        <p14:creationId xmlns:p14="http://schemas.microsoft.com/office/powerpoint/2010/main" val="1766162150"/>
       </p:ext>
     </p:extLst>
   </p:cSld>
@@ -408,7 +413,7 @@
           <a:p>
             <a:fld id="{6227D096-A259-4FCE-88BD-DC0E0BBC075A}" type="datetimeFigureOut">
               <a:rPr lang="en-US" smtClean="0"/>
-              <a:t>8/25/2024</a:t>
+              <a:t>8/26/2024</a:t>
             </a:fld>
             <a:endParaRPr lang="en-US"/>
           </a:p>
@@ -459,7 +464,7 @@
     </p:spTree>
     <p:extLst>
       <p:ext uri="{BB962C8B-B14F-4D97-AF65-F5344CB8AC3E}">
-        <p14:creationId xmlns:p14="http://schemas.microsoft.com/office/powerpoint/2010/main" val="83360125"/>
+        <p14:creationId xmlns:p14="http://schemas.microsoft.com/office/powerpoint/2010/main" val="3251798585"/>
       </p:ext>
     </p:extLst>
   </p:cSld>
@@ -498,8 +503,8 @@
         </p:nvSpPr>
         <p:spPr>
           <a:xfrm>
-            <a:off x="6543675" y="365125"/>
-            <a:ext cx="1971675" cy="5811838"/>
+            <a:off x="7198043" y="413808"/>
+            <a:ext cx="2168843" cy="6586750"/>
           </a:xfrm>
         </p:spPr>
         <p:txBody>
@@ -526,8 +531,8 @@
         </p:nvSpPr>
         <p:spPr>
           <a:xfrm>
-            <a:off x="628650" y="365125"/>
-            <a:ext cx="5800725" cy="5811838"/>
+            <a:off x="691515" y="413808"/>
+            <a:ext cx="6380798" cy="6586750"/>
           </a:xfrm>
         </p:spPr>
         <p:txBody>
@@ -588,7 +593,7 @@
           <a:p>
             <a:fld id="{6227D096-A259-4FCE-88BD-DC0E0BBC075A}" type="datetimeFigureOut">
               <a:rPr lang="en-US" smtClean="0"/>
-              <a:t>8/25/2024</a:t>
+              <a:t>8/26/2024</a:t>
             </a:fld>
             <a:endParaRPr lang="en-US"/>
           </a:p>
@@ -639,7 +644,7 @@
     </p:spTree>
     <p:extLst>
       <p:ext uri="{BB962C8B-B14F-4D97-AF65-F5344CB8AC3E}">
-        <p14:creationId xmlns:p14="http://schemas.microsoft.com/office/powerpoint/2010/main" val="2270826150"/>
+        <p14:creationId xmlns:p14="http://schemas.microsoft.com/office/powerpoint/2010/main" val="3341429302"/>
       </p:ext>
     </p:extLst>
   </p:cSld>
@@ -758,7 +763,7 @@
           <a:p>
             <a:fld id="{6227D096-A259-4FCE-88BD-DC0E0BBC075A}" type="datetimeFigureOut">
               <a:rPr lang="en-US" smtClean="0"/>
-              <a:t>8/25/2024</a:t>
+              <a:t>8/26/2024</a:t>
             </a:fld>
             <a:endParaRPr lang="en-US"/>
           </a:p>
@@ -809,7 +814,7 @@
     </p:spTree>
     <p:extLst>
       <p:ext uri="{BB962C8B-B14F-4D97-AF65-F5344CB8AC3E}">
-        <p14:creationId xmlns:p14="http://schemas.microsoft.com/office/powerpoint/2010/main" val="1192822295"/>
+        <p14:creationId xmlns:p14="http://schemas.microsoft.com/office/powerpoint/2010/main" val="979155956"/>
       </p:ext>
     </p:extLst>
   </p:cSld>
@@ -848,15 +853,15 @@
         </p:nvSpPr>
         <p:spPr>
           <a:xfrm>
-            <a:off x="623888" y="1709739"/>
-            <a:ext cx="7886700" cy="2852737"/>
+            <a:off x="686277" y="1937705"/>
+            <a:ext cx="8675370" cy="3233102"/>
           </a:xfrm>
         </p:spPr>
         <p:txBody>
           <a:bodyPr anchor="b"/>
           <a:lstStyle>
             <a:lvl1pPr>
-              <a:defRPr sz="6000"/>
+              <a:defRPr sz="6600"/>
             </a:lvl1pPr>
           </a:lstStyle>
           <a:p>
@@ -880,8 +885,8 @@
         </p:nvSpPr>
         <p:spPr>
           <a:xfrm>
-            <a:off x="623888" y="4589464"/>
-            <a:ext cx="7886700" cy="1500187"/>
+            <a:off x="686277" y="5201393"/>
+            <a:ext cx="8675370" cy="1700212"/>
           </a:xfrm>
         </p:spPr>
         <p:txBody>
@@ -889,15 +894,15 @@
           <a:lstStyle>
             <a:lvl1pPr marL="0" indent="0">
               <a:buNone/>
-              <a:defRPr sz="2400">
+              <a:defRPr sz="2640">
                 <a:solidFill>
                   <a:schemeClr val="tx1"/>
                 </a:solidFill>
               </a:defRPr>
             </a:lvl1pPr>
-            <a:lvl2pPr marL="457200" indent="0">
-              <a:buNone/>
-              <a:defRPr sz="2000">
+            <a:lvl2pPr marL="502920" indent="0">
+              <a:buNone/>
+              <a:defRPr sz="2200">
                 <a:solidFill>
                   <a:schemeClr val="tx1">
                     <a:tint val="75000"/>
@@ -905,9 +910,9 @@
                 </a:solidFill>
               </a:defRPr>
             </a:lvl2pPr>
-            <a:lvl3pPr marL="914400" indent="0">
-              <a:buNone/>
-              <a:defRPr sz="1800">
+            <a:lvl3pPr marL="1005840" indent="0">
+              <a:buNone/>
+              <a:defRPr sz="1980">
                 <a:solidFill>
                   <a:schemeClr val="tx1">
                     <a:tint val="75000"/>
@@ -915,9 +920,9 @@
                 </a:solidFill>
               </a:defRPr>
             </a:lvl3pPr>
-            <a:lvl4pPr marL="1371600" indent="0">
-              <a:buNone/>
-              <a:defRPr sz="1600">
+            <a:lvl4pPr marL="1508760" indent="0">
+              <a:buNone/>
+              <a:defRPr sz="1760">
                 <a:solidFill>
                   <a:schemeClr val="tx1">
                     <a:tint val="75000"/>
@@ -925,9 +930,9 @@
                 </a:solidFill>
               </a:defRPr>
             </a:lvl4pPr>
-            <a:lvl5pPr marL="1828800" indent="0">
-              <a:buNone/>
-              <a:defRPr sz="1600">
+            <a:lvl5pPr marL="2011680" indent="0">
+              <a:buNone/>
+              <a:defRPr sz="1760">
                 <a:solidFill>
                   <a:schemeClr val="tx1">
                     <a:tint val="75000"/>
@@ -935,9 +940,9 @@
                 </a:solidFill>
               </a:defRPr>
             </a:lvl5pPr>
-            <a:lvl6pPr marL="2286000" indent="0">
-              <a:buNone/>
-              <a:defRPr sz="1600">
+            <a:lvl6pPr marL="2514600" indent="0">
+              <a:buNone/>
+              <a:defRPr sz="1760">
                 <a:solidFill>
                   <a:schemeClr val="tx1">
                     <a:tint val="75000"/>
@@ -945,9 +950,9 @@
                 </a:solidFill>
               </a:defRPr>
             </a:lvl6pPr>
-            <a:lvl7pPr marL="2743200" indent="0">
-              <a:buNone/>
-              <a:defRPr sz="1600">
+            <a:lvl7pPr marL="3017520" indent="0">
+              <a:buNone/>
+              <a:defRPr sz="1760">
                 <a:solidFill>
                   <a:schemeClr val="tx1">
                     <a:tint val="75000"/>
@@ -955,9 +960,9 @@
                 </a:solidFill>
               </a:defRPr>
             </a:lvl7pPr>
-            <a:lvl8pPr marL="3200400" indent="0">
-              <a:buNone/>
-              <a:defRPr sz="1600">
+            <a:lvl8pPr marL="3520440" indent="0">
+              <a:buNone/>
+              <a:defRPr sz="1760">
                 <a:solidFill>
                   <a:schemeClr val="tx1">
                     <a:tint val="75000"/>
@@ -965,9 +970,9 @@
                 </a:solidFill>
               </a:defRPr>
             </a:lvl8pPr>
-            <a:lvl9pPr marL="3657600" indent="0">
-              <a:buNone/>
-              <a:defRPr sz="1600">
+            <a:lvl9pPr marL="4023360" indent="0">
+              <a:buNone/>
+              <a:defRPr sz="1760">
                 <a:solidFill>
                   <a:schemeClr val="tx1">
                     <a:tint val="75000"/>
@@ -1002,7 +1007,7 @@
           <a:p>
             <a:fld id="{6227D096-A259-4FCE-88BD-DC0E0BBC075A}" type="datetimeFigureOut">
               <a:rPr lang="en-US" smtClean="0"/>
-              <a:t>8/25/2024</a:t>
+              <a:t>8/26/2024</a:t>
             </a:fld>
             <a:endParaRPr lang="en-US"/>
           </a:p>
@@ -1053,7 +1058,7 @@
     </p:spTree>
     <p:extLst>
       <p:ext uri="{BB962C8B-B14F-4D97-AF65-F5344CB8AC3E}">
-        <p14:creationId xmlns:p14="http://schemas.microsoft.com/office/powerpoint/2010/main" val="311539178"/>
+        <p14:creationId xmlns:p14="http://schemas.microsoft.com/office/powerpoint/2010/main" val="2922223615"/>
       </p:ext>
     </p:extLst>
   </p:cSld>
@@ -1115,8 +1120,8 @@
         </p:nvSpPr>
         <p:spPr>
           <a:xfrm>
-            <a:off x="628650" y="1825625"/>
-            <a:ext cx="3886200" cy="4351338"/>
+            <a:off x="691515" y="2069042"/>
+            <a:ext cx="4274820" cy="4931516"/>
           </a:xfrm>
         </p:spPr>
         <p:txBody>
@@ -1172,8 +1177,8 @@
         </p:nvSpPr>
         <p:spPr>
           <a:xfrm>
-            <a:off x="4629150" y="1825625"/>
-            <a:ext cx="3886200" cy="4351338"/>
+            <a:off x="5092065" y="2069042"/>
+            <a:ext cx="4274820" cy="4931516"/>
           </a:xfrm>
         </p:spPr>
         <p:txBody>
@@ -1234,7 +1239,7 @@
           <a:p>
             <a:fld id="{6227D096-A259-4FCE-88BD-DC0E0BBC075A}" type="datetimeFigureOut">
               <a:rPr lang="en-US" smtClean="0"/>
-              <a:t>8/25/2024</a:t>
+              <a:t>8/26/2024</a:t>
             </a:fld>
             <a:endParaRPr lang="en-US"/>
           </a:p>
@@ -1285,7 +1290,7 @@
     </p:spTree>
     <p:extLst>
       <p:ext uri="{BB962C8B-B14F-4D97-AF65-F5344CB8AC3E}">
-        <p14:creationId xmlns:p14="http://schemas.microsoft.com/office/powerpoint/2010/main" val="85905551"/>
+        <p14:creationId xmlns:p14="http://schemas.microsoft.com/office/powerpoint/2010/main" val="1525126953"/>
       </p:ext>
     </p:extLst>
   </p:cSld>
@@ -1324,8 +1329,8 @@
         </p:nvSpPr>
         <p:spPr>
           <a:xfrm>
-            <a:off x="629841" y="365126"/>
-            <a:ext cx="7886700" cy="1325563"/>
+            <a:off x="692825" y="413810"/>
+            <a:ext cx="8675370" cy="1502305"/>
           </a:xfrm>
         </p:spPr>
         <p:txBody>
@@ -1352,8 +1357,8 @@
         </p:nvSpPr>
         <p:spPr>
           <a:xfrm>
-            <a:off x="629842" y="1681163"/>
-            <a:ext cx="3868340" cy="823912"/>
+            <a:off x="692826" y="1905318"/>
+            <a:ext cx="4255174" cy="933767"/>
           </a:xfrm>
         </p:spPr>
         <p:txBody>
@@ -1361,39 +1366,39 @@
           <a:lstStyle>
             <a:lvl1pPr marL="0" indent="0">
               <a:buNone/>
-              <a:defRPr sz="2400" b="1"/>
+              <a:defRPr sz="2640" b="1"/>
             </a:lvl1pPr>
-            <a:lvl2pPr marL="457200" indent="0">
-              <a:buNone/>
-              <a:defRPr sz="2000" b="1"/>
+            <a:lvl2pPr marL="502920" indent="0">
+              <a:buNone/>
+              <a:defRPr sz="2200" b="1"/>
             </a:lvl2pPr>
-            <a:lvl3pPr marL="914400" indent="0">
-              <a:buNone/>
-              <a:defRPr sz="1800" b="1"/>
+            <a:lvl3pPr marL="1005840" indent="0">
+              <a:buNone/>
+              <a:defRPr sz="1980" b="1"/>
             </a:lvl3pPr>
-            <a:lvl4pPr marL="1371600" indent="0">
-              <a:buNone/>
-              <a:defRPr sz="1600" b="1"/>
+            <a:lvl4pPr marL="1508760" indent="0">
+              <a:buNone/>
+              <a:defRPr sz="1760" b="1"/>
             </a:lvl4pPr>
-            <a:lvl5pPr marL="1828800" indent="0">
-              <a:buNone/>
-              <a:defRPr sz="1600" b="1"/>
+            <a:lvl5pPr marL="2011680" indent="0">
+              <a:buNone/>
+              <a:defRPr sz="1760" b="1"/>
             </a:lvl5pPr>
-            <a:lvl6pPr marL="2286000" indent="0">
-              <a:buNone/>
-              <a:defRPr sz="1600" b="1"/>
+            <a:lvl6pPr marL="2514600" indent="0">
+              <a:buNone/>
+              <a:defRPr sz="1760" b="1"/>
             </a:lvl6pPr>
-            <a:lvl7pPr marL="2743200" indent="0">
-              <a:buNone/>
-              <a:defRPr sz="1600" b="1"/>
+            <a:lvl7pPr marL="3017520" indent="0">
+              <a:buNone/>
+              <a:defRPr sz="1760" b="1"/>
             </a:lvl7pPr>
-            <a:lvl8pPr marL="3200400" indent="0">
-              <a:buNone/>
-              <a:defRPr sz="1600" b="1"/>
+            <a:lvl8pPr marL="3520440" indent="0">
+              <a:buNone/>
+              <a:defRPr sz="1760" b="1"/>
             </a:lvl8pPr>
-            <a:lvl9pPr marL="3657600" indent="0">
-              <a:buNone/>
-              <a:defRPr sz="1600" b="1"/>
+            <a:lvl9pPr marL="4023360" indent="0">
+              <a:buNone/>
+              <a:defRPr sz="1760" b="1"/>
             </a:lvl9pPr>
           </a:lstStyle>
           <a:p>
@@ -1417,8 +1422,8 @@
         </p:nvSpPr>
         <p:spPr>
           <a:xfrm>
-            <a:off x="629842" y="2505075"/>
-            <a:ext cx="3868340" cy="3684588"/>
+            <a:off x="692826" y="2839085"/>
+            <a:ext cx="4255174" cy="4175866"/>
           </a:xfrm>
         </p:spPr>
         <p:txBody>
@@ -1474,8 +1479,8 @@
         </p:nvSpPr>
         <p:spPr>
           <a:xfrm>
-            <a:off x="4629150" y="1681163"/>
-            <a:ext cx="3887391" cy="823912"/>
+            <a:off x="5092066" y="1905318"/>
+            <a:ext cx="4276130" cy="933767"/>
           </a:xfrm>
         </p:spPr>
         <p:txBody>
@@ -1483,39 +1488,39 @@
           <a:lstStyle>
             <a:lvl1pPr marL="0" indent="0">
               <a:buNone/>
-              <a:defRPr sz="2400" b="1"/>
+              <a:defRPr sz="2640" b="1"/>
             </a:lvl1pPr>
-            <a:lvl2pPr marL="457200" indent="0">
-              <a:buNone/>
-              <a:defRPr sz="2000" b="1"/>
+            <a:lvl2pPr marL="502920" indent="0">
+              <a:buNone/>
+              <a:defRPr sz="2200" b="1"/>
             </a:lvl2pPr>
-            <a:lvl3pPr marL="914400" indent="0">
-              <a:buNone/>
-              <a:defRPr sz="1800" b="1"/>
+            <a:lvl3pPr marL="1005840" indent="0">
+              <a:buNone/>
+              <a:defRPr sz="1980" b="1"/>
             </a:lvl3pPr>
-            <a:lvl4pPr marL="1371600" indent="0">
-              <a:buNone/>
-              <a:defRPr sz="1600" b="1"/>
+            <a:lvl4pPr marL="1508760" indent="0">
+              <a:buNone/>
+              <a:defRPr sz="1760" b="1"/>
             </a:lvl4pPr>
-            <a:lvl5pPr marL="1828800" indent="0">
-              <a:buNone/>
-              <a:defRPr sz="1600" b="1"/>
+            <a:lvl5pPr marL="2011680" indent="0">
+              <a:buNone/>
+              <a:defRPr sz="1760" b="1"/>
             </a:lvl5pPr>
-            <a:lvl6pPr marL="2286000" indent="0">
-              <a:buNone/>
-              <a:defRPr sz="1600" b="1"/>
+            <a:lvl6pPr marL="2514600" indent="0">
+              <a:buNone/>
+              <a:defRPr sz="1760" b="1"/>
             </a:lvl6pPr>
-            <a:lvl7pPr marL="2743200" indent="0">
-              <a:buNone/>
-              <a:defRPr sz="1600" b="1"/>
+            <a:lvl7pPr marL="3017520" indent="0">
+              <a:buNone/>
+              <a:defRPr sz="1760" b="1"/>
             </a:lvl7pPr>
-            <a:lvl8pPr marL="3200400" indent="0">
-              <a:buNone/>
-              <a:defRPr sz="1600" b="1"/>
+            <a:lvl8pPr marL="3520440" indent="0">
+              <a:buNone/>
+              <a:defRPr sz="1760" b="1"/>
             </a:lvl8pPr>
-            <a:lvl9pPr marL="3657600" indent="0">
-              <a:buNone/>
-              <a:defRPr sz="1600" b="1"/>
+            <a:lvl9pPr marL="4023360" indent="0">
+              <a:buNone/>
+              <a:defRPr sz="1760" b="1"/>
             </a:lvl9pPr>
           </a:lstStyle>
           <a:p>
@@ -1539,8 +1544,8 @@
         </p:nvSpPr>
         <p:spPr>
           <a:xfrm>
-            <a:off x="4629150" y="2505075"/>
-            <a:ext cx="3887391" cy="3684588"/>
+            <a:off x="5092066" y="2839085"/>
+            <a:ext cx="4276130" cy="4175866"/>
           </a:xfrm>
         </p:spPr>
         <p:txBody>
@@ -1601,7 +1606,7 @@
           <a:p>
             <a:fld id="{6227D096-A259-4FCE-88BD-DC0E0BBC075A}" type="datetimeFigureOut">
               <a:rPr lang="en-US" smtClean="0"/>
-              <a:t>8/25/2024</a:t>
+              <a:t>8/26/2024</a:t>
             </a:fld>
             <a:endParaRPr lang="en-US"/>
           </a:p>
@@ -1652,7 +1657,7 @@
     </p:spTree>
     <p:extLst>
       <p:ext uri="{BB962C8B-B14F-4D97-AF65-F5344CB8AC3E}">
-        <p14:creationId xmlns:p14="http://schemas.microsoft.com/office/powerpoint/2010/main" val="3087319286"/>
+        <p14:creationId xmlns:p14="http://schemas.microsoft.com/office/powerpoint/2010/main" val="2346750036"/>
       </p:ext>
     </p:extLst>
   </p:cSld>
@@ -1719,7 +1724,7 @@
           <a:p>
             <a:fld id="{6227D096-A259-4FCE-88BD-DC0E0BBC075A}" type="datetimeFigureOut">
               <a:rPr lang="en-US" smtClean="0"/>
-              <a:t>8/25/2024</a:t>
+              <a:t>8/26/2024</a:t>
             </a:fld>
             <a:endParaRPr lang="en-US"/>
           </a:p>
@@ -1770,7 +1775,7 @@
     </p:spTree>
     <p:extLst>
       <p:ext uri="{BB962C8B-B14F-4D97-AF65-F5344CB8AC3E}">
-        <p14:creationId xmlns:p14="http://schemas.microsoft.com/office/powerpoint/2010/main" val="4162083667"/>
+        <p14:creationId xmlns:p14="http://schemas.microsoft.com/office/powerpoint/2010/main" val="3842186384"/>
       </p:ext>
     </p:extLst>
   </p:cSld>
@@ -1814,7 +1819,7 @@
           <a:p>
             <a:fld id="{6227D096-A259-4FCE-88BD-DC0E0BBC075A}" type="datetimeFigureOut">
               <a:rPr lang="en-US" smtClean="0"/>
-              <a:t>8/25/2024</a:t>
+              <a:t>8/26/2024</a:t>
             </a:fld>
             <a:endParaRPr lang="en-US"/>
           </a:p>
@@ -1865,7 +1870,7 @@
     </p:spTree>
     <p:extLst>
       <p:ext uri="{BB962C8B-B14F-4D97-AF65-F5344CB8AC3E}">
-        <p14:creationId xmlns:p14="http://schemas.microsoft.com/office/powerpoint/2010/main" val="179983953"/>
+        <p14:creationId xmlns:p14="http://schemas.microsoft.com/office/powerpoint/2010/main" val="2261544862"/>
       </p:ext>
     </p:extLst>
   </p:cSld>
@@ -1904,15 +1909,15 @@
         </p:nvSpPr>
         <p:spPr>
           <a:xfrm>
-            <a:off x="629841" y="457200"/>
-            <a:ext cx="2949178" cy="1600200"/>
+            <a:off x="692825" y="518160"/>
+            <a:ext cx="3244096" cy="1813560"/>
           </a:xfrm>
         </p:spPr>
         <p:txBody>
           <a:bodyPr anchor="b"/>
           <a:lstStyle>
             <a:lvl1pPr>
-              <a:defRPr sz="3200"/>
+              <a:defRPr sz="3520"/>
             </a:lvl1pPr>
           </a:lstStyle>
           <a:p>
@@ -1936,39 +1941,39 @@
         </p:nvSpPr>
         <p:spPr>
           <a:xfrm>
-            <a:off x="3887391" y="987426"/>
-            <a:ext cx="4629150" cy="4873625"/>
+            <a:off x="4276130" y="1119083"/>
+            <a:ext cx="5092065" cy="5523442"/>
           </a:xfrm>
         </p:spPr>
         <p:txBody>
           <a:bodyPr/>
           <a:lstStyle>
             <a:lvl1pPr>
-              <a:defRPr sz="3200"/>
+              <a:defRPr sz="3520"/>
             </a:lvl1pPr>
             <a:lvl2pPr>
-              <a:defRPr sz="2800"/>
+              <a:defRPr sz="3080"/>
             </a:lvl2pPr>
             <a:lvl3pPr>
-              <a:defRPr sz="2400"/>
+              <a:defRPr sz="2640"/>
             </a:lvl3pPr>
             <a:lvl4pPr>
-              <a:defRPr sz="2000"/>
+              <a:defRPr sz="2200"/>
             </a:lvl4pPr>
             <a:lvl5pPr>
-              <a:defRPr sz="2000"/>
+              <a:defRPr sz="2200"/>
             </a:lvl5pPr>
             <a:lvl6pPr>
-              <a:defRPr sz="2000"/>
+              <a:defRPr sz="2200"/>
             </a:lvl6pPr>
             <a:lvl7pPr>
-              <a:defRPr sz="2000"/>
+              <a:defRPr sz="2200"/>
             </a:lvl7pPr>
             <a:lvl8pPr>
-              <a:defRPr sz="2000"/>
+              <a:defRPr sz="2200"/>
             </a:lvl8pPr>
             <a:lvl9pPr>
-              <a:defRPr sz="2000"/>
+              <a:defRPr sz="2200"/>
             </a:lvl9pPr>
           </a:lstStyle>
           <a:p>
@@ -2021,8 +2026,8 @@
         </p:nvSpPr>
         <p:spPr>
           <a:xfrm>
-            <a:off x="629841" y="2057400"/>
-            <a:ext cx="2949178" cy="3811588"/>
+            <a:off x="692825" y="2331720"/>
+            <a:ext cx="3244096" cy="4319800"/>
           </a:xfrm>
         </p:spPr>
         <p:txBody>
@@ -2030,39 +2035,39 @@
           <a:lstStyle>
             <a:lvl1pPr marL="0" indent="0">
               <a:buNone/>
-              <a:defRPr sz="1600"/>
+              <a:defRPr sz="1760"/>
             </a:lvl1pPr>
-            <a:lvl2pPr marL="457200" indent="0">
-              <a:buNone/>
-              <a:defRPr sz="1400"/>
+            <a:lvl2pPr marL="502920" indent="0">
+              <a:buNone/>
+              <a:defRPr sz="1540"/>
             </a:lvl2pPr>
-            <a:lvl3pPr marL="914400" indent="0">
-              <a:buNone/>
-              <a:defRPr sz="1200"/>
+            <a:lvl3pPr marL="1005840" indent="0">
+              <a:buNone/>
+              <a:defRPr sz="1320"/>
             </a:lvl3pPr>
-            <a:lvl4pPr marL="1371600" indent="0">
-              <a:buNone/>
-              <a:defRPr sz="1000"/>
+            <a:lvl4pPr marL="1508760" indent="0">
+              <a:buNone/>
+              <a:defRPr sz="1100"/>
             </a:lvl4pPr>
-            <a:lvl5pPr marL="1828800" indent="0">
-              <a:buNone/>
-              <a:defRPr sz="1000"/>
+            <a:lvl5pPr marL="2011680" indent="0">
+              <a:buNone/>
+              <a:defRPr sz="1100"/>
             </a:lvl5pPr>
-            <a:lvl6pPr marL="2286000" indent="0">
-              <a:buNone/>
-              <a:defRPr sz="1000"/>
+            <a:lvl6pPr marL="2514600" indent="0">
+              <a:buNone/>
+              <a:defRPr sz="1100"/>
             </a:lvl6pPr>
-            <a:lvl7pPr marL="2743200" indent="0">
-              <a:buNone/>
-              <a:defRPr sz="1000"/>
+            <a:lvl7pPr marL="3017520" indent="0">
+              <a:buNone/>
+              <a:defRPr sz="1100"/>
             </a:lvl7pPr>
-            <a:lvl8pPr marL="3200400" indent="0">
-              <a:buNone/>
-              <a:defRPr sz="1000"/>
+            <a:lvl8pPr marL="3520440" indent="0">
+              <a:buNone/>
+              <a:defRPr sz="1100"/>
             </a:lvl8pPr>
-            <a:lvl9pPr marL="3657600" indent="0">
-              <a:buNone/>
-              <a:defRPr sz="1000"/>
+            <a:lvl9pPr marL="4023360" indent="0">
+              <a:buNone/>
+              <a:defRPr sz="1100"/>
             </a:lvl9pPr>
           </a:lstStyle>
           <a:p>
@@ -2091,7 +2096,7 @@
           <a:p>
             <a:fld id="{6227D096-A259-4FCE-88BD-DC0E0BBC075A}" type="datetimeFigureOut">
               <a:rPr lang="en-US" smtClean="0"/>
-              <a:t>8/25/2024</a:t>
+              <a:t>8/26/2024</a:t>
             </a:fld>
             <a:endParaRPr lang="en-US"/>
           </a:p>
@@ -2142,7 +2147,7 @@
     </p:spTree>
     <p:extLst>
       <p:ext uri="{BB962C8B-B14F-4D97-AF65-F5344CB8AC3E}">
-        <p14:creationId xmlns:p14="http://schemas.microsoft.com/office/powerpoint/2010/main" val="1404985773"/>
+        <p14:creationId xmlns:p14="http://schemas.microsoft.com/office/powerpoint/2010/main" val="404800227"/>
       </p:ext>
     </p:extLst>
   </p:cSld>
@@ -2181,15 +2186,15 @@
         </p:nvSpPr>
         <p:spPr>
           <a:xfrm>
-            <a:off x="629841" y="457200"/>
-            <a:ext cx="2949178" cy="1600200"/>
+            <a:off x="692825" y="518160"/>
+            <a:ext cx="3244096" cy="1813560"/>
           </a:xfrm>
         </p:spPr>
         <p:txBody>
           <a:bodyPr anchor="b"/>
           <a:lstStyle>
             <a:lvl1pPr>
-              <a:defRPr sz="3200"/>
+              <a:defRPr sz="3520"/>
             </a:lvl1pPr>
           </a:lstStyle>
           <a:p>
@@ -2213,8 +2218,8 @@
         </p:nvSpPr>
         <p:spPr>
           <a:xfrm>
-            <a:off x="3887391" y="987426"/>
-            <a:ext cx="4629150" cy="4873625"/>
+            <a:off x="4276130" y="1119083"/>
+            <a:ext cx="5092065" cy="5523442"/>
           </a:xfrm>
         </p:spPr>
         <p:txBody>
@@ -2222,39 +2227,39 @@
           <a:lstStyle>
             <a:lvl1pPr marL="0" indent="0">
               <a:buNone/>
-              <a:defRPr sz="3200"/>
+              <a:defRPr sz="3520"/>
             </a:lvl1pPr>
-            <a:lvl2pPr marL="457200" indent="0">
-              <a:buNone/>
-              <a:defRPr sz="2800"/>
+            <a:lvl2pPr marL="502920" indent="0">
+              <a:buNone/>
+              <a:defRPr sz="3080"/>
             </a:lvl2pPr>
-            <a:lvl3pPr marL="914400" indent="0">
-              <a:buNone/>
-              <a:defRPr sz="2400"/>
+            <a:lvl3pPr marL="1005840" indent="0">
+              <a:buNone/>
+              <a:defRPr sz="2640"/>
             </a:lvl3pPr>
-            <a:lvl4pPr marL="1371600" indent="0">
-              <a:buNone/>
-              <a:defRPr sz="2000"/>
+            <a:lvl4pPr marL="1508760" indent="0">
+              <a:buNone/>
+              <a:defRPr sz="2200"/>
             </a:lvl4pPr>
-            <a:lvl5pPr marL="1828800" indent="0">
-              <a:buNone/>
-              <a:defRPr sz="2000"/>
+            <a:lvl5pPr marL="2011680" indent="0">
+              <a:buNone/>
+              <a:defRPr sz="2200"/>
             </a:lvl5pPr>
-            <a:lvl6pPr marL="2286000" indent="0">
-              <a:buNone/>
-              <a:defRPr sz="2000"/>
+            <a:lvl6pPr marL="2514600" indent="0">
+              <a:buNone/>
+              <a:defRPr sz="2200"/>
             </a:lvl6pPr>
-            <a:lvl7pPr marL="2743200" indent="0">
-              <a:buNone/>
-              <a:defRPr sz="2000"/>
+            <a:lvl7pPr marL="3017520" indent="0">
+              <a:buNone/>
+              <a:defRPr sz="2200"/>
             </a:lvl7pPr>
-            <a:lvl8pPr marL="3200400" indent="0">
-              <a:buNone/>
-              <a:defRPr sz="2000"/>
+            <a:lvl8pPr marL="3520440" indent="0">
+              <a:buNone/>
+              <a:defRPr sz="2200"/>
             </a:lvl8pPr>
-            <a:lvl9pPr marL="3657600" indent="0">
-              <a:buNone/>
-              <a:defRPr sz="2000"/>
+            <a:lvl9pPr marL="4023360" indent="0">
+              <a:buNone/>
+              <a:defRPr sz="2200"/>
             </a:lvl9pPr>
           </a:lstStyle>
           <a:p>
@@ -2278,8 +2283,8 @@
         </p:nvSpPr>
         <p:spPr>
           <a:xfrm>
-            <a:off x="629841" y="2057400"/>
-            <a:ext cx="2949178" cy="3811588"/>
+            <a:off x="692825" y="2331720"/>
+            <a:ext cx="3244096" cy="4319800"/>
           </a:xfrm>
         </p:spPr>
         <p:txBody>
@@ -2287,39 +2292,39 @@
           <a:lstStyle>
             <a:lvl1pPr marL="0" indent="0">
               <a:buNone/>
-              <a:defRPr sz="1600"/>
+              <a:defRPr sz="1760"/>
             </a:lvl1pPr>
-            <a:lvl2pPr marL="457200" indent="0">
-              <a:buNone/>
-              <a:defRPr sz="1400"/>
+            <a:lvl2pPr marL="502920" indent="0">
+              <a:buNone/>
+              <a:defRPr sz="1540"/>
             </a:lvl2pPr>
-            <a:lvl3pPr marL="914400" indent="0">
-              <a:buNone/>
-              <a:defRPr sz="1200"/>
+            <a:lvl3pPr marL="1005840" indent="0">
+              <a:buNone/>
+              <a:defRPr sz="1320"/>
             </a:lvl3pPr>
-            <a:lvl4pPr marL="1371600" indent="0">
-              <a:buNone/>
-              <a:defRPr sz="1000"/>
+            <a:lvl4pPr marL="1508760" indent="0">
+              <a:buNone/>
+              <a:defRPr sz="1100"/>
             </a:lvl4pPr>
-            <a:lvl5pPr marL="1828800" indent="0">
-              <a:buNone/>
-              <a:defRPr sz="1000"/>
+            <a:lvl5pPr marL="2011680" indent="0">
+              <a:buNone/>
+              <a:defRPr sz="1100"/>
             </a:lvl5pPr>
-            <a:lvl6pPr marL="2286000" indent="0">
-              <a:buNone/>
-              <a:defRPr sz="1000"/>
+            <a:lvl6pPr marL="2514600" indent="0">
+              <a:buNone/>
+              <a:defRPr sz="1100"/>
             </a:lvl6pPr>
-            <a:lvl7pPr marL="2743200" indent="0">
-              <a:buNone/>
-              <a:defRPr sz="1000"/>
+            <a:lvl7pPr marL="3017520" indent="0">
+              <a:buNone/>
+              <a:defRPr sz="1100"/>
             </a:lvl7pPr>
-            <a:lvl8pPr marL="3200400" indent="0">
-              <a:buNone/>
-              <a:defRPr sz="1000"/>
+            <a:lvl8pPr marL="3520440" indent="0">
+              <a:buNone/>
+              <a:defRPr sz="1100"/>
             </a:lvl8pPr>
-            <a:lvl9pPr marL="3657600" indent="0">
-              <a:buNone/>
-              <a:defRPr sz="1000"/>
+            <a:lvl9pPr marL="4023360" indent="0">
+              <a:buNone/>
+              <a:defRPr sz="1100"/>
             </a:lvl9pPr>
           </a:lstStyle>
           <a:p>
@@ -2348,7 +2353,7 @@
           <a:p>
             <a:fld id="{6227D096-A259-4FCE-88BD-DC0E0BBC075A}" type="datetimeFigureOut">
               <a:rPr lang="en-US" smtClean="0"/>
-              <a:t>8/25/2024</a:t>
+              <a:t>8/26/2024</a:t>
             </a:fld>
             <a:endParaRPr lang="en-US"/>
           </a:p>
@@ -2399,7 +2404,7 @@
     </p:spTree>
     <p:extLst>
       <p:ext uri="{BB962C8B-B14F-4D97-AF65-F5344CB8AC3E}">
-        <p14:creationId xmlns:p14="http://schemas.microsoft.com/office/powerpoint/2010/main" val="3033184241"/>
+        <p14:creationId xmlns:p14="http://schemas.microsoft.com/office/powerpoint/2010/main" val="1954660429"/>
       </p:ext>
     </p:extLst>
   </p:cSld>
@@ -2443,8 +2448,8 @@
         </p:nvSpPr>
         <p:spPr>
           <a:xfrm>
-            <a:off x="628650" y="365126"/>
-            <a:ext cx="7886700" cy="1325563"/>
+            <a:off x="691515" y="413810"/>
+            <a:ext cx="8675370" cy="1502305"/>
           </a:xfrm>
           <a:prstGeom prst="rect">
             <a:avLst/>
@@ -2476,8 +2481,8 @@
         </p:nvSpPr>
         <p:spPr>
           <a:xfrm>
-            <a:off x="628650" y="1825625"/>
-            <a:ext cx="7886700" cy="4351338"/>
+            <a:off x="691515" y="2069042"/>
+            <a:ext cx="8675370" cy="4931516"/>
           </a:xfrm>
           <a:prstGeom prst="rect">
             <a:avLst/>
@@ -2538,8 +2543,8 @@
         </p:nvSpPr>
         <p:spPr>
           <a:xfrm>
-            <a:off x="628650" y="6356351"/>
-            <a:ext cx="2057400" cy="365125"/>
+            <a:off x="691515" y="7203865"/>
+            <a:ext cx="2263140" cy="413808"/>
           </a:xfrm>
           <a:prstGeom prst="rect">
             <a:avLst/>
@@ -2549,7 +2554,7 @@
           <a:bodyPr vert="horz" lIns="91440" tIns="45720" rIns="91440" bIns="45720" rtlCol="0" anchor="ctr"/>
           <a:lstStyle>
             <a:lvl1pPr algn="l">
-              <a:defRPr sz="1200">
+              <a:defRPr sz="1320">
                 <a:solidFill>
                   <a:schemeClr val="tx1">
                     <a:tint val="75000"/>
@@ -2561,7 +2566,7 @@
           <a:p>
             <a:fld id="{6227D096-A259-4FCE-88BD-DC0E0BBC075A}" type="datetimeFigureOut">
               <a:rPr lang="en-US" smtClean="0"/>
-              <a:t>8/25/2024</a:t>
+              <a:t>8/26/2024</a:t>
             </a:fld>
             <a:endParaRPr lang="en-US"/>
           </a:p>
@@ -2579,8 +2584,8 @@
         </p:nvSpPr>
         <p:spPr>
           <a:xfrm>
-            <a:off x="3028950" y="6356351"/>
-            <a:ext cx="3086100" cy="365125"/>
+            <a:off x="3331845" y="7203865"/>
+            <a:ext cx="3394710" cy="413808"/>
           </a:xfrm>
           <a:prstGeom prst="rect">
             <a:avLst/>
@@ -2590,7 +2595,7 @@
           <a:bodyPr vert="horz" lIns="91440" tIns="45720" rIns="91440" bIns="45720" rtlCol="0" anchor="ctr"/>
           <a:lstStyle>
             <a:lvl1pPr algn="ctr">
-              <a:defRPr sz="1200">
+              <a:defRPr sz="1320">
                 <a:solidFill>
                   <a:schemeClr val="tx1">
                     <a:tint val="75000"/>
@@ -2616,8 +2621,8 @@
         </p:nvSpPr>
         <p:spPr>
           <a:xfrm>
-            <a:off x="6457950" y="6356351"/>
-            <a:ext cx="2057400" cy="365125"/>
+            <a:off x="7103745" y="7203865"/>
+            <a:ext cx="2263140" cy="413808"/>
           </a:xfrm>
           <a:prstGeom prst="rect">
             <a:avLst/>
@@ -2627,7 +2632,7 @@
           <a:bodyPr vert="horz" lIns="91440" tIns="45720" rIns="91440" bIns="45720" rtlCol="0" anchor="ctr"/>
           <a:lstStyle>
             <a:lvl1pPr algn="r">
-              <a:defRPr sz="1200">
+              <a:defRPr sz="1320">
                 <a:solidFill>
                   <a:schemeClr val="tx1">
                     <a:tint val="75000"/>
@@ -2648,27 +2653,27 @@
     </p:spTree>
     <p:extLst>
       <p:ext uri="{BB962C8B-B14F-4D97-AF65-F5344CB8AC3E}">
-        <p14:creationId xmlns:p14="http://schemas.microsoft.com/office/powerpoint/2010/main" val="1575618286"/>
+        <p14:creationId xmlns:p14="http://schemas.microsoft.com/office/powerpoint/2010/main" val="991357634"/>
       </p:ext>
     </p:extLst>
   </p:cSld>
   <p:clrMap bg1="lt1" tx1="dk1" bg2="lt2" tx2="dk2" accent1="accent1" accent2="accent2" accent3="accent3" accent4="accent4" accent5="accent5" accent6="accent6" hlink="hlink" folHlink="folHlink"/>
   <p:sldLayoutIdLst>
-    <p:sldLayoutId id="2147483661" r:id="rId1"/>
-    <p:sldLayoutId id="2147483662" r:id="rId2"/>
-    <p:sldLayoutId id="2147483663" r:id="rId3"/>
-    <p:sldLayoutId id="2147483664" r:id="rId4"/>
-    <p:sldLayoutId id="2147483665" r:id="rId5"/>
-    <p:sldLayoutId id="2147483666" r:id="rId6"/>
-    <p:sldLayoutId id="2147483667" r:id="rId7"/>
-    <p:sldLayoutId id="2147483668" r:id="rId8"/>
-    <p:sldLayoutId id="2147483669" r:id="rId9"/>
-    <p:sldLayoutId id="2147483670" r:id="rId10"/>
-    <p:sldLayoutId id="2147483671" r:id="rId11"/>
+    <p:sldLayoutId id="2147483673" r:id="rId1"/>
+    <p:sldLayoutId id="2147483674" r:id="rId2"/>
+    <p:sldLayoutId id="2147483675" r:id="rId3"/>
+    <p:sldLayoutId id="2147483676" r:id="rId4"/>
+    <p:sldLayoutId id="2147483677" r:id="rId5"/>
+    <p:sldLayoutId id="2147483678" r:id="rId6"/>
+    <p:sldLayoutId id="2147483679" r:id="rId7"/>
+    <p:sldLayoutId id="2147483680" r:id="rId8"/>
+    <p:sldLayoutId id="2147483681" r:id="rId9"/>
+    <p:sldLayoutId id="2147483682" r:id="rId10"/>
+    <p:sldLayoutId id="2147483683" r:id="rId11"/>
   </p:sldLayoutIdLst>
   <p:txStyles>
     <p:titleStyle>
-      <a:lvl1pPr algn="l" defTabSz="914400" rtl="0" eaLnBrk="1" latinLnBrk="0" hangingPunct="1">
+      <a:lvl1pPr algn="l" defTabSz="1005840" rtl="0" eaLnBrk="1" latinLnBrk="0" hangingPunct="1">
         <a:lnSpc>
           <a:spcPct val="90000"/>
         </a:lnSpc>
@@ -2676,7 +2681,7 @@
           <a:spcPct val="0"/>
         </a:spcBef>
         <a:buNone/>
-        <a:defRPr sz="4400" kern="1200">
+        <a:defRPr sz="4840" kern="1200">
           <a:solidFill>
             <a:schemeClr val="tx1"/>
           </a:solidFill>
@@ -2687,16 +2692,16 @@
       </a:lvl1pPr>
     </p:titleStyle>
     <p:bodyStyle>
-      <a:lvl1pPr marL="228600" indent="-228600" algn="l" defTabSz="914400" rtl="0" eaLnBrk="1" latinLnBrk="0" hangingPunct="1">
+      <a:lvl1pPr marL="251460" indent="-251460" algn="l" defTabSz="1005840" rtl="0" eaLnBrk="1" latinLnBrk="0" hangingPunct="1">
         <a:lnSpc>
           <a:spcPct val="90000"/>
         </a:lnSpc>
         <a:spcBef>
-          <a:spcPts val="1000"/>
+          <a:spcPts val="1100"/>
         </a:spcBef>
         <a:buFont typeface="Arial" panose="020B0604020202020204" pitchFamily="34" charset="0"/>
         <a:buChar char="•"/>
-        <a:defRPr sz="2800" kern="1200">
+        <a:defRPr sz="3080" kern="1200">
           <a:solidFill>
             <a:schemeClr val="tx1"/>
           </a:solidFill>
@@ -2705,16 +2710,16 @@
           <a:cs typeface="+mn-cs"/>
         </a:defRPr>
       </a:lvl1pPr>
-      <a:lvl2pPr marL="685800" indent="-228600" algn="l" defTabSz="914400" rtl="0" eaLnBrk="1" latinLnBrk="0" hangingPunct="1">
+      <a:lvl2pPr marL="754380" indent="-251460" algn="l" defTabSz="1005840" rtl="0" eaLnBrk="1" latinLnBrk="0" hangingPunct="1">
         <a:lnSpc>
           <a:spcPct val="90000"/>
         </a:lnSpc>
         <a:spcBef>
-          <a:spcPts val="500"/>
+          <a:spcPts val="550"/>
         </a:spcBef>
         <a:buFont typeface="Arial" panose="020B0604020202020204" pitchFamily="34" charset="0"/>
         <a:buChar char="•"/>
-        <a:defRPr sz="2400" kern="1200">
+        <a:defRPr sz="2640" kern="1200">
           <a:solidFill>
             <a:schemeClr val="tx1"/>
           </a:solidFill>
@@ -2723,16 +2728,16 @@
           <a:cs typeface="+mn-cs"/>
         </a:defRPr>
       </a:lvl2pPr>
-      <a:lvl3pPr marL="1143000" indent="-228600" algn="l" defTabSz="914400" rtl="0" eaLnBrk="1" latinLnBrk="0" hangingPunct="1">
+      <a:lvl3pPr marL="1257300" indent="-251460" algn="l" defTabSz="1005840" rtl="0" eaLnBrk="1" latinLnBrk="0" hangingPunct="1">
         <a:lnSpc>
           <a:spcPct val="90000"/>
         </a:lnSpc>
         <a:spcBef>
-          <a:spcPts val="500"/>
+          <a:spcPts val="550"/>
         </a:spcBef>
         <a:buFont typeface="Arial" panose="020B0604020202020204" pitchFamily="34" charset="0"/>
         <a:buChar char="•"/>
-        <a:defRPr sz="2000" kern="1200">
+        <a:defRPr sz="2200" kern="1200">
           <a:solidFill>
             <a:schemeClr val="tx1"/>
           </a:solidFill>
@@ -2741,16 +2746,16 @@
           <a:cs typeface="+mn-cs"/>
         </a:defRPr>
       </a:lvl3pPr>
-      <a:lvl4pPr marL="1600200" indent="-228600" algn="l" defTabSz="914400" rtl="0" eaLnBrk="1" latinLnBrk="0" hangingPunct="1">
+      <a:lvl4pPr marL="1760220" indent="-251460" algn="l" defTabSz="1005840" rtl="0" eaLnBrk="1" latinLnBrk="0" hangingPunct="1">
         <a:lnSpc>
           <a:spcPct val="90000"/>
         </a:lnSpc>
         <a:spcBef>
-          <a:spcPts val="500"/>
+          <a:spcPts val="550"/>
         </a:spcBef>
         <a:buFont typeface="Arial" panose="020B0604020202020204" pitchFamily="34" charset="0"/>
         <a:buChar char="•"/>
-        <a:defRPr sz="1800" kern="1200">
+        <a:defRPr sz="1980" kern="1200">
           <a:solidFill>
             <a:schemeClr val="tx1"/>
           </a:solidFill>
@@ -2759,16 +2764,16 @@
           <a:cs typeface="+mn-cs"/>
         </a:defRPr>
       </a:lvl4pPr>
-      <a:lvl5pPr marL="2057400" indent="-228600" algn="l" defTabSz="914400" rtl="0" eaLnBrk="1" latinLnBrk="0" hangingPunct="1">
+      <a:lvl5pPr marL="2263140" indent="-251460" algn="l" defTabSz="1005840" rtl="0" eaLnBrk="1" latinLnBrk="0" hangingPunct="1">
         <a:lnSpc>
           <a:spcPct val="90000"/>
         </a:lnSpc>
         <a:spcBef>
-          <a:spcPts val="500"/>
+          <a:spcPts val="550"/>
         </a:spcBef>
         <a:buFont typeface="Arial" panose="020B0604020202020204" pitchFamily="34" charset="0"/>
         <a:buChar char="•"/>
-        <a:defRPr sz="1800" kern="1200">
+        <a:defRPr sz="1980" kern="1200">
           <a:solidFill>
             <a:schemeClr val="tx1"/>
           </a:solidFill>
@@ -2777,16 +2782,16 @@
           <a:cs typeface="+mn-cs"/>
         </a:defRPr>
       </a:lvl5pPr>
-      <a:lvl6pPr marL="2514600" indent="-228600" algn="l" defTabSz="914400" rtl="0" eaLnBrk="1" latinLnBrk="0" hangingPunct="1">
+      <a:lvl6pPr marL="2766060" indent="-251460" algn="l" defTabSz="1005840" rtl="0" eaLnBrk="1" latinLnBrk="0" hangingPunct="1">
         <a:lnSpc>
           <a:spcPct val="90000"/>
         </a:lnSpc>
         <a:spcBef>
-          <a:spcPts val="500"/>
+          <a:spcPts val="550"/>
         </a:spcBef>
         <a:buFont typeface="Arial" panose="020B0604020202020204" pitchFamily="34" charset="0"/>
         <a:buChar char="•"/>
-        <a:defRPr sz="1800" kern="1200">
+        <a:defRPr sz="1980" kern="1200">
           <a:solidFill>
             <a:schemeClr val="tx1"/>
           </a:solidFill>
@@ -2795,16 +2800,16 @@
           <a:cs typeface="+mn-cs"/>
         </a:defRPr>
       </a:lvl6pPr>
-      <a:lvl7pPr marL="2971800" indent="-228600" algn="l" defTabSz="914400" rtl="0" eaLnBrk="1" latinLnBrk="0" hangingPunct="1">
+      <a:lvl7pPr marL="3268980" indent="-251460" algn="l" defTabSz="1005840" rtl="0" eaLnBrk="1" latinLnBrk="0" hangingPunct="1">
         <a:lnSpc>
           <a:spcPct val="90000"/>
         </a:lnSpc>
         <a:spcBef>
-          <a:spcPts val="500"/>
+          <a:spcPts val="550"/>
         </a:spcBef>
         <a:buFont typeface="Arial" panose="020B0604020202020204" pitchFamily="34" charset="0"/>
         <a:buChar char="•"/>
-        <a:defRPr sz="1800" kern="1200">
+        <a:defRPr sz="1980" kern="1200">
           <a:solidFill>
             <a:schemeClr val="tx1"/>
           </a:solidFill>
@@ -2813,16 +2818,16 @@
           <a:cs typeface="+mn-cs"/>
         </a:defRPr>
       </a:lvl7pPr>
-      <a:lvl8pPr marL="3429000" indent="-228600" algn="l" defTabSz="914400" rtl="0" eaLnBrk="1" latinLnBrk="0" hangingPunct="1">
+      <a:lvl8pPr marL="3771900" indent="-251460" algn="l" defTabSz="1005840" rtl="0" eaLnBrk="1" latinLnBrk="0" hangingPunct="1">
         <a:lnSpc>
           <a:spcPct val="90000"/>
         </a:lnSpc>
         <a:spcBef>
-          <a:spcPts val="500"/>
+          <a:spcPts val="550"/>
         </a:spcBef>
         <a:buFont typeface="Arial" panose="020B0604020202020204" pitchFamily="34" charset="0"/>
         <a:buChar char="•"/>
-        <a:defRPr sz="1800" kern="1200">
+        <a:defRPr sz="1980" kern="1200">
           <a:solidFill>
             <a:schemeClr val="tx1"/>
           </a:solidFill>
@@ -2831,16 +2836,16 @@
           <a:cs typeface="+mn-cs"/>
         </a:defRPr>
       </a:lvl8pPr>
-      <a:lvl9pPr marL="3886200" indent="-228600" algn="l" defTabSz="914400" rtl="0" eaLnBrk="1" latinLnBrk="0" hangingPunct="1">
+      <a:lvl9pPr marL="4274820" indent="-251460" algn="l" defTabSz="1005840" rtl="0" eaLnBrk="1" latinLnBrk="0" hangingPunct="1">
         <a:lnSpc>
           <a:spcPct val="90000"/>
         </a:lnSpc>
         <a:spcBef>
-          <a:spcPts val="500"/>
+          <a:spcPts val="550"/>
         </a:spcBef>
         <a:buFont typeface="Arial" panose="020B0604020202020204" pitchFamily="34" charset="0"/>
         <a:buChar char="•"/>
-        <a:defRPr sz="1800" kern="1200">
+        <a:defRPr sz="1980" kern="1200">
           <a:solidFill>
             <a:schemeClr val="tx1"/>
           </a:solidFill>
@@ -2854,8 +2859,8 @@
       <a:defPPr>
         <a:defRPr lang="en-US"/>
       </a:defPPr>
-      <a:lvl1pPr marL="0" algn="l" defTabSz="914400" rtl="0" eaLnBrk="1" latinLnBrk="0" hangingPunct="1">
-        <a:defRPr sz="1800" kern="1200">
+      <a:lvl1pPr marL="0" algn="l" defTabSz="1005840" rtl="0" eaLnBrk="1" latinLnBrk="0" hangingPunct="1">
+        <a:defRPr sz="1980" kern="1200">
           <a:solidFill>
             <a:schemeClr val="tx1"/>
           </a:solidFill>
@@ -2864,8 +2869,8 @@
           <a:cs typeface="+mn-cs"/>
         </a:defRPr>
       </a:lvl1pPr>
-      <a:lvl2pPr marL="457200" algn="l" defTabSz="914400" rtl="0" eaLnBrk="1" latinLnBrk="0" hangingPunct="1">
-        <a:defRPr sz="1800" kern="1200">
+      <a:lvl2pPr marL="502920" algn="l" defTabSz="1005840" rtl="0" eaLnBrk="1" latinLnBrk="0" hangingPunct="1">
+        <a:defRPr sz="1980" kern="1200">
           <a:solidFill>
             <a:schemeClr val="tx1"/>
           </a:solidFill>
@@ -2874,8 +2879,8 @@
           <a:cs typeface="+mn-cs"/>
         </a:defRPr>
       </a:lvl2pPr>
-      <a:lvl3pPr marL="914400" algn="l" defTabSz="914400" rtl="0" eaLnBrk="1" latinLnBrk="0" hangingPunct="1">
-        <a:defRPr sz="1800" kern="1200">
+      <a:lvl3pPr marL="1005840" algn="l" defTabSz="1005840" rtl="0" eaLnBrk="1" latinLnBrk="0" hangingPunct="1">
+        <a:defRPr sz="1980" kern="1200">
           <a:solidFill>
             <a:schemeClr val="tx1"/>
           </a:solidFill>
@@ -2884,8 +2889,8 @@
           <a:cs typeface="+mn-cs"/>
         </a:defRPr>
       </a:lvl3pPr>
-      <a:lvl4pPr marL="1371600" algn="l" defTabSz="914400" rtl="0" eaLnBrk="1" latinLnBrk="0" hangingPunct="1">
-        <a:defRPr sz="1800" kern="1200">
+      <a:lvl4pPr marL="1508760" algn="l" defTabSz="1005840" rtl="0" eaLnBrk="1" latinLnBrk="0" hangingPunct="1">
+        <a:defRPr sz="1980" kern="1200">
           <a:solidFill>
             <a:schemeClr val="tx1"/>
           </a:solidFill>
@@ -2894,8 +2899,8 @@
           <a:cs typeface="+mn-cs"/>
         </a:defRPr>
       </a:lvl4pPr>
-      <a:lvl5pPr marL="1828800" algn="l" defTabSz="914400" rtl="0" eaLnBrk="1" latinLnBrk="0" hangingPunct="1">
-        <a:defRPr sz="1800" kern="1200">
+      <a:lvl5pPr marL="2011680" algn="l" defTabSz="1005840" rtl="0" eaLnBrk="1" latinLnBrk="0" hangingPunct="1">
+        <a:defRPr sz="1980" kern="1200">
           <a:solidFill>
             <a:schemeClr val="tx1"/>
           </a:solidFill>
@@ -2904,8 +2909,8 @@
           <a:cs typeface="+mn-cs"/>
         </a:defRPr>
       </a:lvl5pPr>
-      <a:lvl6pPr marL="2286000" algn="l" defTabSz="914400" rtl="0" eaLnBrk="1" latinLnBrk="0" hangingPunct="1">
-        <a:defRPr sz="1800" kern="1200">
+      <a:lvl6pPr marL="2514600" algn="l" defTabSz="1005840" rtl="0" eaLnBrk="1" latinLnBrk="0" hangingPunct="1">
+        <a:defRPr sz="1980" kern="1200">
           <a:solidFill>
             <a:schemeClr val="tx1"/>
           </a:solidFill>
@@ -2914,8 +2919,8 @@
           <a:cs typeface="+mn-cs"/>
         </a:defRPr>
       </a:lvl6pPr>
-      <a:lvl7pPr marL="2743200" algn="l" defTabSz="914400" rtl="0" eaLnBrk="1" latinLnBrk="0" hangingPunct="1">
-        <a:defRPr sz="1800" kern="1200">
+      <a:lvl7pPr marL="3017520" algn="l" defTabSz="1005840" rtl="0" eaLnBrk="1" latinLnBrk="0" hangingPunct="1">
+        <a:defRPr sz="1980" kern="1200">
           <a:solidFill>
             <a:schemeClr val="tx1"/>
           </a:solidFill>
@@ -2924,8 +2929,8 @@
           <a:cs typeface="+mn-cs"/>
         </a:defRPr>
       </a:lvl7pPr>
-      <a:lvl8pPr marL="3200400" algn="l" defTabSz="914400" rtl="0" eaLnBrk="1" latinLnBrk="0" hangingPunct="1">
-        <a:defRPr sz="1800" kern="1200">
+      <a:lvl8pPr marL="3520440" algn="l" defTabSz="1005840" rtl="0" eaLnBrk="1" latinLnBrk="0" hangingPunct="1">
+        <a:defRPr sz="1980" kern="1200">
           <a:solidFill>
             <a:schemeClr val="tx1"/>
           </a:solidFill>
@@ -2934,8 +2939,8 @@
           <a:cs typeface="+mn-cs"/>
         </a:defRPr>
       </a:lvl8pPr>
-      <a:lvl9pPr marL="3657600" algn="l" defTabSz="914400" rtl="0" eaLnBrk="1" latinLnBrk="0" hangingPunct="1">
-        <a:defRPr sz="1800" kern="1200">
+      <a:lvl9pPr marL="4023360" algn="l" defTabSz="1005840" rtl="0" eaLnBrk="1" latinLnBrk="0" hangingPunct="1">
+        <a:defRPr sz="1980" kern="1200">
           <a:solidFill>
             <a:schemeClr val="tx1"/>
           </a:solidFill>
@@ -2993,7 +2998,7 @@
         </p:blipFill>
         <p:spPr>
           <a:xfrm>
-            <a:off x="1355816" y="506603"/>
+            <a:off x="1813016" y="779454"/>
             <a:ext cx="6667500" cy="5844789"/>
           </a:xfrm>
           <a:prstGeom prst="rect">
@@ -3017,14 +3022,14 @@
             </p:nvSpPr>
             <p:spPr>
               <a:xfrm>
-                <a:off x="325853" y="5357741"/>
-                <a:ext cx="2743200" cy="1097280"/>
+                <a:off x="1033771" y="5814942"/>
+                <a:ext cx="2286000" cy="914400"/>
               </a:xfrm>
               <a:prstGeom prst="roundRect">
                 <a:avLst/>
               </a:prstGeom>
               <a:solidFill>
-                <a:srgbClr val="FF0000"/>
+                <a:srgbClr val="FF6161"/>
               </a:solidFill>
             </p:spPr>
             <p:style>
@@ -3058,7 +3063,7 @@
                         <m:rPr>
                           <m:sty m:val="p"/>
                         </m:rPr>
-                        <a:rPr lang="en-US" sz="1400" i="1" smtClean="0">
+                        <a:rPr lang="en-US" sz="1400" i="1">
                           <a:solidFill>
                             <a:schemeClr val="tx1"/>
                           </a:solidFill>
@@ -3067,231 +3072,67 @@
                         <m:t>e</m:t>
                       </m:r>
                       <m:r>
-                        <a:rPr lang="en-US" sz="1400" b="0" i="1" smtClean="0">
+                        <a:rPr lang="en-US" sz="1400" i="1">
                           <a:solidFill>
                             <a:schemeClr val="tx1"/>
                           </a:solidFill>
                           <a:latin typeface="Cambria Math" panose="02040503050406030204" pitchFamily="18" charset="0"/>
                         </a:rPr>
-                        <m:t>=1.602</m:t>
+                        <m:t>=160 </m:t>
                       </m:r>
-                      <m:r>
-                        <a:rPr lang="en-US" sz="1400" b="0" i="1" smtClean="0">
-                          <a:solidFill>
-                            <a:schemeClr val="tx1"/>
-                          </a:solidFill>
-                          <a:latin typeface="Cambria Math" panose="02040503050406030204" pitchFamily="18" charset="0"/>
-                          <a:ea typeface="Cambria Math" panose="02040503050406030204" pitchFamily="18" charset="0"/>
-                        </a:rPr>
-                        <m:t>×</m:t>
-                      </m:r>
-                      <m:sSup>
-                        <m:sSupPr>
+                      <m:f>
+                        <m:fPr>
                           <m:ctrlPr>
-                            <a:rPr lang="en-US" sz="1400" b="0" i="1" smtClean="0">
+                            <a:rPr lang="en-US" sz="1400" i="1">
+                              <a:solidFill>
+                                <a:schemeClr val="tx1"/>
+                              </a:solidFill>
+                              <a:latin typeface="Cambria Math" panose="02040503050406030204" pitchFamily="18" charset="0"/>
+                            </a:rPr>
+                          </m:ctrlPr>
+                        </m:fPr>
+                        <m:num>
+                          <m:r>
+                            <a:rPr lang="en-US" sz="1400" i="1">
+                              <a:solidFill>
+                                <a:schemeClr val="tx1"/>
+                              </a:solidFill>
+                              <a:latin typeface="Cambria Math" panose="02040503050406030204" pitchFamily="18" charset="0"/>
+                            </a:rPr>
+                            <m:t>𝑝𝑊</m:t>
+                          </m:r>
+                        </m:num>
+                        <m:den>
+                          <m:r>
+                            <a:rPr lang="en-US" sz="1400" i="1">
+                              <a:solidFill>
+                                <a:schemeClr val="tx1"/>
+                              </a:solidFill>
+                              <a:latin typeface="Cambria Math" panose="02040503050406030204" pitchFamily="18" charset="0"/>
+                            </a:rPr>
+                            <m:t>𝑉</m:t>
+                          </m:r>
+                          <m:r>
+                            <a:rPr lang="en-US" sz="1400" i="1">
                               <a:solidFill>
                                 <a:schemeClr val="tx1"/>
                               </a:solidFill>
                               <a:latin typeface="Cambria Math" panose="02040503050406030204" pitchFamily="18" charset="0"/>
                               <a:ea typeface="Cambria Math" panose="02040503050406030204" pitchFamily="18" charset="0"/>
                             </a:rPr>
-                          </m:ctrlPr>
-                        </m:sSupPr>
-                        <m:e>
+                            <m:t>∙</m:t>
+                          </m:r>
                           <m:r>
-                            <a:rPr lang="en-US" sz="1400" b="0" i="1" smtClean="0">
+                            <a:rPr lang="en-US" sz="1400" i="1">
                               <a:solidFill>
                                 <a:schemeClr val="tx1"/>
                               </a:solidFill>
                               <a:latin typeface="Cambria Math" panose="02040503050406030204" pitchFamily="18" charset="0"/>
-                              <a:ea typeface="Cambria Math" panose="02040503050406030204" pitchFamily="18" charset="0"/>
-                            </a:rPr>
-                            <m:t>10</m:t>
-                          </m:r>
-                        </m:e>
-                        <m:sup>
-                          <m:r>
-                            <a:rPr lang="en-US" sz="1400" b="0" i="1" smtClean="0">
-                              <a:solidFill>
-                                <a:schemeClr val="tx1"/>
-                              </a:solidFill>
-                              <a:latin typeface="Cambria Math" panose="02040503050406030204" pitchFamily="18" charset="0"/>
-                              <a:ea typeface="Cambria Math" panose="02040503050406030204" pitchFamily="18" charset="0"/>
-                            </a:rPr>
-                            <m:t>−19</m:t>
-                          </m:r>
-                        </m:sup>
-                      </m:sSup>
-                      <m:r>
-                        <a:rPr lang="en-US" sz="1400" b="0" i="1" smtClean="0">
-                          <a:solidFill>
-                            <a:schemeClr val="tx1"/>
-                          </a:solidFill>
-                          <a:latin typeface="Cambria Math" panose="02040503050406030204" pitchFamily="18" charset="0"/>
-                          <a:ea typeface="Cambria Math" panose="02040503050406030204" pitchFamily="18" charset="0"/>
-                        </a:rPr>
-                        <m:t> </m:t>
-                      </m:r>
-                      <m:r>
-                        <a:rPr lang="en-US" sz="1400" b="0" i="1" smtClean="0">
-                          <a:solidFill>
-                            <a:schemeClr val="tx1"/>
-                          </a:solidFill>
-                          <a:latin typeface="Cambria Math" panose="02040503050406030204" pitchFamily="18" charset="0"/>
-                          <a:ea typeface="Cambria Math" panose="02040503050406030204" pitchFamily="18" charset="0"/>
-                        </a:rPr>
-                        <m:t>𝐶</m:t>
-                      </m:r>
-                    </m:oMath>
-                  </m:oMathPara>
-                </a14:m>
-                <a:endParaRPr lang="en-US" sz="1400" dirty="0">
-                  <a:solidFill>
-                    <a:schemeClr val="tx1"/>
-                  </a:solidFill>
-                </a:endParaRPr>
-              </a:p>
-              <a:p>
-                <a:pPr algn="ctr"/>
-                <a:endParaRPr lang="en-US" sz="1400" i="1" dirty="0">
-                  <a:solidFill>
-                    <a:schemeClr val="tx1"/>
-                  </a:solidFill>
-                  <a:latin typeface="Cambria Math" panose="02040503050406030204" pitchFamily="18" charset="0"/>
-                </a:endParaRPr>
-              </a:p>
-              <a:p>
-                <a:pPr algn="ctr"/>
-                <a14:m>
-                  <m:oMathPara xmlns:m="http://schemas.openxmlformats.org/officeDocument/2006/math">
-                    <m:oMathParaPr>
-                      <m:jc m:val="centerGroup"/>
-                    </m:oMathParaPr>
-                    <m:oMath xmlns:m="http://schemas.openxmlformats.org/officeDocument/2006/math">
-                      <m:r>
-                        <m:rPr>
-                          <m:sty m:val="p"/>
-                        </m:rPr>
-                        <a:rPr lang="en-US" sz="1400" i="1" smtClean="0">
-                          <a:solidFill>
-                            <a:schemeClr val="tx1"/>
-                          </a:solidFill>
-                          <a:latin typeface="Cambria Math" panose="02040503050406030204" pitchFamily="18" charset="0"/>
-                        </a:rPr>
-                        <m:t>e</m:t>
-                      </m:r>
-                      <m:r>
-                        <a:rPr lang="en-US" sz="1400" b="0" i="1" smtClean="0">
-                          <a:solidFill>
-                            <a:schemeClr val="tx1"/>
-                          </a:solidFill>
-                          <a:latin typeface="Cambria Math" panose="02040503050406030204" pitchFamily="18" charset="0"/>
-                        </a:rPr>
-                        <m:t>=160.2 </m:t>
-                      </m:r>
-                      <m:r>
-                        <a:rPr lang="en-US" sz="1400" b="0" i="1" smtClean="0">
-                          <a:solidFill>
-                            <a:schemeClr val="tx1"/>
-                          </a:solidFill>
-                          <a:latin typeface="Cambria Math" panose="02040503050406030204" pitchFamily="18" charset="0"/>
-                        </a:rPr>
-                        <m:t>𝑝𝑊</m:t>
-                      </m:r>
-                      <m:r>
-                        <a:rPr lang="en-US" sz="1400" i="1">
-                          <a:solidFill>
-                            <a:schemeClr val="tx1"/>
-                          </a:solidFill>
-                          <a:latin typeface="Cambria Math" panose="02040503050406030204" pitchFamily="18" charset="0"/>
-                          <a:ea typeface="Cambria Math" panose="02040503050406030204" pitchFamily="18" charset="0"/>
-                        </a:rPr>
-                        <m:t>∙</m:t>
-                      </m:r>
-                      <m:sSup>
-                        <m:sSupPr>
-                          <m:ctrlPr>
-                            <a:rPr lang="en-US" sz="1400" i="1" smtClean="0">
-                              <a:solidFill>
-                                <a:schemeClr val="tx1"/>
-                              </a:solidFill>
-                              <a:latin typeface="Cambria Math" panose="02040503050406030204" pitchFamily="18" charset="0"/>
-                              <a:ea typeface="Cambria Math" panose="02040503050406030204" pitchFamily="18" charset="0"/>
-                            </a:rPr>
-                          </m:ctrlPr>
-                        </m:sSupPr>
-                        <m:e>
-                          <m:r>
-                            <a:rPr lang="en-US" sz="1400" b="0" i="1" smtClean="0">
-                              <a:solidFill>
-                                <a:schemeClr val="tx1"/>
-                              </a:solidFill>
-                              <a:latin typeface="Cambria Math" panose="02040503050406030204" pitchFamily="18" charset="0"/>
-                              <a:ea typeface="Cambria Math" panose="02040503050406030204" pitchFamily="18" charset="0"/>
-                            </a:rPr>
-                            <m:t>𝑉</m:t>
-                          </m:r>
-                        </m:e>
-                        <m:sup>
-                          <m:r>
-                            <a:rPr lang="en-US" sz="1400" b="0" i="1" smtClean="0">
-                              <a:solidFill>
-                                <a:schemeClr val="tx1"/>
-                              </a:solidFill>
-                              <a:latin typeface="Cambria Math" panose="02040503050406030204" pitchFamily="18" charset="0"/>
-                              <a:ea typeface="Cambria Math" panose="02040503050406030204" pitchFamily="18" charset="0"/>
-                            </a:rPr>
-                            <m:t>−1</m:t>
-                          </m:r>
-                        </m:sup>
-                      </m:sSup>
-                      <m:r>
-                        <a:rPr lang="en-US" sz="1400" i="1">
-                          <a:solidFill>
-                            <a:schemeClr val="tx1"/>
-                          </a:solidFill>
-                          <a:latin typeface="Cambria Math" panose="02040503050406030204" pitchFamily="18" charset="0"/>
-                          <a:ea typeface="Cambria Math" panose="02040503050406030204" pitchFamily="18" charset="0"/>
-                        </a:rPr>
-                        <m:t>∙</m:t>
-                      </m:r>
-                      <m:sSup>
-                        <m:sSupPr>
-                          <m:ctrlPr>
-                            <a:rPr lang="en-US" sz="1400" b="0" i="1" smtClean="0">
-                              <a:solidFill>
-                                <a:schemeClr val="tx1"/>
-                              </a:solidFill>
-                              <a:latin typeface="Cambria Math" panose="02040503050406030204" pitchFamily="18" charset="0"/>
-                              <a:ea typeface="Cambria Math" panose="02040503050406030204" pitchFamily="18" charset="0"/>
-                            </a:rPr>
-                          </m:ctrlPr>
-                        </m:sSupPr>
-                        <m:e>
-                          <m:r>
-                            <a:rPr lang="en-US" sz="1400" b="0" i="1" smtClean="0">
-                              <a:solidFill>
-                                <a:schemeClr val="tx1"/>
-                              </a:solidFill>
-                              <a:latin typeface="Cambria Math" panose="02040503050406030204" pitchFamily="18" charset="0"/>
-                              <a:ea typeface="Cambria Math" panose="02040503050406030204" pitchFamily="18" charset="0"/>
                             </a:rPr>
                             <m:t>𝐺𝐻𝑧</m:t>
                           </m:r>
-                        </m:e>
-                        <m:sup>
-                          <m:r>
-                            <a:rPr lang="en-US" sz="1400" b="0" i="1" smtClean="0">
-                              <a:solidFill>
-                                <a:schemeClr val="tx1"/>
-                              </a:solidFill>
-                              <a:latin typeface="Cambria Math" panose="02040503050406030204" pitchFamily="18" charset="0"/>
-                              <a:ea typeface="Cambria Math" panose="02040503050406030204" pitchFamily="18" charset="0"/>
-                            </a:rPr>
-                            <m:t>−1</m:t>
-                          </m:r>
-                        </m:sup>
-                      </m:sSup>
+                        </m:den>
+                      </m:f>
                     </m:oMath>
                   </m:oMathPara>
                 </a14:m>
@@ -3321,8 +3162,8 @@
             </p:nvSpPr>
             <p:spPr>
               <a:xfrm>
-                <a:off x="325853" y="5357741"/>
-                <a:ext cx="2743200" cy="1097280"/>
+                <a:off x="1033771" y="5814942"/>
+                <a:ext cx="2286000" cy="914400"/>
               </a:xfrm>
               <a:prstGeom prst="roundRect">
                 <a:avLst/>
@@ -3365,14 +3206,14 @@
             </p:nvSpPr>
             <p:spPr>
               <a:xfrm>
-                <a:off x="6343861" y="5357741"/>
-                <a:ext cx="2743200" cy="1097280"/>
+                <a:off x="6911673" y="5778073"/>
+                <a:ext cx="2286000" cy="914400"/>
               </a:xfrm>
               <a:prstGeom prst="roundRect">
                 <a:avLst/>
               </a:prstGeom>
               <a:solidFill>
-                <a:srgbClr val="0000FF"/>
+                <a:srgbClr val="2DC8FF"/>
               </a:solidFill>
             </p:spPr>
             <p:style>
@@ -3405,193 +3246,9 @@
                       <m:sSub>
                         <m:sSubPr>
                           <m:ctrlPr>
-                            <a:rPr lang="en-US" sz="1400" b="0" i="1" smtClean="0">
-                              <a:solidFill>
-                                <a:schemeClr val="bg1"/>
-                              </a:solidFill>
-                              <a:latin typeface="Cambria Math" panose="02040503050406030204" pitchFamily="18" charset="0"/>
-                            </a:rPr>
-                          </m:ctrlPr>
-                        </m:sSubPr>
-                        <m:e>
-                          <m:r>
-                            <a:rPr lang="en-US" sz="1400" b="0" i="1" smtClean="0">
-                              <a:solidFill>
-                                <a:schemeClr val="bg1"/>
-                              </a:solidFill>
-                              <a:latin typeface="Cambria Math" panose="02040503050406030204" pitchFamily="18" charset="0"/>
-                            </a:rPr>
-                            <m:t>𝑘</m:t>
-                          </m:r>
-                        </m:e>
-                        <m:sub>
-                          <m:r>
-                            <a:rPr lang="en-US" sz="1400" b="0" i="1" smtClean="0">
-                              <a:solidFill>
-                                <a:schemeClr val="bg1"/>
-                              </a:solidFill>
-                              <a:latin typeface="Cambria Math" panose="02040503050406030204" pitchFamily="18" charset="0"/>
-                            </a:rPr>
-                            <m:t>𝐵</m:t>
-                          </m:r>
-                        </m:sub>
-                      </m:sSub>
-                      <m:r>
-                        <a:rPr lang="en-US" sz="1400" b="0" i="1" smtClean="0">
-                          <a:solidFill>
-                            <a:schemeClr val="bg1"/>
-                          </a:solidFill>
-                          <a:latin typeface="Cambria Math" panose="02040503050406030204" pitchFamily="18" charset="0"/>
-                        </a:rPr>
-                        <m:t>=1.381</m:t>
-                      </m:r>
-                      <m:r>
-                        <a:rPr lang="en-US" sz="1400" b="0" i="1" smtClean="0">
-                          <a:solidFill>
-                            <a:schemeClr val="bg1"/>
-                          </a:solidFill>
-                          <a:latin typeface="Cambria Math" panose="02040503050406030204" pitchFamily="18" charset="0"/>
-                          <a:ea typeface="Cambria Math" panose="02040503050406030204" pitchFamily="18" charset="0"/>
-                        </a:rPr>
-                        <m:t>×</m:t>
-                      </m:r>
-                      <m:sSup>
-                        <m:sSupPr>
-                          <m:ctrlPr>
-                            <a:rPr lang="en-US" sz="1400" b="0" i="1" smtClean="0">
-                              <a:solidFill>
-                                <a:schemeClr val="bg1"/>
-                              </a:solidFill>
-                              <a:latin typeface="Cambria Math" panose="02040503050406030204" pitchFamily="18" charset="0"/>
-                              <a:ea typeface="Cambria Math" panose="02040503050406030204" pitchFamily="18" charset="0"/>
-                            </a:rPr>
-                          </m:ctrlPr>
-                        </m:sSupPr>
-                        <m:e>
-                          <m:r>
-                            <a:rPr lang="en-US" sz="1400" b="0" i="1" smtClean="0">
-                              <a:solidFill>
-                                <a:schemeClr val="bg1"/>
-                              </a:solidFill>
-                              <a:latin typeface="Cambria Math" panose="02040503050406030204" pitchFamily="18" charset="0"/>
-                              <a:ea typeface="Cambria Math" panose="02040503050406030204" pitchFamily="18" charset="0"/>
-                            </a:rPr>
-                            <m:t>10</m:t>
-                          </m:r>
-                        </m:e>
-                        <m:sup>
-                          <m:r>
-                            <a:rPr lang="en-US" sz="1400" b="0" i="1" smtClean="0">
-                              <a:solidFill>
-                                <a:schemeClr val="bg1"/>
-                              </a:solidFill>
-                              <a:latin typeface="Cambria Math" panose="02040503050406030204" pitchFamily="18" charset="0"/>
-                              <a:ea typeface="Cambria Math" panose="02040503050406030204" pitchFamily="18" charset="0"/>
-                            </a:rPr>
-                            <m:t>−23</m:t>
-                          </m:r>
-                        </m:sup>
-                      </m:sSup>
-                      <m:r>
-                        <a:rPr lang="en-US" sz="1400" b="0" i="1" smtClean="0">
-                          <a:solidFill>
-                            <a:schemeClr val="bg1"/>
-                          </a:solidFill>
-                          <a:latin typeface="Cambria Math" panose="02040503050406030204" pitchFamily="18" charset="0"/>
-                          <a:ea typeface="Cambria Math" panose="02040503050406030204" pitchFamily="18" charset="0"/>
-                        </a:rPr>
-                        <m:t> </m:t>
-                      </m:r>
-                      <m:r>
-                        <a:rPr lang="en-US" sz="1400" b="0" i="1" smtClean="0">
-                          <a:solidFill>
-                            <a:schemeClr val="bg1"/>
-                          </a:solidFill>
-                          <a:latin typeface="Cambria Math" panose="02040503050406030204" pitchFamily="18" charset="0"/>
-                          <a:ea typeface="Cambria Math" panose="02040503050406030204" pitchFamily="18" charset="0"/>
-                        </a:rPr>
-                        <m:t>𝐽</m:t>
-                      </m:r>
-                      <m:r>
-                        <a:rPr lang="en-US" sz="1400" b="0" i="1" smtClean="0">
-                          <a:solidFill>
-                            <a:schemeClr val="bg1"/>
-                          </a:solidFill>
-                          <a:latin typeface="Cambria Math" panose="02040503050406030204" pitchFamily="18" charset="0"/>
-                          <a:ea typeface="Cambria Math" panose="02040503050406030204" pitchFamily="18" charset="0"/>
-                        </a:rPr>
-                        <m:t>∙</m:t>
-                      </m:r>
-                      <m:sSup>
-                        <m:sSupPr>
-                          <m:ctrlPr>
-                            <a:rPr lang="en-US" sz="1400" b="0" i="1" smtClean="0">
-                              <a:solidFill>
-                                <a:schemeClr val="bg1"/>
-                              </a:solidFill>
-                              <a:latin typeface="Cambria Math" panose="02040503050406030204" pitchFamily="18" charset="0"/>
-                              <a:ea typeface="Cambria Math" panose="02040503050406030204" pitchFamily="18" charset="0"/>
-                            </a:rPr>
-                          </m:ctrlPr>
-                        </m:sSupPr>
-                        <m:e>
-                          <m:r>
-                            <a:rPr lang="en-US" sz="1400" b="0" i="1" smtClean="0">
-                              <a:solidFill>
-                                <a:schemeClr val="bg1"/>
-                              </a:solidFill>
-                              <a:latin typeface="Cambria Math" panose="02040503050406030204" pitchFamily="18" charset="0"/>
-                              <a:ea typeface="Cambria Math" panose="02040503050406030204" pitchFamily="18" charset="0"/>
-                            </a:rPr>
-                            <m:t>𝐾</m:t>
-                          </m:r>
-                        </m:e>
-                        <m:sup>
-                          <m:r>
-                            <a:rPr lang="en-US" sz="1400" b="0" i="1" smtClean="0">
-                              <a:solidFill>
-                                <a:schemeClr val="bg1"/>
-                              </a:solidFill>
-                              <a:latin typeface="Cambria Math" panose="02040503050406030204" pitchFamily="18" charset="0"/>
-                              <a:ea typeface="Cambria Math" panose="02040503050406030204" pitchFamily="18" charset="0"/>
-                            </a:rPr>
-                            <m:t>−1</m:t>
-                          </m:r>
-                        </m:sup>
-                      </m:sSup>
-                    </m:oMath>
-                  </m:oMathPara>
-                </a14:m>
-                <a:endParaRPr lang="en-US" sz="1400" b="0" dirty="0">
-                  <a:solidFill>
-                    <a:schemeClr val="bg1"/>
-                  </a:solidFill>
-                  <a:ea typeface="Cambria Math" panose="02040503050406030204" pitchFamily="18" charset="0"/>
-                </a:endParaRPr>
-              </a:p>
-              <a:p>
-                <a:pPr algn="ctr"/>
-                <a:endParaRPr lang="en-US" sz="1400" b="0" dirty="0">
-                  <a:solidFill>
-                    <a:schemeClr val="bg1"/>
-                  </a:solidFill>
-                  <a:ea typeface="Cambria Math" panose="02040503050406030204" pitchFamily="18" charset="0"/>
-                </a:endParaRPr>
-              </a:p>
-              <a:p>
-                <a:pPr algn="ctr"/>
-                <a14:m>
-                  <m:oMathPara xmlns:m="http://schemas.openxmlformats.org/officeDocument/2006/math">
-                    <m:oMathParaPr>
-                      <m:jc m:val="centerGroup"/>
-                    </m:oMathParaPr>
-                    <m:oMath xmlns:m="http://schemas.openxmlformats.org/officeDocument/2006/math">
-                      <m:sSub>
-                        <m:sSubPr>
-                          <m:ctrlPr>
                             <a:rPr lang="en-US" sz="1400" i="1" smtClean="0">
                               <a:solidFill>
-                                <a:schemeClr val="bg1"/>
+                                <a:schemeClr val="tx1"/>
                               </a:solidFill>
                               <a:latin typeface="Cambria Math" panose="02040503050406030204" pitchFamily="18" charset="0"/>
                             </a:rPr>
@@ -3601,7 +3258,7 @@
                           <m:r>
                             <a:rPr lang="en-US" sz="1400" i="1">
                               <a:solidFill>
-                                <a:schemeClr val="bg1"/>
+                                <a:schemeClr val="tx1"/>
                               </a:solidFill>
                               <a:latin typeface="Cambria Math" panose="02040503050406030204" pitchFamily="18" charset="0"/>
                             </a:rPr>
@@ -3612,7 +3269,7 @@
                           <m:r>
                             <a:rPr lang="en-US" sz="1400" i="1">
                               <a:solidFill>
-                                <a:schemeClr val="bg1"/>
+                                <a:schemeClr val="tx1"/>
                               </a:solidFill>
                               <a:latin typeface="Cambria Math" panose="02040503050406030204" pitchFamily="18" charset="0"/>
                             </a:rPr>
@@ -3621,123 +3278,74 @@
                         </m:sub>
                       </m:sSub>
                       <m:r>
-                        <a:rPr lang="en-US" sz="1400" b="0" i="1" smtClean="0">
+                        <a:rPr lang="en-US" sz="1400" i="1">
                           <a:solidFill>
-                            <a:schemeClr val="bg1"/>
+                            <a:schemeClr val="tx1"/>
                           </a:solidFill>
                           <a:latin typeface="Cambria Math" panose="02040503050406030204" pitchFamily="18" charset="0"/>
                         </a:rPr>
-                        <m:t>=13.81 </m:t>
+                        <m:t>=13.8 </m:t>
                       </m:r>
-                      <m:r>
-                        <a:rPr lang="en-US" sz="1400" b="0" i="1" smtClean="0">
-                          <a:solidFill>
-                            <a:schemeClr val="bg1"/>
-                          </a:solidFill>
-                          <a:latin typeface="Cambria Math" panose="02040503050406030204" pitchFamily="18" charset="0"/>
-                        </a:rPr>
-                        <m:t>𝑓𝑊</m:t>
-                      </m:r>
-                      <m:r>
-                        <a:rPr lang="en-US" sz="1400" b="0" i="1" smtClean="0">
-                          <a:solidFill>
-                            <a:schemeClr val="bg1"/>
-                          </a:solidFill>
-                          <a:latin typeface="Cambria Math" panose="02040503050406030204" pitchFamily="18" charset="0"/>
-                          <a:ea typeface="Cambria Math" panose="02040503050406030204" pitchFamily="18" charset="0"/>
-                        </a:rPr>
-                        <m:t>∙</m:t>
-                      </m:r>
-                      <m:sSup>
-                        <m:sSupPr>
+                      <m:f>
+                        <m:fPr>
                           <m:ctrlPr>
-                            <a:rPr lang="en-US" sz="1400" b="0" i="1" smtClean="0">
+                            <a:rPr lang="en-US" sz="1400" i="1">
                               <a:solidFill>
-                                <a:schemeClr val="bg1"/>
+                                <a:schemeClr val="tx1"/>
+                              </a:solidFill>
+                              <a:latin typeface="Cambria Math" panose="02040503050406030204" pitchFamily="18" charset="0"/>
+                            </a:rPr>
+                          </m:ctrlPr>
+                        </m:fPr>
+                        <m:num>
+                          <m:r>
+                            <a:rPr lang="en-US" sz="1400" i="1">
+                              <a:solidFill>
+                                <a:schemeClr val="tx1"/>
+                              </a:solidFill>
+                              <a:latin typeface="Cambria Math" panose="02040503050406030204" pitchFamily="18" charset="0"/>
+                            </a:rPr>
+                            <m:t>𝑓𝑊</m:t>
+                          </m:r>
+                        </m:num>
+                        <m:den>
+                          <m:r>
+                            <a:rPr lang="en-US" sz="1400" i="1">
+                              <a:solidFill>
+                                <a:schemeClr val="tx1"/>
+                              </a:solidFill>
+                              <a:latin typeface="Cambria Math" panose="02040503050406030204" pitchFamily="18" charset="0"/>
+                            </a:rPr>
+                            <m:t>𝐺𝐻𝑧</m:t>
+                          </m:r>
+                          <m:r>
+                            <a:rPr lang="en-US" sz="1400" i="1">
+                              <a:solidFill>
+                                <a:schemeClr val="tx1"/>
                               </a:solidFill>
                               <a:latin typeface="Cambria Math" panose="02040503050406030204" pitchFamily="18" charset="0"/>
                               <a:ea typeface="Cambria Math" panose="02040503050406030204" pitchFamily="18" charset="0"/>
                             </a:rPr>
-                          </m:ctrlPr>
-                        </m:sSupPr>
-                        <m:e>
-                          <m:r>
-                            <a:rPr lang="en-US" sz="1400" b="0" i="1" smtClean="0">
-                              <a:solidFill>
-                                <a:schemeClr val="bg1"/>
-                              </a:solidFill>
-                              <a:latin typeface="Cambria Math" panose="02040503050406030204" pitchFamily="18" charset="0"/>
-                              <a:ea typeface="Cambria Math" panose="02040503050406030204" pitchFamily="18" charset="0"/>
-                            </a:rPr>
-                            <m:t>𝐺𝐻𝑧</m:t>
+                            <m:t>∙</m:t>
                           </m:r>
-                        </m:e>
-                        <m:sup>
-                          <m:r>
-                            <a:rPr lang="en-US" sz="1400" b="0" i="1" smtClean="0">
-                              <a:solidFill>
-                                <a:schemeClr val="bg1"/>
-                              </a:solidFill>
-                              <a:latin typeface="Cambria Math" panose="02040503050406030204" pitchFamily="18" charset="0"/>
-                              <a:ea typeface="Cambria Math" panose="02040503050406030204" pitchFamily="18" charset="0"/>
-                            </a:rPr>
-                            <m:t>−1</m:t>
-                          </m:r>
-                        </m:sup>
-                      </m:sSup>
-                      <m:r>
-                        <a:rPr lang="en-US" sz="1400" i="1">
-                          <a:solidFill>
-                            <a:schemeClr val="bg1"/>
-                          </a:solidFill>
-                          <a:latin typeface="Cambria Math" panose="02040503050406030204" pitchFamily="18" charset="0"/>
-                          <a:ea typeface="Cambria Math" panose="02040503050406030204" pitchFamily="18" charset="0"/>
-                        </a:rPr>
-                        <m:t>∙</m:t>
-                      </m:r>
-                      <m:sSup>
-                        <m:sSupPr>
-                          <m:ctrlPr>
-                            <a:rPr lang="en-US" sz="1400" i="1">
-                              <a:solidFill>
-                                <a:schemeClr val="bg1"/>
-                              </a:solidFill>
-                              <a:latin typeface="Cambria Math" panose="02040503050406030204" pitchFamily="18" charset="0"/>
-                              <a:ea typeface="Cambria Math" panose="02040503050406030204" pitchFamily="18" charset="0"/>
-                            </a:rPr>
-                          </m:ctrlPr>
-                        </m:sSupPr>
-                        <m:e>
                           <m:r>
                             <a:rPr lang="en-US" sz="1400" i="1">
                               <a:solidFill>
-                                <a:schemeClr val="bg1"/>
+                                <a:schemeClr val="tx1"/>
                               </a:solidFill>
                               <a:latin typeface="Cambria Math" panose="02040503050406030204" pitchFamily="18" charset="0"/>
                               <a:ea typeface="Cambria Math" panose="02040503050406030204" pitchFamily="18" charset="0"/>
                             </a:rPr>
                             <m:t>𝐾</m:t>
                           </m:r>
-                        </m:e>
-                        <m:sup>
-                          <m:r>
-                            <a:rPr lang="en-US" sz="1400" i="1">
-                              <a:solidFill>
-                                <a:schemeClr val="bg1"/>
-                              </a:solidFill>
-                              <a:latin typeface="Cambria Math" panose="02040503050406030204" pitchFamily="18" charset="0"/>
-                              <a:ea typeface="Cambria Math" panose="02040503050406030204" pitchFamily="18" charset="0"/>
-                            </a:rPr>
-                            <m:t>−1</m:t>
-                          </m:r>
-                        </m:sup>
-                      </m:sSup>
+                        </m:den>
+                      </m:f>
                     </m:oMath>
                   </m:oMathPara>
                 </a14:m>
                 <a:endParaRPr lang="en-US" sz="1400" dirty="0">
                   <a:solidFill>
-                    <a:schemeClr val="bg1"/>
+                    <a:schemeClr val="tx1"/>
                   </a:solidFill>
                 </a:endParaRPr>
               </a:p>
@@ -3761,8 +3369,8 @@
             </p:nvSpPr>
             <p:spPr>
               <a:xfrm>
-                <a:off x="6343861" y="5357741"/>
-                <a:ext cx="2743200" cy="1097280"/>
+                <a:off x="6911673" y="5778073"/>
+                <a:ext cx="2286000" cy="914400"/>
               </a:xfrm>
               <a:prstGeom prst="roundRect">
                 <a:avLst/>
@@ -3805,14 +3413,14 @@
             </p:nvSpPr>
             <p:spPr>
               <a:xfrm>
-                <a:off x="3344600" y="5357741"/>
-                <a:ext cx="2743200" cy="1097280"/>
+                <a:off x="4232366" y="5501667"/>
+                <a:ext cx="1828800" cy="1371600"/>
               </a:xfrm>
               <a:prstGeom prst="roundRect">
                 <a:avLst/>
               </a:prstGeom>
               <a:solidFill>
-                <a:srgbClr val="FF00FF"/>
+                <a:srgbClr val="FF61FF"/>
               </a:solidFill>
             </p:spPr>
             <p:style>
@@ -3845,7 +3453,7 @@
                       <m:f>
                         <m:fPr>
                           <m:ctrlPr>
-                            <a:rPr lang="en-US" sz="1400" b="0" i="1" smtClean="0">
+                            <a:rPr lang="en-US" sz="1400" i="1">
                               <a:solidFill>
                                 <a:srgbClr val="002060"/>
                               </a:solidFill>
@@ -3891,7 +3499,7 @@
                         </m:num>
                         <m:den>
                           <m:r>
-                            <a:rPr lang="en-US" sz="1400" b="0" i="1" smtClean="0">
+                            <a:rPr lang="en-US" sz="1400" i="1">
                               <a:solidFill>
                                 <a:srgbClr val="002060"/>
                               </a:solidFill>
@@ -3902,57 +3510,26 @@
                         </m:den>
                       </m:f>
                       <m:r>
-                        <a:rPr lang="en-US" sz="1400" b="0" i="1" smtClean="0">
+                        <a:rPr lang="en-US" sz="1400" i="1">
                           <a:solidFill>
                             <a:srgbClr val="002060"/>
                           </a:solidFill>
                           <a:latin typeface="Cambria Math" panose="02040503050406030204" pitchFamily="18" charset="0"/>
                         </a:rPr>
-                        <m:t>=86.17 </m:t>
+                        <m:t>=86.2 </m:t>
                       </m:r>
-                      <m:r>
-                        <a:rPr lang="en-US" sz="1400" b="0" i="1" smtClean="0">
-                          <a:solidFill>
-                            <a:srgbClr val="002060"/>
-                          </a:solidFill>
-                          <a:latin typeface="Cambria Math" panose="02040503050406030204" pitchFamily="18" charset="0"/>
-                          <a:ea typeface="Cambria Math" panose="02040503050406030204" pitchFamily="18" charset="0"/>
-                        </a:rPr>
-                        <m:t>𝜇</m:t>
-                      </m:r>
-                      <m:r>
-                        <a:rPr lang="en-US" sz="1400" b="0" i="1" smtClean="0">
-                          <a:solidFill>
-                            <a:srgbClr val="002060"/>
-                          </a:solidFill>
-                          <a:latin typeface="Cambria Math" panose="02040503050406030204" pitchFamily="18" charset="0"/>
-                          <a:ea typeface="Cambria Math" panose="02040503050406030204" pitchFamily="18" charset="0"/>
-                        </a:rPr>
-                        <m:t>𝑉</m:t>
-                      </m:r>
-                      <m:r>
-                        <a:rPr lang="en-US" sz="1400" b="0" i="1" smtClean="0">
-                          <a:solidFill>
-                            <a:srgbClr val="002060"/>
-                          </a:solidFill>
-                          <a:latin typeface="Cambria Math" panose="02040503050406030204" pitchFamily="18" charset="0"/>
-                          <a:ea typeface="Cambria Math" panose="02040503050406030204" pitchFamily="18" charset="0"/>
-                        </a:rPr>
-                        <m:t>∙</m:t>
-                      </m:r>
-                      <m:sSup>
-                        <m:sSupPr>
+                      <m:f>
+                        <m:fPr>
                           <m:ctrlPr>
                             <a:rPr lang="en-US" sz="1400" i="1">
                               <a:solidFill>
                                 <a:srgbClr val="002060"/>
                               </a:solidFill>
                               <a:latin typeface="Cambria Math" panose="02040503050406030204" pitchFamily="18" charset="0"/>
-                              <a:ea typeface="Cambria Math" panose="02040503050406030204" pitchFamily="18" charset="0"/>
                             </a:rPr>
                           </m:ctrlPr>
-                        </m:sSupPr>
-                        <m:e>
+                        </m:fPr>
+                        <m:num>
                           <m:r>
                             <a:rPr lang="en-US" sz="1400" i="1">
                               <a:solidFill>
@@ -3961,10 +3538,8 @@
                               <a:latin typeface="Cambria Math" panose="02040503050406030204" pitchFamily="18" charset="0"/>
                               <a:ea typeface="Cambria Math" panose="02040503050406030204" pitchFamily="18" charset="0"/>
                             </a:rPr>
-                            <m:t>𝐾</m:t>
+                            <m:t>𝜇</m:t>
                           </m:r>
-                        </m:e>
-                        <m:sup>
                           <m:r>
                             <a:rPr lang="en-US" sz="1400" i="1">
                               <a:solidFill>
@@ -3973,10 +3548,21 @@
                               <a:latin typeface="Cambria Math" panose="02040503050406030204" pitchFamily="18" charset="0"/>
                               <a:ea typeface="Cambria Math" panose="02040503050406030204" pitchFamily="18" charset="0"/>
                             </a:rPr>
-                            <m:t>−1</m:t>
+                            <m:t>𝑉</m:t>
                           </m:r>
-                        </m:sup>
-                      </m:sSup>
+                        </m:num>
+                        <m:den>
+                          <m:r>
+                            <a:rPr lang="en-US" sz="1400" i="1">
+                              <a:solidFill>
+                                <a:srgbClr val="002060"/>
+                              </a:solidFill>
+                              <a:latin typeface="Cambria Math" panose="02040503050406030204" pitchFamily="18" charset="0"/>
+                            </a:rPr>
+                            <m:t>𝐾</m:t>
+                          </m:r>
+                        </m:den>
+                      </m:f>
                     </m:oMath>
                   </m:oMathPara>
                 </a14:m>
@@ -4007,7 +3593,7 @@
                       <m:f>
                         <m:fPr>
                           <m:ctrlPr>
-                            <a:rPr lang="en-US" sz="1400" b="0" i="1" smtClean="0">
+                            <a:rPr lang="en-US" sz="1400" i="1">
                               <a:solidFill>
                                 <a:srgbClr val="002060"/>
                               </a:solidFill>
@@ -4017,7 +3603,7 @@
                         </m:fPr>
                         <m:num>
                           <m:r>
-                            <a:rPr lang="en-US" sz="1400" b="0" i="1" smtClean="0">
+                            <a:rPr lang="en-US" sz="1400" i="1">
                               <a:solidFill>
                                 <a:srgbClr val="002060"/>
                               </a:solidFill>
@@ -4064,71 +3650,48 @@
                         </m:den>
                       </m:f>
                       <m:r>
-                        <a:rPr lang="en-US" sz="1400" b="0" i="1" smtClean="0">
+                        <a:rPr lang="en-US" sz="1400" i="1">
                           <a:solidFill>
                             <a:srgbClr val="002060"/>
                           </a:solidFill>
                           <a:latin typeface="Cambria Math" panose="02040503050406030204" pitchFamily="18" charset="0"/>
                         </a:rPr>
-                        <m:t>=11.60 </m:t>
+                        <m:t>=11.6 </m:t>
                       </m:r>
-                      <m:r>
-                        <a:rPr lang="en-US" sz="1400" b="0" i="1" smtClean="0">
-                          <a:solidFill>
-                            <a:srgbClr val="002060"/>
-                          </a:solidFill>
-                          <a:latin typeface="Cambria Math" panose="02040503050406030204" pitchFamily="18" charset="0"/>
-                          <a:ea typeface="Cambria Math" panose="02040503050406030204" pitchFamily="18" charset="0"/>
-                        </a:rPr>
-                        <m:t>𝐾</m:t>
-                      </m:r>
-                      <m:r>
-                        <a:rPr lang="en-US" sz="1400" b="0" i="1" smtClean="0">
-                          <a:solidFill>
-                            <a:srgbClr val="002060"/>
-                          </a:solidFill>
-                          <a:latin typeface="Cambria Math" panose="02040503050406030204" pitchFamily="18" charset="0"/>
-                          <a:ea typeface="Cambria Math" panose="02040503050406030204" pitchFamily="18" charset="0"/>
-                        </a:rPr>
-                        <m:t>∙</m:t>
-                      </m:r>
-                      <m:sSup>
-                        <m:sSupPr>
+                      <m:f>
+                        <m:fPr>
                           <m:ctrlPr>
                             <a:rPr lang="en-US" sz="1400" i="1">
                               <a:solidFill>
                                 <a:srgbClr val="002060"/>
                               </a:solidFill>
                               <a:latin typeface="Cambria Math" panose="02040503050406030204" pitchFamily="18" charset="0"/>
-                              <a:ea typeface="Cambria Math" panose="02040503050406030204" pitchFamily="18" charset="0"/>
                             </a:rPr>
                           </m:ctrlPr>
-                        </m:sSupPr>
-                        <m:e>
-                          <m:r>
-                            <a:rPr lang="en-US" sz="1400" b="0" i="1" smtClean="0">
-                              <a:solidFill>
-                                <a:srgbClr val="002060"/>
-                              </a:solidFill>
-                              <a:latin typeface="Cambria Math" panose="02040503050406030204" pitchFamily="18" charset="0"/>
-                              <a:ea typeface="Cambria Math" panose="02040503050406030204" pitchFamily="18" charset="0"/>
-                            </a:rPr>
-                            <m:t>𝑚𝑉</m:t>
-                          </m:r>
-                        </m:e>
-                        <m:sup>
+                        </m:fPr>
+                        <m:num>
                           <m:r>
                             <a:rPr lang="en-US" sz="1400" i="1">
                               <a:solidFill>
                                 <a:srgbClr val="002060"/>
                               </a:solidFill>
                               <a:latin typeface="Cambria Math" panose="02040503050406030204" pitchFamily="18" charset="0"/>
-                              <a:ea typeface="Cambria Math" panose="02040503050406030204" pitchFamily="18" charset="0"/>
                             </a:rPr>
-                            <m:t>−1</m:t>
+                            <m:t>𝐾</m:t>
                           </m:r>
-                        </m:sup>
-                      </m:sSup>
+                        </m:num>
+                        <m:den>
+                          <m:r>
+                            <a:rPr lang="en-US" sz="1400" i="1">
+                              <a:solidFill>
+                                <a:srgbClr val="002060"/>
+                              </a:solidFill>
+                              <a:latin typeface="Cambria Math" panose="02040503050406030204" pitchFamily="18" charset="0"/>
+                            </a:rPr>
+                            <m:t>𝑚𝑉</m:t>
+                          </m:r>
+                        </m:den>
+                      </m:f>
                     </m:oMath>
                   </m:oMathPara>
                 </a14:m>
@@ -4158,8 +3721,8 @@
             </p:nvSpPr>
             <p:spPr>
               <a:xfrm>
-                <a:off x="3344600" y="5357741"/>
-                <a:ext cx="2743200" cy="1097280"/>
+                <a:off x="4232366" y="5501667"/>
+                <a:ext cx="1828800" cy="1371600"/>
               </a:xfrm>
               <a:prstGeom prst="roundRect">
                 <a:avLst/>
@@ -4202,14 +3765,14 @@
             </p:nvSpPr>
             <p:spPr>
               <a:xfrm>
-                <a:off x="4998894" y="2889832"/>
-                <a:ext cx="2743200" cy="1097280"/>
+                <a:off x="5463469" y="3361786"/>
+                <a:ext cx="2286000" cy="914400"/>
               </a:xfrm>
               <a:prstGeom prst="roundRect">
                 <a:avLst/>
               </a:prstGeom>
               <a:solidFill>
-                <a:srgbClr val="009600"/>
+                <a:srgbClr val="92D050"/>
               </a:solidFill>
             </p:spPr>
             <p:style>
@@ -4242,7 +3805,7 @@
                       <m:f>
                         <m:fPr>
                           <m:ctrlPr>
-                            <a:rPr lang="en-US" sz="1400" b="0" i="1" smtClean="0">
+                            <a:rPr lang="en-US" sz="1400" i="1">
                               <a:solidFill>
                                 <a:srgbClr val="002060"/>
                               </a:solidFill>
@@ -4252,7 +3815,7 @@
                         </m:fPr>
                         <m:num>
                           <m:r>
-                            <a:rPr lang="en-US" sz="1400" b="0" i="1" smtClean="0">
+                            <a:rPr lang="en-US" sz="1400" i="1">
                               <a:solidFill>
                                 <a:srgbClr val="002060"/>
                               </a:solidFill>
@@ -4275,7 +3838,7 @@
                             </m:sSubPr>
                             <m:e>
                               <m:r>
-                                <a:rPr lang="en-US" sz="1400" b="0" i="1" smtClean="0">
+                                <a:rPr lang="en-US" sz="1400" i="1">
                                   <a:solidFill>
                                     <a:srgbClr val="002060"/>
                                   </a:solidFill>
@@ -4308,70 +3871,48 @@
                         </m:den>
                       </m:f>
                       <m:r>
-                        <a:rPr lang="en-US" sz="1400" b="0" i="1" smtClean="0">
+                        <a:rPr lang="en-US" sz="1400" i="1">
                           <a:solidFill>
                             <a:srgbClr val="002060"/>
                           </a:solidFill>
                           <a:latin typeface="Cambria Math" panose="02040503050406030204" pitchFamily="18" charset="0"/>
                         </a:rPr>
-                        <m:t>=24.00 </m:t>
+                        <m:t>=24.0 </m:t>
                       </m:r>
-                      <m:r>
-                        <a:rPr lang="en-US" sz="1400" b="0" i="1" smtClean="0">
-                          <a:solidFill>
-                            <a:srgbClr val="002060"/>
-                          </a:solidFill>
-                          <a:latin typeface="Cambria Math" panose="02040503050406030204" pitchFamily="18" charset="0"/>
-                        </a:rPr>
-                        <m:t>𝑚𝐾</m:t>
-                      </m:r>
-                      <m:r>
-                        <a:rPr lang="en-US" sz="1400" b="0" i="1" smtClean="0">
-                          <a:solidFill>
-                            <a:srgbClr val="002060"/>
-                          </a:solidFill>
-                          <a:latin typeface="Cambria Math" panose="02040503050406030204" pitchFamily="18" charset="0"/>
-                          <a:ea typeface="Cambria Math" panose="02040503050406030204" pitchFamily="18" charset="0"/>
-                        </a:rPr>
-                        <m:t>∙</m:t>
-                      </m:r>
-                      <m:sSup>
-                        <m:sSupPr>
+                      <m:f>
+                        <m:fPr>
                           <m:ctrlPr>
                             <a:rPr lang="en-US" sz="1400" i="1">
                               <a:solidFill>
                                 <a:srgbClr val="002060"/>
                               </a:solidFill>
                               <a:latin typeface="Cambria Math" panose="02040503050406030204" pitchFamily="18" charset="0"/>
-                              <a:ea typeface="Cambria Math" panose="02040503050406030204" pitchFamily="18" charset="0"/>
                             </a:rPr>
                           </m:ctrlPr>
-                        </m:sSupPr>
-                        <m:e>
-                          <m:r>
-                            <a:rPr lang="en-US" sz="1400" b="0" i="1" smtClean="0">
-                              <a:solidFill>
-                                <a:srgbClr val="002060"/>
-                              </a:solidFill>
-                              <a:latin typeface="Cambria Math" panose="02040503050406030204" pitchFamily="18" charset="0"/>
-                              <a:ea typeface="Cambria Math" panose="02040503050406030204" pitchFamily="18" charset="0"/>
-                            </a:rPr>
-                            <m:t>𝐺𝐻𝑧</m:t>
-                          </m:r>
-                        </m:e>
-                        <m:sup>
+                        </m:fPr>
+                        <m:num>
                           <m:r>
                             <a:rPr lang="en-US" sz="1400" i="1">
                               <a:solidFill>
                                 <a:srgbClr val="002060"/>
                               </a:solidFill>
                               <a:latin typeface="Cambria Math" panose="02040503050406030204" pitchFamily="18" charset="0"/>
-                              <a:ea typeface="Cambria Math" panose="02040503050406030204" pitchFamily="18" charset="0"/>
                             </a:rPr>
-                            <m:t>−1</m:t>
+                            <m:t>𝑚𝐾</m:t>
                           </m:r>
-                        </m:sup>
-                      </m:sSup>
+                        </m:num>
+                        <m:den>
+                          <m:r>
+                            <a:rPr lang="en-US" sz="1400" i="1">
+                              <a:solidFill>
+                                <a:srgbClr val="002060"/>
+                              </a:solidFill>
+                              <a:latin typeface="Cambria Math" panose="02040503050406030204" pitchFamily="18" charset="0"/>
+                            </a:rPr>
+                            <m:t>𝐺𝐻𝑧</m:t>
+                          </m:r>
+                        </m:den>
+                      </m:f>
                     </m:oMath>
                   </m:oMathPara>
                 </a14:m>
@@ -4401,8 +3942,8 @@
             </p:nvSpPr>
             <p:spPr>
               <a:xfrm>
-                <a:off x="4998894" y="2889832"/>
-                <a:ext cx="2743200" cy="1097280"/>
+                <a:off x="5463469" y="3361786"/>
+                <a:ext cx="2286000" cy="914400"/>
               </a:xfrm>
               <a:prstGeom prst="roundRect">
                 <a:avLst/>
@@ -4445,14 +3986,14 @@
             </p:nvSpPr>
             <p:spPr>
               <a:xfrm>
-                <a:off x="1472930" y="2889832"/>
-                <a:ext cx="2743200" cy="1097280"/>
+                <a:off x="2392755" y="3361786"/>
+                <a:ext cx="2286000" cy="914400"/>
               </a:xfrm>
               <a:prstGeom prst="roundRect">
                 <a:avLst/>
               </a:prstGeom>
               <a:solidFill>
-                <a:srgbClr val="FF8C00"/>
+                <a:srgbClr val="FFA83F"/>
               </a:solidFill>
             </p:spPr>
             <p:style>
@@ -4485,7 +4026,7 @@
                       <m:f>
                         <m:fPr>
                           <m:ctrlPr>
-                            <a:rPr lang="en-US" sz="1400" b="0" i="1" smtClean="0">
+                            <a:rPr lang="en-US" sz="1400" i="1">
                               <a:solidFill>
                                 <a:srgbClr val="002060"/>
                               </a:solidFill>
@@ -4495,7 +4036,7 @@
                         </m:fPr>
                         <m:num>
                           <m:r>
-                            <a:rPr lang="en-US" sz="1400" b="0" i="1" smtClean="0">
+                            <a:rPr lang="en-US" sz="1400" i="1">
                               <a:solidFill>
                                 <a:srgbClr val="002060"/>
                               </a:solidFill>
@@ -4506,7 +4047,7 @@
                         </m:num>
                         <m:den>
                           <m:r>
-                            <a:rPr lang="en-US" sz="1400" i="1" smtClean="0">
+                            <a:rPr lang="en-US" sz="1400" i="1">
                               <a:solidFill>
                                 <a:srgbClr val="002060"/>
                               </a:solidFill>
@@ -4515,7 +4056,7 @@
                             <m:t>2</m:t>
                           </m:r>
                           <m:r>
-                            <a:rPr lang="en-US" sz="1400" b="0" i="1" smtClean="0">
+                            <a:rPr lang="en-US" sz="1400" i="1">
                               <a:solidFill>
                                 <a:srgbClr val="002060"/>
                               </a:solidFill>
@@ -4526,69 +4067,26 @@
                         </m:den>
                       </m:f>
                       <m:r>
-                        <a:rPr lang="en-US" sz="1400" b="0" i="1" smtClean="0">
+                        <a:rPr lang="en-US" sz="1400" i="1">
                           <a:solidFill>
                             <a:srgbClr val="002060"/>
                           </a:solidFill>
                           <a:latin typeface="Cambria Math" panose="02040503050406030204" pitchFamily="18" charset="0"/>
                         </a:rPr>
-                        <m:t>=2.068 </m:t>
+                        <m:t>=2.07 </m:t>
                       </m:r>
-                      <m:r>
-                        <a:rPr lang="en-US" sz="1400" b="0" i="1" smtClean="0">
-                          <a:solidFill>
-                            <a:srgbClr val="002060"/>
-                          </a:solidFill>
-                          <a:latin typeface="Cambria Math" panose="02040503050406030204" pitchFamily="18" charset="0"/>
-                          <a:ea typeface="Cambria Math" panose="02040503050406030204" pitchFamily="18" charset="0"/>
-                        </a:rPr>
-                        <m:t>𝜇</m:t>
-                      </m:r>
-                      <m:r>
-                        <a:rPr lang="en-US" sz="1400" b="0" i="1" smtClean="0">
-                          <a:solidFill>
-                            <a:srgbClr val="002060"/>
-                          </a:solidFill>
-                          <a:latin typeface="Cambria Math" panose="02040503050406030204" pitchFamily="18" charset="0"/>
-                          <a:ea typeface="Cambria Math" panose="02040503050406030204" pitchFamily="18" charset="0"/>
-                        </a:rPr>
-                        <m:t>𝑉</m:t>
-                      </m:r>
-                      <m:r>
-                        <a:rPr lang="en-US" sz="1400" b="0" i="1" smtClean="0">
-                          <a:solidFill>
-                            <a:srgbClr val="002060"/>
-                          </a:solidFill>
-                          <a:latin typeface="Cambria Math" panose="02040503050406030204" pitchFamily="18" charset="0"/>
-                          <a:ea typeface="Cambria Math" panose="02040503050406030204" pitchFamily="18" charset="0"/>
-                        </a:rPr>
-                        <m:t>∙</m:t>
-                      </m:r>
-                      <m:sSup>
-                        <m:sSupPr>
+                      <m:f>
+                        <m:fPr>
                           <m:ctrlPr>
                             <a:rPr lang="en-US" sz="1400" i="1">
                               <a:solidFill>
                                 <a:srgbClr val="002060"/>
                               </a:solidFill>
                               <a:latin typeface="Cambria Math" panose="02040503050406030204" pitchFamily="18" charset="0"/>
-                              <a:ea typeface="Cambria Math" panose="02040503050406030204" pitchFamily="18" charset="0"/>
                             </a:rPr>
                           </m:ctrlPr>
-                        </m:sSupPr>
-                        <m:e>
-                          <m:r>
-                            <a:rPr lang="en-US" sz="1400" b="0" i="1" smtClean="0">
-                              <a:solidFill>
-                                <a:srgbClr val="002060"/>
-                              </a:solidFill>
-                              <a:latin typeface="Cambria Math" panose="02040503050406030204" pitchFamily="18" charset="0"/>
-                              <a:ea typeface="Cambria Math" panose="02040503050406030204" pitchFamily="18" charset="0"/>
-                            </a:rPr>
-                            <m:t>𝐺𝐻𝑧</m:t>
-                          </m:r>
-                        </m:e>
-                        <m:sup>
+                        </m:fPr>
+                        <m:num>
                           <m:r>
                             <a:rPr lang="en-US" sz="1400" i="1">
                               <a:solidFill>
@@ -4597,10 +4095,31 @@
                               <a:latin typeface="Cambria Math" panose="02040503050406030204" pitchFamily="18" charset="0"/>
                               <a:ea typeface="Cambria Math" panose="02040503050406030204" pitchFamily="18" charset="0"/>
                             </a:rPr>
-                            <m:t>−1</m:t>
+                            <m:t>𝜇</m:t>
                           </m:r>
-                        </m:sup>
-                      </m:sSup>
+                          <m:r>
+                            <a:rPr lang="en-US" sz="1400" i="1">
+                              <a:solidFill>
+                                <a:srgbClr val="002060"/>
+                              </a:solidFill>
+                              <a:latin typeface="Cambria Math" panose="02040503050406030204" pitchFamily="18" charset="0"/>
+                              <a:ea typeface="Cambria Math" panose="02040503050406030204" pitchFamily="18" charset="0"/>
+                            </a:rPr>
+                            <m:t>𝑉</m:t>
+                          </m:r>
+                        </m:num>
+                        <m:den>
+                          <m:r>
+                            <a:rPr lang="en-US" sz="1400" i="1">
+                              <a:solidFill>
+                                <a:srgbClr val="002060"/>
+                              </a:solidFill>
+                              <a:latin typeface="Cambria Math" panose="02040503050406030204" pitchFamily="18" charset="0"/>
+                            </a:rPr>
+                            <m:t>𝐺𝐻𝑧</m:t>
+                          </m:r>
+                        </m:den>
+                      </m:f>
                     </m:oMath>
                   </m:oMathPara>
                 </a14:m>
@@ -4630,8 +4149,8 @@
             </p:nvSpPr>
             <p:spPr>
               <a:xfrm>
-                <a:off x="1472930" y="2889832"/>
-                <a:ext cx="2743200" cy="1097280"/>
+                <a:off x="2392755" y="3361786"/>
+                <a:ext cx="2286000" cy="914400"/>
               </a:xfrm>
               <a:prstGeom prst="roundRect">
                 <a:avLst/>
@@ -4674,8 +4193,8 @@
             </p:nvSpPr>
             <p:spPr>
               <a:xfrm>
-                <a:off x="3317966" y="454596"/>
-                <a:ext cx="2743200" cy="1097280"/>
+                <a:off x="4003768" y="815934"/>
+                <a:ext cx="2286000" cy="914400"/>
               </a:xfrm>
               <a:prstGeom prst="roundRect">
                 <a:avLst/>
@@ -4712,7 +4231,7 @@
                     </m:oMathParaPr>
                     <m:oMath xmlns:m="http://schemas.openxmlformats.org/officeDocument/2006/math">
                       <m:r>
-                        <a:rPr lang="en-US" sz="1400" b="0" i="1" smtClean="0">
+                        <a:rPr lang="en-US" sz="1400" i="1">
                           <a:solidFill>
                             <a:schemeClr val="tx1"/>
                           </a:solidFill>
@@ -4721,192 +4240,73 @@
                         <m:t>h</m:t>
                       </m:r>
                       <m:r>
-                        <a:rPr lang="en-US" sz="1400" b="0" i="1" smtClean="0">
+                        <a:rPr lang="en-US" sz="1400" i="1">
                           <a:solidFill>
                             <a:schemeClr val="tx1"/>
                           </a:solidFill>
                           <a:latin typeface="Cambria Math" panose="02040503050406030204" pitchFamily="18" charset="0"/>
                         </a:rPr>
-                        <m:t>=6.626×</m:t>
+                        <m:t>=663 </m:t>
                       </m:r>
-                      <m:sSup>
-                        <m:sSupPr>
+                      <m:f>
+                        <m:fPr>
                           <m:ctrlPr>
-                            <a:rPr lang="en-US" sz="1400" b="0" i="1" smtClean="0">
+                            <a:rPr lang="en-US" sz="1400" i="1">
                               <a:solidFill>
                                 <a:schemeClr val="tx1"/>
                               </a:solidFill>
                               <a:latin typeface="Cambria Math" panose="02040503050406030204" pitchFamily="18" charset="0"/>
-                              <a:ea typeface="Cambria Math" panose="02040503050406030204" pitchFamily="18" charset="0"/>
                             </a:rPr>
                           </m:ctrlPr>
-                        </m:sSupPr>
-                        <m:e>
+                        </m:fPr>
+                        <m:num>
                           <m:r>
-                            <a:rPr lang="en-US" sz="1400" b="0" i="1" smtClean="0">
+                            <a:rPr lang="en-US" sz="1400" i="1">
                               <a:solidFill>
                                 <a:schemeClr val="tx1"/>
                               </a:solidFill>
                               <a:latin typeface="Cambria Math" panose="02040503050406030204" pitchFamily="18" charset="0"/>
-                              <a:ea typeface="Cambria Math" panose="02040503050406030204" pitchFamily="18" charset="0"/>
                             </a:rPr>
-                            <m:t>10</m:t>
+                            <m:t>𝑎𝑊</m:t>
                           </m:r>
-                        </m:e>
-                        <m:sup>
-                          <m:r>
-                            <a:rPr lang="en-US" sz="1400" b="0" i="1" smtClean="0">
-                              <a:solidFill>
-                                <a:schemeClr val="tx1"/>
-                              </a:solidFill>
-                              <a:latin typeface="Cambria Math" panose="02040503050406030204" pitchFamily="18" charset="0"/>
-                              <a:ea typeface="Cambria Math" panose="02040503050406030204" pitchFamily="18" charset="0"/>
-                            </a:rPr>
-                            <m:t>−34</m:t>
-                          </m:r>
-                        </m:sup>
-                      </m:sSup>
-                      <m:r>
-                        <a:rPr lang="en-US" sz="1400" b="0" i="1" smtClean="0">
-                          <a:solidFill>
-                            <a:schemeClr val="tx1"/>
-                          </a:solidFill>
-                          <a:latin typeface="Cambria Math" panose="02040503050406030204" pitchFamily="18" charset="0"/>
-                          <a:ea typeface="Cambria Math" panose="02040503050406030204" pitchFamily="18" charset="0"/>
-                        </a:rPr>
-                        <m:t> </m:t>
-                      </m:r>
-                      <m:r>
-                        <a:rPr lang="en-US" sz="1400" b="0" i="1" smtClean="0">
-                          <a:solidFill>
-                            <a:schemeClr val="tx1"/>
-                          </a:solidFill>
-                          <a:latin typeface="Cambria Math" panose="02040503050406030204" pitchFamily="18" charset="0"/>
-                          <a:ea typeface="Cambria Math" panose="02040503050406030204" pitchFamily="18" charset="0"/>
-                        </a:rPr>
-                        <m:t>𝐽</m:t>
-                      </m:r>
-                      <m:r>
-                        <a:rPr lang="en-US" sz="1400" b="0" i="1" smtClean="0">
-                          <a:solidFill>
-                            <a:schemeClr val="tx1"/>
-                          </a:solidFill>
-                          <a:latin typeface="Cambria Math" panose="02040503050406030204" pitchFamily="18" charset="0"/>
-                          <a:ea typeface="Cambria Math" panose="02040503050406030204" pitchFamily="18" charset="0"/>
-                        </a:rPr>
-                        <m:t>∙</m:t>
-                      </m:r>
-                      <m:r>
-                        <a:rPr lang="en-US" sz="1400" b="0" i="1" smtClean="0">
-                          <a:solidFill>
-                            <a:schemeClr val="tx1"/>
-                          </a:solidFill>
-                          <a:latin typeface="Cambria Math" panose="02040503050406030204" pitchFamily="18" charset="0"/>
-                          <a:ea typeface="Cambria Math" panose="02040503050406030204" pitchFamily="18" charset="0"/>
-                        </a:rPr>
-                        <m:t>𝑠</m:t>
-                      </m:r>
-                    </m:oMath>
-                  </m:oMathPara>
-                </a14:m>
-                <a:endParaRPr lang="en-US" sz="1400" dirty="0">
-                  <a:solidFill>
-                    <a:schemeClr val="tx1"/>
-                  </a:solidFill>
-                </a:endParaRPr>
-              </a:p>
-              <a:p>
-                <a:pPr algn="ctr"/>
-                <a:endParaRPr lang="en-US" sz="1400" b="0" i="1" dirty="0">
-                  <a:solidFill>
-                    <a:schemeClr val="tx1"/>
-                  </a:solidFill>
-                  <a:latin typeface="Cambria Math" panose="02040503050406030204" pitchFamily="18" charset="0"/>
-                </a:endParaRPr>
-              </a:p>
-              <a:p>
-                <a:pPr algn="ctr"/>
-                <a14:m>
-                  <m:oMathPara xmlns:m="http://schemas.openxmlformats.org/officeDocument/2006/math">
-                    <m:oMathParaPr>
-                      <m:jc m:val="centerGroup"/>
-                    </m:oMathParaPr>
-                    <m:oMath xmlns:m="http://schemas.openxmlformats.org/officeDocument/2006/math">
-                      <m:r>
-                        <a:rPr lang="en-US" sz="1400" b="0" i="1" smtClean="0">
-                          <a:solidFill>
-                            <a:schemeClr val="tx1"/>
-                          </a:solidFill>
-                          <a:latin typeface="Cambria Math" panose="02040503050406030204" pitchFamily="18" charset="0"/>
-                        </a:rPr>
-                        <m:t>h</m:t>
-                      </m:r>
-                      <m:r>
-                        <a:rPr lang="en-US" sz="1400" b="0" i="1" smtClean="0">
-                          <a:solidFill>
-                            <a:schemeClr val="tx1"/>
-                          </a:solidFill>
-                          <a:latin typeface="Cambria Math" panose="02040503050406030204" pitchFamily="18" charset="0"/>
-                        </a:rPr>
-                        <m:t>=662.6 </m:t>
-                      </m:r>
-                      <m:r>
-                        <a:rPr lang="en-US" sz="1400" b="0" i="1" smtClean="0">
-                          <a:solidFill>
-                            <a:schemeClr val="tx1"/>
-                          </a:solidFill>
-                          <a:latin typeface="Cambria Math" panose="02040503050406030204" pitchFamily="18" charset="0"/>
-                          <a:ea typeface="Cambria Math" panose="02040503050406030204" pitchFamily="18" charset="0"/>
-                        </a:rPr>
-                        <m:t>𝑎𝑊</m:t>
-                      </m:r>
-                      <m:r>
-                        <a:rPr lang="en-US" sz="1400" b="0" i="1" smtClean="0">
-                          <a:solidFill>
-                            <a:schemeClr val="tx1"/>
-                          </a:solidFill>
-                          <a:latin typeface="Cambria Math" panose="02040503050406030204" pitchFamily="18" charset="0"/>
-                          <a:ea typeface="Cambria Math" panose="02040503050406030204" pitchFamily="18" charset="0"/>
-                        </a:rPr>
-                        <m:t>∙</m:t>
-                      </m:r>
-                      <m:sSup>
-                        <m:sSupPr>
-                          <m:ctrlPr>
-                            <a:rPr lang="en-US" sz="1400" b="0" i="1" smtClean="0">
-                              <a:solidFill>
-                                <a:schemeClr val="tx1"/>
-                              </a:solidFill>
-                              <a:latin typeface="Cambria Math" panose="02040503050406030204" pitchFamily="18" charset="0"/>
-                              <a:ea typeface="Cambria Math" panose="02040503050406030204" pitchFamily="18" charset="0"/>
-                            </a:rPr>
-                          </m:ctrlPr>
-                        </m:sSupPr>
-                        <m:e>
-                          <m:r>
-                            <a:rPr lang="en-US" sz="1400" b="0" i="1" smtClean="0">
-                              <a:solidFill>
-                                <a:schemeClr val="tx1"/>
-                              </a:solidFill>
-                              <a:latin typeface="Cambria Math" panose="02040503050406030204" pitchFamily="18" charset="0"/>
-                              <a:ea typeface="Cambria Math" panose="02040503050406030204" pitchFamily="18" charset="0"/>
-                            </a:rPr>
-                            <m:t>𝐺𝐻𝑧</m:t>
-                          </m:r>
-                        </m:e>
-                        <m:sup>
-                          <m:r>
-                            <a:rPr lang="en-US" sz="1400" b="0" i="1" smtClean="0">
-                              <a:solidFill>
-                                <a:schemeClr val="tx1"/>
-                              </a:solidFill>
-                              <a:latin typeface="Cambria Math" panose="02040503050406030204" pitchFamily="18" charset="0"/>
-                              <a:ea typeface="Cambria Math" panose="02040503050406030204" pitchFamily="18" charset="0"/>
-                            </a:rPr>
-                            <m:t>−2</m:t>
-                          </m:r>
-                        </m:sup>
-                      </m:sSup>
+                        </m:num>
+                        <m:den>
+                          <m:sSup>
+                            <m:sSupPr>
+                              <m:ctrlPr>
+                                <a:rPr lang="en-US" sz="1400" i="1">
+                                  <a:solidFill>
+                                    <a:schemeClr val="tx1"/>
+                                  </a:solidFill>
+                                  <a:latin typeface="Cambria Math" panose="02040503050406030204" pitchFamily="18" charset="0"/>
+                                </a:rPr>
+                              </m:ctrlPr>
+                            </m:sSupPr>
+                            <m:e>
+                              <m:r>
+                                <a:rPr lang="en-US" sz="1400" i="1">
+                                  <a:solidFill>
+                                    <a:schemeClr val="tx1"/>
+                                  </a:solidFill>
+                                  <a:latin typeface="Cambria Math" panose="02040503050406030204" pitchFamily="18" charset="0"/>
+                                </a:rPr>
+                                <m:t>𝐺𝐻𝑧</m:t>
+                              </m:r>
+                            </m:e>
+                            <m:sup>
+                              <m:r>
+                                <a:rPr lang="en-US" sz="1400" i="1">
+                                  <a:solidFill>
+                                    <a:schemeClr val="tx1"/>
+                                  </a:solidFill>
+                                  <a:latin typeface="Cambria Math" panose="02040503050406030204" pitchFamily="18" charset="0"/>
+                                </a:rPr>
+                                <m:t>2</m:t>
+                              </m:r>
+                            </m:sup>
+                          </m:sSup>
+                        </m:den>
+                      </m:f>
                     </m:oMath>
                   </m:oMathPara>
                 </a14:m>
@@ -4936,8 +4336,8 @@
             </p:nvSpPr>
             <p:spPr>
               <a:xfrm>
-                <a:off x="3317966" y="454596"/>
-                <a:ext cx="2743200" cy="1097280"/>
+                <a:off x="4003768" y="815934"/>
+                <a:ext cx="2286000" cy="914400"/>
               </a:xfrm>
               <a:prstGeom prst="roundRect">
                 <a:avLst/>
@@ -4964,10 +4364,653 @@
           </p:sp>
         </mc:Fallback>
       </mc:AlternateContent>
+      <mc:AlternateContent xmlns:mc="http://schemas.openxmlformats.org/markup-compatibility/2006">
+        <mc:Choice xmlns:a14="http://schemas.microsoft.com/office/drawing/2010/main" Requires="a14">
+          <p:sp>
+            <p:nvSpPr>
+              <p:cNvPr id="9" name="Rectangle: Rounded Corners 8">
+                <a:extLst>
+                  <a:ext uri="{FF2B5EF4-FFF2-40B4-BE49-F238E27FC236}">
+                    <a16:creationId xmlns:a16="http://schemas.microsoft.com/office/drawing/2014/main" id="{41F32D43-5514-1899-7D1D-98BF7A1FFACB}"/>
+                  </a:ext>
+                </a:extLst>
+              </p:cNvPr>
+              <p:cNvSpPr/>
+              <p:nvPr/>
+            </p:nvSpPr>
+            <p:spPr>
+              <a:xfrm>
+                <a:off x="977237" y="930234"/>
+                <a:ext cx="1828800" cy="685800"/>
+              </a:xfrm>
+              <a:prstGeom prst="roundRect">
+                <a:avLst/>
+              </a:prstGeom>
+              <a:solidFill>
+                <a:schemeClr val="tx1">
+                  <a:lumMod val="75000"/>
+                  <a:lumOff val="25000"/>
+                </a:schemeClr>
+              </a:solidFill>
+            </p:spPr>
+            <p:style>
+              <a:lnRef idx="2">
+                <a:schemeClr val="accent1">
+                  <a:shade val="15000"/>
+                </a:schemeClr>
+              </a:lnRef>
+              <a:fillRef idx="1">
+                <a:schemeClr val="accent1"/>
+              </a:fillRef>
+              <a:effectRef idx="0">
+                <a:schemeClr val="accent1"/>
+              </a:effectRef>
+              <a:fontRef idx="minor">
+                <a:schemeClr val="lt1"/>
+              </a:fontRef>
+            </p:style>
+            <p:txBody>
+              <a:bodyPr rtlCol="0" anchor="ctr"/>
+              <a:lstStyle/>
+              <a:p>
+                <a:pPr algn="ctr"/>
+                <a14:m>
+                  <m:oMathPara xmlns:m="http://schemas.openxmlformats.org/officeDocument/2006/math">
+                    <m:oMathParaPr>
+                      <m:jc m:val="centerGroup"/>
+                    </m:oMathParaPr>
+                    <m:oMath xmlns:m="http://schemas.openxmlformats.org/officeDocument/2006/math">
+                      <m:r>
+                        <a:rPr lang="en-US" sz="1400">
+                          <a:solidFill>
+                            <a:schemeClr val="bg1"/>
+                          </a:solidFill>
+                          <a:latin typeface="Cambria Math" panose="02040503050406030204" pitchFamily="18" charset="0"/>
+                        </a:rPr>
+                        <m:t>1 </m:t>
+                      </m:r>
+                      <m:r>
+                        <m:rPr>
+                          <m:sty m:val="p"/>
+                        </m:rPr>
+                        <a:rPr lang="en-US" sz="1400">
+                          <a:solidFill>
+                            <a:schemeClr val="bg1"/>
+                          </a:solidFill>
+                          <a:latin typeface="Cambria Math" panose="02040503050406030204" pitchFamily="18" charset="0"/>
+                        </a:rPr>
+                        <m:t>C</m:t>
+                      </m:r>
+                      <m:r>
+                        <a:rPr lang="en-US" sz="1400">
+                          <a:solidFill>
+                            <a:schemeClr val="bg1"/>
+                          </a:solidFill>
+                          <a:latin typeface="Cambria Math" panose="02040503050406030204" pitchFamily="18" charset="0"/>
+                        </a:rPr>
+                        <m:t>= </m:t>
+                      </m:r>
+                      <m:f>
+                        <m:fPr>
+                          <m:ctrlPr>
+                            <a:rPr lang="en-US" sz="1400" i="1">
+                              <a:solidFill>
+                                <a:schemeClr val="bg1"/>
+                              </a:solidFill>
+                              <a:latin typeface="Cambria Math" panose="02040503050406030204" pitchFamily="18" charset="0"/>
+                            </a:rPr>
+                          </m:ctrlPr>
+                        </m:fPr>
+                        <m:num>
+                          <m:sSup>
+                            <m:sSupPr>
+                              <m:ctrlPr>
+                                <a:rPr lang="en-US" sz="1400" i="1">
+                                  <a:solidFill>
+                                    <a:schemeClr val="bg1"/>
+                                  </a:solidFill>
+                                  <a:latin typeface="Cambria Math" panose="02040503050406030204" pitchFamily="18" charset="0"/>
+                                </a:rPr>
+                              </m:ctrlPr>
+                            </m:sSupPr>
+                            <m:e>
+                              <m:r>
+                                <a:rPr lang="en-US" sz="1400" i="1">
+                                  <a:solidFill>
+                                    <a:schemeClr val="bg1"/>
+                                  </a:solidFill>
+                                  <a:latin typeface="Cambria Math" panose="02040503050406030204" pitchFamily="18" charset="0"/>
+                                </a:rPr>
+                                <m:t>10</m:t>
+                              </m:r>
+                            </m:e>
+                            <m:sup>
+                              <m:r>
+                                <a:rPr lang="en-US" sz="1400" i="1">
+                                  <a:solidFill>
+                                    <a:schemeClr val="bg1"/>
+                                  </a:solidFill>
+                                  <a:latin typeface="Cambria Math" panose="02040503050406030204" pitchFamily="18" charset="0"/>
+                                </a:rPr>
+                                <m:t>21</m:t>
+                              </m:r>
+                            </m:sup>
+                          </m:sSup>
+                          <m:r>
+                            <a:rPr lang="en-US" sz="1400" i="1">
+                              <a:solidFill>
+                                <a:schemeClr val="bg1"/>
+                              </a:solidFill>
+                              <a:latin typeface="Cambria Math" panose="02040503050406030204" pitchFamily="18" charset="0"/>
+                            </a:rPr>
+                            <m:t> </m:t>
+                          </m:r>
+                          <m:r>
+                            <a:rPr lang="en-US" sz="1400" i="1">
+                              <a:solidFill>
+                                <a:schemeClr val="bg1"/>
+                              </a:solidFill>
+                              <a:latin typeface="Cambria Math" panose="02040503050406030204" pitchFamily="18" charset="0"/>
+                            </a:rPr>
+                            <m:t>𝑝𝑊</m:t>
+                          </m:r>
+                        </m:num>
+                        <m:den>
+                          <m:r>
+                            <a:rPr lang="en-US" sz="1400" i="1">
+                              <a:solidFill>
+                                <a:schemeClr val="bg1"/>
+                              </a:solidFill>
+                              <a:latin typeface="Cambria Math" panose="02040503050406030204" pitchFamily="18" charset="0"/>
+                            </a:rPr>
+                            <m:t>𝐺𝐻𝑧</m:t>
+                          </m:r>
+                          <m:r>
+                            <a:rPr lang="en-US" sz="1400" i="1">
+                              <a:solidFill>
+                                <a:schemeClr val="bg1"/>
+                              </a:solidFill>
+                              <a:latin typeface="Cambria Math" panose="02040503050406030204" pitchFamily="18" charset="0"/>
+                              <a:ea typeface="Cambria Math" panose="02040503050406030204" pitchFamily="18" charset="0"/>
+                            </a:rPr>
+                            <m:t>∙</m:t>
+                          </m:r>
+                          <m:r>
+                            <a:rPr lang="en-US" sz="1400" i="1">
+                              <a:solidFill>
+                                <a:schemeClr val="bg1"/>
+                              </a:solidFill>
+                              <a:latin typeface="Cambria Math" panose="02040503050406030204" pitchFamily="18" charset="0"/>
+                              <a:ea typeface="Cambria Math" panose="02040503050406030204" pitchFamily="18" charset="0"/>
+                            </a:rPr>
+                            <m:t>𝑉</m:t>
+                          </m:r>
+                        </m:den>
+                      </m:f>
+                    </m:oMath>
+                  </m:oMathPara>
+                </a14:m>
+                <a:endParaRPr lang="en-US" sz="1400" dirty="0">
+                  <a:solidFill>
+                    <a:schemeClr val="bg1"/>
+                  </a:solidFill>
+                </a:endParaRPr>
+              </a:p>
+            </p:txBody>
+          </p:sp>
+        </mc:Choice>
+        <mc:Fallback>
+          <p:sp>
+            <p:nvSpPr>
+              <p:cNvPr id="9" name="Rectangle: Rounded Corners 8">
+                <a:extLst>
+                  <a:ext uri="{FF2B5EF4-FFF2-40B4-BE49-F238E27FC236}">
+                    <a16:creationId xmlns:a16="http://schemas.microsoft.com/office/drawing/2014/main" id="{41F32D43-5514-1899-7D1D-98BF7A1FFACB}"/>
+                  </a:ext>
+                </a:extLst>
+              </p:cNvPr>
+              <p:cNvSpPr>
+                <a:spLocks noRot="1" noChangeAspect="1" noMove="1" noResize="1" noEditPoints="1" noAdjustHandles="1" noChangeArrowheads="1" noChangeShapeType="1" noTextEdit="1"/>
+              </p:cNvSpPr>
+              <p:nvPr/>
+            </p:nvSpPr>
+            <p:spPr>
+              <a:xfrm>
+                <a:off x="977237" y="930234"/>
+                <a:ext cx="1828800" cy="685800"/>
+              </a:xfrm>
+              <a:prstGeom prst="roundRect">
+                <a:avLst/>
+              </a:prstGeom>
+              <a:blipFill>
+                <a:blip r:embed="rId9"/>
+                <a:stretch>
+                  <a:fillRect/>
+                </a:stretch>
+              </a:blipFill>
+            </p:spPr>
+            <p:txBody>
+              <a:bodyPr/>
+              <a:lstStyle/>
+              <a:p>
+                <a:r>
+                  <a:rPr lang="en-US">
+                    <a:noFill/>
+                  </a:rPr>
+                  <a:t> </a:t>
+                </a:r>
+              </a:p>
+            </p:txBody>
+          </p:sp>
+        </mc:Fallback>
+      </mc:AlternateContent>
+      <mc:AlternateContent xmlns:mc="http://schemas.openxmlformats.org/markup-compatibility/2006">
+        <mc:Choice xmlns:a14="http://schemas.microsoft.com/office/drawing/2010/main" Requires="a14">
+          <p:sp>
+            <p:nvSpPr>
+              <p:cNvPr id="10" name="Rectangle: Rounded Corners 9">
+                <a:extLst>
+                  <a:ext uri="{FF2B5EF4-FFF2-40B4-BE49-F238E27FC236}">
+                    <a16:creationId xmlns:a16="http://schemas.microsoft.com/office/drawing/2014/main" id="{A04394F7-7858-4F40-8A74-A23DA02D02E4}"/>
+                  </a:ext>
+                </a:extLst>
+              </p:cNvPr>
+              <p:cNvSpPr/>
+              <p:nvPr/>
+            </p:nvSpPr>
+            <p:spPr>
+              <a:xfrm>
+                <a:off x="7430961" y="930234"/>
+                <a:ext cx="1828800" cy="685800"/>
+              </a:xfrm>
+              <a:prstGeom prst="roundRect">
+                <a:avLst/>
+              </a:prstGeom>
+              <a:solidFill>
+                <a:schemeClr val="tx1">
+                  <a:lumMod val="75000"/>
+                  <a:lumOff val="25000"/>
+                </a:schemeClr>
+              </a:solidFill>
+            </p:spPr>
+            <p:style>
+              <a:lnRef idx="2">
+                <a:schemeClr val="accent1">
+                  <a:shade val="15000"/>
+                </a:schemeClr>
+              </a:lnRef>
+              <a:fillRef idx="1">
+                <a:schemeClr val="accent1"/>
+              </a:fillRef>
+              <a:effectRef idx="0">
+                <a:schemeClr val="accent1"/>
+              </a:effectRef>
+              <a:fontRef idx="minor">
+                <a:schemeClr val="lt1"/>
+              </a:fontRef>
+            </p:style>
+            <p:txBody>
+              <a:bodyPr rtlCol="0" anchor="ctr"/>
+              <a:lstStyle/>
+              <a:p>
+                <a:pPr algn="ctr"/>
+                <a14:m>
+                  <m:oMathPara xmlns:m="http://schemas.openxmlformats.org/officeDocument/2006/math">
+                    <m:oMathParaPr>
+                      <m:jc m:val="centerGroup"/>
+                    </m:oMathParaPr>
+                    <m:oMath xmlns:m="http://schemas.openxmlformats.org/officeDocument/2006/math">
+                      <m:r>
+                        <a:rPr lang="en-US" sz="1400">
+                          <a:solidFill>
+                            <a:schemeClr val="bg1"/>
+                          </a:solidFill>
+                          <a:latin typeface="Cambria Math" panose="02040503050406030204" pitchFamily="18" charset="0"/>
+                        </a:rPr>
+                        <m:t>1 </m:t>
+                      </m:r>
+                      <m:r>
+                        <m:rPr>
+                          <m:sty m:val="p"/>
+                        </m:rPr>
+                        <a:rPr lang="en-US" sz="1400">
+                          <a:solidFill>
+                            <a:schemeClr val="bg1"/>
+                          </a:solidFill>
+                          <a:latin typeface="Cambria Math" panose="02040503050406030204" pitchFamily="18" charset="0"/>
+                        </a:rPr>
+                        <m:t>J</m:t>
+                      </m:r>
+                      <m:r>
+                        <a:rPr lang="en-US" sz="1400" i="1">
+                          <a:solidFill>
+                            <a:schemeClr val="bg1"/>
+                          </a:solidFill>
+                          <a:latin typeface="Cambria Math" panose="02040503050406030204" pitchFamily="18" charset="0"/>
+                          <a:ea typeface="Cambria Math" panose="02040503050406030204" pitchFamily="18" charset="0"/>
+                        </a:rPr>
+                        <m:t>∙</m:t>
+                      </m:r>
+                      <m:r>
+                        <m:rPr>
+                          <m:sty m:val="p"/>
+                        </m:rPr>
+                        <a:rPr lang="en-US" sz="1400">
+                          <a:solidFill>
+                            <a:schemeClr val="bg1"/>
+                          </a:solidFill>
+                          <a:latin typeface="Cambria Math" panose="02040503050406030204" pitchFamily="18" charset="0"/>
+                          <a:ea typeface="Cambria Math" panose="02040503050406030204" pitchFamily="18" charset="0"/>
+                        </a:rPr>
+                        <m:t>s</m:t>
+                      </m:r>
+                      <m:r>
+                        <a:rPr lang="en-US" sz="1400">
+                          <a:solidFill>
+                            <a:schemeClr val="bg1"/>
+                          </a:solidFill>
+                          <a:latin typeface="Cambria Math" panose="02040503050406030204" pitchFamily="18" charset="0"/>
+                        </a:rPr>
+                        <m:t>=</m:t>
+                      </m:r>
+                      <m:sSup>
+                        <m:sSupPr>
+                          <m:ctrlPr>
+                            <a:rPr lang="en-US" sz="1400" i="1">
+                              <a:solidFill>
+                                <a:schemeClr val="bg1"/>
+                              </a:solidFill>
+                              <a:latin typeface="Cambria Math" panose="02040503050406030204" pitchFamily="18" charset="0"/>
+                            </a:rPr>
+                          </m:ctrlPr>
+                        </m:sSupPr>
+                        <m:e>
+                          <m:r>
+                            <a:rPr lang="en-US" sz="1400" i="1">
+                              <a:solidFill>
+                                <a:schemeClr val="bg1"/>
+                              </a:solidFill>
+                              <a:latin typeface="Cambria Math" panose="02040503050406030204" pitchFamily="18" charset="0"/>
+                            </a:rPr>
+                            <m:t>10</m:t>
+                          </m:r>
+                        </m:e>
+                        <m:sup>
+                          <m:r>
+                            <a:rPr lang="en-US" sz="1400" i="1">
+                              <a:solidFill>
+                                <a:schemeClr val="bg1"/>
+                              </a:solidFill>
+                              <a:latin typeface="Cambria Math" panose="02040503050406030204" pitchFamily="18" charset="0"/>
+                            </a:rPr>
+                            <m:t>36</m:t>
+                          </m:r>
+                        </m:sup>
+                      </m:sSup>
+                      <m:f>
+                        <m:fPr>
+                          <m:ctrlPr>
+                            <a:rPr lang="en-US" sz="1400" i="1">
+                              <a:solidFill>
+                                <a:schemeClr val="bg1"/>
+                              </a:solidFill>
+                              <a:latin typeface="Cambria Math" panose="02040503050406030204" pitchFamily="18" charset="0"/>
+                            </a:rPr>
+                          </m:ctrlPr>
+                        </m:fPr>
+                        <m:num>
+                          <m:r>
+                            <a:rPr lang="en-US" sz="1400" i="1">
+                              <a:solidFill>
+                                <a:schemeClr val="bg1"/>
+                              </a:solidFill>
+                              <a:latin typeface="Cambria Math" panose="02040503050406030204" pitchFamily="18" charset="0"/>
+                            </a:rPr>
+                            <m:t>𝑎𝑊</m:t>
+                          </m:r>
+                        </m:num>
+                        <m:den>
+                          <m:sSup>
+                            <m:sSupPr>
+                              <m:ctrlPr>
+                                <a:rPr lang="en-US" sz="1400" i="1">
+                                  <a:solidFill>
+                                    <a:schemeClr val="bg1"/>
+                                  </a:solidFill>
+                                  <a:latin typeface="Cambria Math" panose="02040503050406030204" pitchFamily="18" charset="0"/>
+                                </a:rPr>
+                              </m:ctrlPr>
+                            </m:sSupPr>
+                            <m:e>
+                              <m:r>
+                                <a:rPr lang="en-US" sz="1400" i="1">
+                                  <a:solidFill>
+                                    <a:schemeClr val="bg1"/>
+                                  </a:solidFill>
+                                  <a:latin typeface="Cambria Math" panose="02040503050406030204" pitchFamily="18" charset="0"/>
+                                </a:rPr>
+                                <m:t>𝐺𝐻𝑧</m:t>
+                              </m:r>
+                            </m:e>
+                            <m:sup>
+                              <m:r>
+                                <a:rPr lang="en-US" sz="1400" i="1">
+                                  <a:solidFill>
+                                    <a:schemeClr val="bg1"/>
+                                  </a:solidFill>
+                                  <a:latin typeface="Cambria Math" panose="02040503050406030204" pitchFamily="18" charset="0"/>
+                                </a:rPr>
+                                <m:t>2</m:t>
+                              </m:r>
+                            </m:sup>
+                          </m:sSup>
+                        </m:den>
+                      </m:f>
+                    </m:oMath>
+                  </m:oMathPara>
+                </a14:m>
+                <a:endParaRPr lang="en-US" sz="1400" dirty="0">
+                  <a:solidFill>
+                    <a:schemeClr val="bg1"/>
+                  </a:solidFill>
+                </a:endParaRPr>
+              </a:p>
+            </p:txBody>
+          </p:sp>
+        </mc:Choice>
+        <mc:Fallback>
+          <p:sp>
+            <p:nvSpPr>
+              <p:cNvPr id="10" name="Rectangle: Rounded Corners 9">
+                <a:extLst>
+                  <a:ext uri="{FF2B5EF4-FFF2-40B4-BE49-F238E27FC236}">
+                    <a16:creationId xmlns:a16="http://schemas.microsoft.com/office/drawing/2014/main" id="{A04394F7-7858-4F40-8A74-A23DA02D02E4}"/>
+                  </a:ext>
+                </a:extLst>
+              </p:cNvPr>
+              <p:cNvSpPr>
+                <a:spLocks noRot="1" noChangeAspect="1" noMove="1" noResize="1" noEditPoints="1" noAdjustHandles="1" noChangeArrowheads="1" noChangeShapeType="1" noTextEdit="1"/>
+              </p:cNvSpPr>
+              <p:nvPr/>
+            </p:nvSpPr>
+            <p:spPr>
+              <a:xfrm>
+                <a:off x="7430961" y="930234"/>
+                <a:ext cx="1828800" cy="685800"/>
+              </a:xfrm>
+              <a:prstGeom prst="roundRect">
+                <a:avLst/>
+              </a:prstGeom>
+              <a:blipFill>
+                <a:blip r:embed="rId10"/>
+                <a:stretch>
+                  <a:fillRect/>
+                </a:stretch>
+              </a:blipFill>
+            </p:spPr>
+            <p:txBody>
+              <a:bodyPr/>
+              <a:lstStyle/>
+              <a:p>
+                <a:r>
+                  <a:rPr lang="en-US">
+                    <a:noFill/>
+                  </a:rPr>
+                  <a:t> </a:t>
+                </a:r>
+              </a:p>
+            </p:txBody>
+          </p:sp>
+        </mc:Fallback>
+      </mc:AlternateContent>
+      <p:sp>
+        <p:nvSpPr>
+          <p:cNvPr id="11" name="TextBox 10">
+            <a:extLst>
+              <a:ext uri="{FF2B5EF4-FFF2-40B4-BE49-F238E27FC236}">
+                <a16:creationId xmlns:a16="http://schemas.microsoft.com/office/drawing/2014/main" id="{E1B66234-55C6-CA59-1A9C-59A8EC0DB030}"/>
+              </a:ext>
+            </a:extLst>
+          </p:cNvPr>
+          <p:cNvSpPr txBox="1"/>
+          <p:nvPr/>
+        </p:nvSpPr>
+        <p:spPr>
+          <a:xfrm>
+            <a:off x="-3025" y="7127787"/>
+            <a:ext cx="2019992" cy="369332"/>
+          </a:xfrm>
+          <a:prstGeom prst="rect">
+            <a:avLst/>
+          </a:prstGeom>
+          <a:noFill/>
+        </p:spPr>
+        <p:txBody>
+          <a:bodyPr wrap="square" rtlCol="0">
+            <a:spAutoFit/>
+          </a:bodyPr>
+          <a:lstStyle/>
+          <a:p>
+            <a:pPr algn="ctr"/>
+            <a:r>
+              <a:rPr lang="en-US" dirty="0"/>
+              <a:t>frequency</a:t>
+            </a:r>
+          </a:p>
+        </p:txBody>
+      </p:sp>
+      <p:sp>
+        <p:nvSpPr>
+          <p:cNvPr id="12" name="TextBox 11">
+            <a:extLst>
+              <a:ext uri="{FF2B5EF4-FFF2-40B4-BE49-F238E27FC236}">
+                <a16:creationId xmlns:a16="http://schemas.microsoft.com/office/drawing/2014/main" id="{E2023F90-77D1-39E7-5F05-BC156334999D}"/>
+              </a:ext>
+            </a:extLst>
+          </p:cNvPr>
+          <p:cNvSpPr txBox="1"/>
+          <p:nvPr/>
+        </p:nvSpPr>
+        <p:spPr>
+          <a:xfrm>
+            <a:off x="2453792" y="7127787"/>
+            <a:ext cx="2019992" cy="369332"/>
+          </a:xfrm>
+          <a:prstGeom prst="rect">
+            <a:avLst/>
+          </a:prstGeom>
+          <a:noFill/>
+        </p:spPr>
+        <p:txBody>
+          <a:bodyPr wrap="square" rtlCol="0">
+            <a:spAutoFit/>
+          </a:bodyPr>
+          <a:lstStyle/>
+          <a:p>
+            <a:pPr algn="ctr"/>
+            <a:r>
+              <a:rPr lang="en-US" dirty="0"/>
+              <a:t>voltage</a:t>
+            </a:r>
+          </a:p>
+        </p:txBody>
+      </p:sp>
+      <p:sp>
+        <p:nvSpPr>
+          <p:cNvPr id="13" name="TextBox 12">
+            <a:extLst>
+              <a:ext uri="{FF2B5EF4-FFF2-40B4-BE49-F238E27FC236}">
+                <a16:creationId xmlns:a16="http://schemas.microsoft.com/office/drawing/2014/main" id="{6482B462-6C0C-61E0-4666-7E71F6A7BD7B}"/>
+              </a:ext>
+            </a:extLst>
+          </p:cNvPr>
+          <p:cNvSpPr txBox="1"/>
+          <p:nvPr/>
+        </p:nvSpPr>
+        <p:spPr>
+          <a:xfrm>
+            <a:off x="5451372" y="7127787"/>
+            <a:ext cx="2019992" cy="369332"/>
+          </a:xfrm>
+          <a:prstGeom prst="rect">
+            <a:avLst/>
+          </a:prstGeom>
+          <a:noFill/>
+        </p:spPr>
+        <p:txBody>
+          <a:bodyPr wrap="square" rtlCol="0">
+            <a:spAutoFit/>
+          </a:bodyPr>
+          <a:lstStyle/>
+          <a:p>
+            <a:pPr algn="ctr"/>
+            <a:r>
+              <a:rPr lang="en-US" dirty="0"/>
+              <a:t>power</a:t>
+            </a:r>
+          </a:p>
+        </p:txBody>
+      </p:sp>
+      <p:sp>
+        <p:nvSpPr>
+          <p:cNvPr id="14" name="TextBox 13">
+            <a:extLst>
+              <a:ext uri="{FF2B5EF4-FFF2-40B4-BE49-F238E27FC236}">
+                <a16:creationId xmlns:a16="http://schemas.microsoft.com/office/drawing/2014/main" id="{CF67EA5C-D441-2D53-BE8C-2B6DE695ABD0}"/>
+              </a:ext>
+            </a:extLst>
+          </p:cNvPr>
+          <p:cNvSpPr txBox="1"/>
+          <p:nvPr/>
+        </p:nvSpPr>
+        <p:spPr>
+          <a:xfrm>
+            <a:off x="7891624" y="7127787"/>
+            <a:ext cx="2019992" cy="369332"/>
+          </a:xfrm>
+          <a:prstGeom prst="rect">
+            <a:avLst/>
+          </a:prstGeom>
+          <a:noFill/>
+        </p:spPr>
+        <p:txBody>
+          <a:bodyPr wrap="square" rtlCol="0">
+            <a:spAutoFit/>
+          </a:bodyPr>
+          <a:lstStyle/>
+          <a:p>
+            <a:pPr algn="ctr"/>
+            <a:r>
+              <a:rPr lang="en-US" dirty="0"/>
+              <a:t>temperature</a:t>
+            </a:r>
+          </a:p>
+        </p:txBody>
+      </p:sp>
     </p:spTree>
     <p:extLst>
       <p:ext uri="{BB962C8B-B14F-4D97-AF65-F5344CB8AC3E}">
-        <p14:creationId xmlns:p14="http://schemas.microsoft.com/office/powerpoint/2010/main" val="1942122722"/>
+        <p14:creationId xmlns:p14="http://schemas.microsoft.com/office/powerpoint/2010/main" val="2002482177"/>
       </p:ext>
     </p:extLst>
   </p:cSld>

--- a/triangle.pptx
+++ b/triangle.pptx
@@ -6,6 +6,7 @@
   </p:sldMasterIdLst>
   <p:sldIdLst>
     <p:sldId id="259" r:id="rId2"/>
+    <p:sldId id="260" r:id="rId3"/>
   </p:sldIdLst>
   <p:sldSz cx="10058400" cy="7772400"/>
   <p:notesSz cx="7023100" cy="9309100"/>
@@ -3006,8 +3007,8 @@
           </a:prstGeom>
         </p:spPr>
       </p:pic>
-      <mc:AlternateContent xmlns:mc="http://schemas.openxmlformats.org/markup-compatibility/2006">
-        <mc:Choice xmlns:a14="http://schemas.microsoft.com/office/drawing/2010/main" Requires="a14">
+      <mc:AlternateContent xmlns:mc="http://schemas.openxmlformats.org/markup-compatibility/2006" xmlns:a14="http://schemas.microsoft.com/office/drawing/2010/main">
+        <mc:Choice Requires="a14">
           <p:sp>
             <p:nvSpPr>
               <p:cNvPr id="18" name="Rectangle: Rounded Corners 17">
@@ -3145,7 +3146,7 @@
             </p:txBody>
           </p:sp>
         </mc:Choice>
-        <mc:Fallback>
+        <mc:Fallback xmlns="">
           <p:sp>
             <p:nvSpPr>
               <p:cNvPr id="18" name="Rectangle: Rounded Corners 17">
@@ -3190,8 +3191,8 @@
           </p:sp>
         </mc:Fallback>
       </mc:AlternateContent>
-      <mc:AlternateContent xmlns:mc="http://schemas.openxmlformats.org/markup-compatibility/2006">
-        <mc:Choice xmlns:a14="http://schemas.microsoft.com/office/drawing/2010/main" Requires="a14">
+      <mc:AlternateContent xmlns:mc="http://schemas.openxmlformats.org/markup-compatibility/2006" xmlns:a14="http://schemas.microsoft.com/office/drawing/2010/main">
+        <mc:Choice Requires="a14">
           <p:sp>
             <p:nvSpPr>
               <p:cNvPr id="21" name="Rectangle: Rounded Corners 20">
@@ -3352,7 +3353,7 @@
             </p:txBody>
           </p:sp>
         </mc:Choice>
-        <mc:Fallback>
+        <mc:Fallback xmlns="">
           <p:sp>
             <p:nvSpPr>
               <p:cNvPr id="21" name="Rectangle: Rounded Corners 20">
@@ -3397,8 +3398,8 @@
           </p:sp>
         </mc:Fallback>
       </mc:AlternateContent>
-      <mc:AlternateContent xmlns:mc="http://schemas.openxmlformats.org/markup-compatibility/2006">
-        <mc:Choice xmlns:a14="http://schemas.microsoft.com/office/drawing/2010/main" Requires="a14">
+      <mc:AlternateContent xmlns:mc="http://schemas.openxmlformats.org/markup-compatibility/2006" xmlns:a14="http://schemas.microsoft.com/office/drawing/2010/main">
+        <mc:Choice Requires="a14">
           <p:sp>
             <p:nvSpPr>
               <p:cNvPr id="23" name="Rectangle: Rounded Corners 22">
@@ -3704,7 +3705,7 @@
             </p:txBody>
           </p:sp>
         </mc:Choice>
-        <mc:Fallback>
+        <mc:Fallback xmlns="">
           <p:sp>
             <p:nvSpPr>
               <p:cNvPr id="23" name="Rectangle: Rounded Corners 22">
@@ -3749,8 +3750,8 @@
           </p:sp>
         </mc:Fallback>
       </mc:AlternateContent>
-      <mc:AlternateContent xmlns:mc="http://schemas.openxmlformats.org/markup-compatibility/2006">
-        <mc:Choice xmlns:a14="http://schemas.microsoft.com/office/drawing/2010/main" Requires="a14">
+      <mc:AlternateContent xmlns:mc="http://schemas.openxmlformats.org/markup-compatibility/2006" xmlns:a14="http://schemas.microsoft.com/office/drawing/2010/main">
+        <mc:Choice Requires="a14">
           <p:sp>
             <p:nvSpPr>
               <p:cNvPr id="27" name="Rectangle: Rounded Corners 26">
@@ -3925,7 +3926,7 @@
             </p:txBody>
           </p:sp>
         </mc:Choice>
-        <mc:Fallback>
+        <mc:Fallback xmlns="">
           <p:sp>
             <p:nvSpPr>
               <p:cNvPr id="27" name="Rectangle: Rounded Corners 26">
@@ -3970,8 +3971,8 @@
           </p:sp>
         </mc:Fallback>
       </mc:AlternateContent>
-      <mc:AlternateContent xmlns:mc="http://schemas.openxmlformats.org/markup-compatibility/2006">
-        <mc:Choice xmlns:a14="http://schemas.microsoft.com/office/drawing/2010/main" Requires="a14">
+      <mc:AlternateContent xmlns:mc="http://schemas.openxmlformats.org/markup-compatibility/2006" xmlns:a14="http://schemas.microsoft.com/office/drawing/2010/main">
+        <mc:Choice Requires="a14">
           <p:sp>
             <p:nvSpPr>
               <p:cNvPr id="28" name="Rectangle: Rounded Corners 27">
@@ -4132,7 +4133,7 @@
             </p:txBody>
           </p:sp>
         </mc:Choice>
-        <mc:Fallback>
+        <mc:Fallback xmlns="">
           <p:sp>
             <p:nvSpPr>
               <p:cNvPr id="28" name="Rectangle: Rounded Corners 27">
@@ -4177,8 +4178,8 @@
           </p:sp>
         </mc:Fallback>
       </mc:AlternateContent>
-      <mc:AlternateContent xmlns:mc="http://schemas.openxmlformats.org/markup-compatibility/2006">
-        <mc:Choice xmlns:a14="http://schemas.microsoft.com/office/drawing/2010/main" Requires="a14">
+      <mc:AlternateContent xmlns:mc="http://schemas.openxmlformats.org/markup-compatibility/2006" xmlns:a14="http://schemas.microsoft.com/office/drawing/2010/main">
+        <mc:Choice Requires="a14">
           <p:sp>
             <p:nvSpPr>
               <p:cNvPr id="4" name="Rectangle: Rounded Corners 3">
@@ -4319,7 +4320,7 @@
             </p:txBody>
           </p:sp>
         </mc:Choice>
-        <mc:Fallback>
+        <mc:Fallback xmlns="">
           <p:sp>
             <p:nvSpPr>
               <p:cNvPr id="4" name="Rectangle: Rounded Corners 3">
@@ -4364,8 +4365,8 @@
           </p:sp>
         </mc:Fallback>
       </mc:AlternateContent>
-      <mc:AlternateContent xmlns:mc="http://schemas.openxmlformats.org/markup-compatibility/2006">
-        <mc:Choice xmlns:a14="http://schemas.microsoft.com/office/drawing/2010/main" Requires="a14">
+      <mc:AlternateContent xmlns:mc="http://schemas.openxmlformats.org/markup-compatibility/2006" xmlns:a14="http://schemas.microsoft.com/office/drawing/2010/main">
+        <mc:Choice Requires="a14">
           <p:sp>
             <p:nvSpPr>
               <p:cNvPr id="9" name="Rectangle: Rounded Corners 8">
@@ -4559,7 +4560,7 @@
             </p:txBody>
           </p:sp>
         </mc:Choice>
-        <mc:Fallback>
+        <mc:Fallback xmlns="">
           <p:sp>
             <p:nvSpPr>
               <p:cNvPr id="9" name="Rectangle: Rounded Corners 8">
@@ -4604,8 +4605,8 @@
           </p:sp>
         </mc:Fallback>
       </mc:AlternateContent>
-      <mc:AlternateContent xmlns:mc="http://schemas.openxmlformats.org/markup-compatibility/2006">
-        <mc:Choice xmlns:a14="http://schemas.microsoft.com/office/drawing/2010/main" Requires="a14">
+      <mc:AlternateContent xmlns:mc="http://schemas.openxmlformats.org/markup-compatibility/2006" xmlns:a14="http://schemas.microsoft.com/office/drawing/2010/main">
+        <mc:Choice Requires="a14">
           <p:sp>
             <p:nvSpPr>
               <p:cNvPr id="10" name="Rectangle: Rounded Corners 9">
@@ -4818,7 +4819,7 @@
             </p:txBody>
           </p:sp>
         </mc:Choice>
-        <mc:Fallback>
+        <mc:Fallback xmlns="">
           <p:sp>
             <p:nvSpPr>
               <p:cNvPr id="10" name="Rectangle: Rounded Corners 9">
@@ -5011,6 +5012,2556 @@
     <p:extLst>
       <p:ext uri="{BB962C8B-B14F-4D97-AF65-F5344CB8AC3E}">
         <p14:creationId xmlns:p14="http://schemas.microsoft.com/office/powerpoint/2010/main" val="2002482177"/>
+      </p:ext>
+    </p:extLst>
+  </p:cSld>
+  <p:clrMapOvr>
+    <a:masterClrMapping/>
+  </p:clrMapOvr>
+</p:sld>
+</file>
+
+<file path=ppt/slides/slide2.xml><?xml version="1.0" encoding="utf-8"?>
+<p:sld xmlns:a="http://schemas.openxmlformats.org/drawingml/2006/main" xmlns:r="http://schemas.openxmlformats.org/officeDocument/2006/relationships" xmlns:p="http://schemas.openxmlformats.org/presentationml/2006/main">
+  <p:cSld>
+    <p:spTree>
+      <p:nvGrpSpPr>
+        <p:cNvPr id="1" name=""/>
+        <p:cNvGrpSpPr/>
+        <p:nvPr/>
+      </p:nvGrpSpPr>
+      <p:grpSpPr>
+        <a:xfrm>
+          <a:off x="0" y="0"/>
+          <a:ext cx="0" cy="0"/>
+          <a:chOff x="0" y="0"/>
+          <a:chExt cx="0" cy="0"/>
+        </a:xfrm>
+      </p:grpSpPr>
+      <p:pic>
+        <p:nvPicPr>
+          <p:cNvPr id="3" name="Picture 2" descr="Shape&#10;&#10;Description automatically generated with low confidence">
+            <a:extLst>
+              <a:ext uri="{FF2B5EF4-FFF2-40B4-BE49-F238E27FC236}">
+                <a16:creationId xmlns:a16="http://schemas.microsoft.com/office/drawing/2014/main" id="{BA322A11-A1DF-F756-790D-064C1809E2D7}"/>
+              </a:ext>
+            </a:extLst>
+          </p:cNvPr>
+          <p:cNvPicPr>
+            <a:picLocks noChangeAspect="1"/>
+          </p:cNvPicPr>
+          <p:nvPr/>
+        </p:nvPicPr>
+        <p:blipFill rotWithShape="1">
+          <a:blip r:embed="rId2">
+            <a:extLst>
+              <a:ext uri="{28A0092B-C50C-407E-A947-70E740481C1C}">
+                <a14:useLocalDpi xmlns:a14="http://schemas.microsoft.com/office/drawing/2010/main" val="0"/>
+              </a:ext>
+            </a:extLst>
+          </a:blip>
+          <a:srcRect b="12339"/>
+          <a:stretch/>
+        </p:blipFill>
+        <p:spPr>
+          <a:xfrm>
+            <a:off x="1813016" y="779454"/>
+            <a:ext cx="6667500" cy="5844789"/>
+          </a:xfrm>
+          <a:prstGeom prst="rect">
+            <a:avLst/>
+          </a:prstGeom>
+        </p:spPr>
+      </p:pic>
+      <mc:AlternateContent xmlns:mc="http://schemas.openxmlformats.org/markup-compatibility/2006">
+        <mc:Choice xmlns:a14="http://schemas.microsoft.com/office/drawing/2010/main" Requires="a14">
+          <p:sp>
+            <p:nvSpPr>
+              <p:cNvPr id="18" name="Rectangle: Rounded Corners 17">
+                <a:extLst>
+                  <a:ext uri="{FF2B5EF4-FFF2-40B4-BE49-F238E27FC236}">
+                    <a16:creationId xmlns:a16="http://schemas.microsoft.com/office/drawing/2014/main" id="{1C6C4520-4A5D-FB86-2AD0-56D50CCE4EDF}"/>
+                  </a:ext>
+                </a:extLst>
+              </p:cNvPr>
+              <p:cNvSpPr/>
+              <p:nvPr/>
+            </p:nvSpPr>
+            <p:spPr>
+              <a:xfrm>
+                <a:off x="1033771" y="5814942"/>
+                <a:ext cx="2514600" cy="914400"/>
+              </a:xfrm>
+              <a:prstGeom prst="roundRect">
+                <a:avLst/>
+              </a:prstGeom>
+              <a:solidFill>
+                <a:srgbClr val="FF6161"/>
+              </a:solidFill>
+            </p:spPr>
+            <p:style>
+              <a:lnRef idx="2">
+                <a:schemeClr val="accent1">
+                  <a:shade val="15000"/>
+                </a:schemeClr>
+              </a:lnRef>
+              <a:fillRef idx="1">
+                <a:schemeClr val="accent1"/>
+              </a:fillRef>
+              <a:effectRef idx="0">
+                <a:schemeClr val="accent1"/>
+              </a:effectRef>
+              <a:fontRef idx="minor">
+                <a:schemeClr val="lt1"/>
+              </a:fontRef>
+            </p:style>
+            <p:txBody>
+              <a:bodyPr rtlCol="0" anchor="ctr"/>
+              <a:lstStyle/>
+              <a:p>
+                <a:pPr algn="ctr"/>
+                <a14:m>
+                  <m:oMathPara xmlns:m="http://schemas.openxmlformats.org/officeDocument/2006/math">
+                    <m:oMathParaPr>
+                      <m:jc m:val="centerGroup"/>
+                    </m:oMathParaPr>
+                    <m:oMath xmlns:m="http://schemas.openxmlformats.org/officeDocument/2006/math">
+                      <m:r>
+                        <m:rPr>
+                          <m:sty m:val="p"/>
+                        </m:rPr>
+                        <a:rPr lang="en-US" sz="1400" i="1" smtClean="0">
+                          <a:solidFill>
+                            <a:schemeClr val="tx1"/>
+                          </a:solidFill>
+                          <a:latin typeface="Cambria Math" panose="02040503050406030204" pitchFamily="18" charset="0"/>
+                        </a:rPr>
+                        <m:t>e</m:t>
+                      </m:r>
+                      <m:r>
+                        <a:rPr lang="en-US" sz="1400" i="1" smtClean="0">
+                          <a:solidFill>
+                            <a:schemeClr val="tx1"/>
+                          </a:solidFill>
+                          <a:latin typeface="Cambria Math" panose="02040503050406030204" pitchFamily="18" charset="0"/>
+                        </a:rPr>
+                        <m:t>=1.6</m:t>
+                      </m:r>
+                      <m:r>
+                        <a:rPr lang="en-US" sz="1400" i="1">
+                          <a:solidFill>
+                            <a:schemeClr val="tx1"/>
+                          </a:solidFill>
+                          <a:latin typeface="Cambria Math" panose="02040503050406030204" pitchFamily="18" charset="0"/>
+                        </a:rPr>
+                        <m:t>0×</m:t>
+                      </m:r>
+                      <m:sSup>
+                        <m:sSupPr>
+                          <m:ctrlPr>
+                            <a:rPr lang="en-US" sz="1400" i="1">
+                              <a:solidFill>
+                                <a:schemeClr val="tx1"/>
+                              </a:solidFill>
+                              <a:latin typeface="Cambria Math" panose="02040503050406030204" pitchFamily="18" charset="0"/>
+                              <a:ea typeface="Cambria Math" panose="02040503050406030204" pitchFamily="18" charset="0"/>
+                            </a:rPr>
+                          </m:ctrlPr>
+                        </m:sSupPr>
+                        <m:e>
+                          <m:r>
+                            <a:rPr lang="en-US" sz="1400" i="1">
+                              <a:solidFill>
+                                <a:schemeClr val="tx1"/>
+                              </a:solidFill>
+                              <a:latin typeface="Cambria Math" panose="02040503050406030204" pitchFamily="18" charset="0"/>
+                              <a:ea typeface="Cambria Math" panose="02040503050406030204" pitchFamily="18" charset="0"/>
+                            </a:rPr>
+                            <m:t>10</m:t>
+                          </m:r>
+                        </m:e>
+                        <m:sup>
+                          <m:r>
+                            <a:rPr lang="en-US" sz="1400" b="0" i="1" smtClean="0">
+                              <a:solidFill>
+                                <a:schemeClr val="tx1"/>
+                              </a:solidFill>
+                              <a:latin typeface="Cambria Math" panose="02040503050406030204" pitchFamily="18" charset="0"/>
+                              <a:ea typeface="Cambria Math" panose="02040503050406030204" pitchFamily="18" charset="0"/>
+                            </a:rPr>
+                            <m:t>2</m:t>
+                          </m:r>
+                        </m:sup>
+                      </m:sSup>
+                      <m:f>
+                        <m:fPr>
+                          <m:ctrlPr>
+                            <a:rPr lang="en-US" sz="1400" i="1">
+                              <a:solidFill>
+                                <a:schemeClr val="tx1"/>
+                              </a:solidFill>
+                              <a:latin typeface="Cambria Math" panose="02040503050406030204" pitchFamily="18" charset="0"/>
+                            </a:rPr>
+                          </m:ctrlPr>
+                        </m:fPr>
+                        <m:num>
+                          <m:r>
+                            <a:rPr lang="en-US" sz="1400" b="0" i="1" smtClean="0">
+                              <a:solidFill>
+                                <a:schemeClr val="tx1"/>
+                              </a:solidFill>
+                              <a:latin typeface="Cambria Math" panose="02040503050406030204" pitchFamily="18" charset="0"/>
+                            </a:rPr>
+                            <m:t>𝑓</m:t>
+                          </m:r>
+                          <m:r>
+                            <a:rPr lang="en-US" sz="1400" i="1">
+                              <a:solidFill>
+                                <a:schemeClr val="tx1"/>
+                              </a:solidFill>
+                              <a:latin typeface="Cambria Math" panose="02040503050406030204" pitchFamily="18" charset="0"/>
+                            </a:rPr>
+                            <m:t>𝑊</m:t>
+                          </m:r>
+                        </m:num>
+                        <m:den>
+                          <m:r>
+                            <a:rPr lang="en-US" sz="1400" b="0" i="1" smtClean="0">
+                              <a:solidFill>
+                                <a:schemeClr val="tx1"/>
+                              </a:solidFill>
+                              <a:latin typeface="Cambria Math" panose="02040503050406030204" pitchFamily="18" charset="0"/>
+                            </a:rPr>
+                            <m:t>𝑚</m:t>
+                          </m:r>
+                          <m:r>
+                            <a:rPr lang="en-US" sz="1400" i="1">
+                              <a:solidFill>
+                                <a:schemeClr val="tx1"/>
+                              </a:solidFill>
+                              <a:latin typeface="Cambria Math" panose="02040503050406030204" pitchFamily="18" charset="0"/>
+                            </a:rPr>
+                            <m:t>𝑉</m:t>
+                          </m:r>
+                          <m:r>
+                            <a:rPr lang="en-US" sz="1400" i="1">
+                              <a:solidFill>
+                                <a:schemeClr val="tx1"/>
+                              </a:solidFill>
+                              <a:latin typeface="Cambria Math" panose="02040503050406030204" pitchFamily="18" charset="0"/>
+                              <a:ea typeface="Cambria Math" panose="02040503050406030204" pitchFamily="18" charset="0"/>
+                            </a:rPr>
+                            <m:t>∙</m:t>
+                          </m:r>
+                          <m:r>
+                            <a:rPr lang="en-US" sz="1400" i="1">
+                              <a:solidFill>
+                                <a:schemeClr val="tx1"/>
+                              </a:solidFill>
+                              <a:latin typeface="Cambria Math" panose="02040503050406030204" pitchFamily="18" charset="0"/>
+                            </a:rPr>
+                            <m:t>𝐺𝐻𝑧</m:t>
+                          </m:r>
+                        </m:den>
+                      </m:f>
+                    </m:oMath>
+                  </m:oMathPara>
+                </a14:m>
+                <a:endParaRPr lang="en-US" sz="1400" dirty="0">
+                  <a:solidFill>
+                    <a:schemeClr val="tx1"/>
+                  </a:solidFill>
+                </a:endParaRPr>
+              </a:p>
+            </p:txBody>
+          </p:sp>
+        </mc:Choice>
+        <mc:Fallback>
+          <p:sp>
+            <p:nvSpPr>
+              <p:cNvPr id="18" name="Rectangle: Rounded Corners 17">
+                <a:extLst>
+                  <a:ext uri="{FF2B5EF4-FFF2-40B4-BE49-F238E27FC236}">
+                    <a16:creationId xmlns:a16="http://schemas.microsoft.com/office/drawing/2014/main" id="{1C6C4520-4A5D-FB86-2AD0-56D50CCE4EDF}"/>
+                  </a:ext>
+                </a:extLst>
+              </p:cNvPr>
+              <p:cNvSpPr>
+                <a:spLocks noRot="1" noChangeAspect="1" noMove="1" noResize="1" noEditPoints="1" noAdjustHandles="1" noChangeArrowheads="1" noChangeShapeType="1" noTextEdit="1"/>
+              </p:cNvSpPr>
+              <p:nvPr/>
+            </p:nvSpPr>
+            <p:spPr>
+              <a:xfrm>
+                <a:off x="1033771" y="5814942"/>
+                <a:ext cx="2514600" cy="914400"/>
+              </a:xfrm>
+              <a:prstGeom prst="roundRect">
+                <a:avLst/>
+              </a:prstGeom>
+              <a:blipFill>
+                <a:blip r:embed="rId3"/>
+                <a:stretch>
+                  <a:fillRect/>
+                </a:stretch>
+              </a:blipFill>
+            </p:spPr>
+            <p:txBody>
+              <a:bodyPr/>
+              <a:lstStyle/>
+              <a:p>
+                <a:r>
+                  <a:rPr lang="en-US">
+                    <a:noFill/>
+                  </a:rPr>
+                  <a:t> </a:t>
+                </a:r>
+              </a:p>
+            </p:txBody>
+          </p:sp>
+        </mc:Fallback>
+      </mc:AlternateContent>
+      <mc:AlternateContent xmlns:mc="http://schemas.openxmlformats.org/markup-compatibility/2006">
+        <mc:Choice xmlns:a14="http://schemas.microsoft.com/office/drawing/2010/main" Requires="a14">
+          <p:sp>
+            <p:nvSpPr>
+              <p:cNvPr id="21" name="Rectangle: Rounded Corners 20">
+                <a:extLst>
+                  <a:ext uri="{FF2B5EF4-FFF2-40B4-BE49-F238E27FC236}">
+                    <a16:creationId xmlns:a16="http://schemas.microsoft.com/office/drawing/2014/main" id="{DDFAA716-2272-285C-CAC1-E4E20EB611BB}"/>
+                  </a:ext>
+                </a:extLst>
+              </p:cNvPr>
+              <p:cNvSpPr/>
+              <p:nvPr/>
+            </p:nvSpPr>
+            <p:spPr>
+              <a:xfrm>
+                <a:off x="6911673" y="5778073"/>
+                <a:ext cx="2514600" cy="914400"/>
+              </a:xfrm>
+              <a:prstGeom prst="roundRect">
+                <a:avLst/>
+              </a:prstGeom>
+              <a:solidFill>
+                <a:srgbClr val="2DC8FF"/>
+              </a:solidFill>
+            </p:spPr>
+            <p:style>
+              <a:lnRef idx="2">
+                <a:schemeClr val="accent1">
+                  <a:shade val="15000"/>
+                </a:schemeClr>
+              </a:lnRef>
+              <a:fillRef idx="1">
+                <a:schemeClr val="accent1"/>
+              </a:fillRef>
+              <a:effectRef idx="0">
+                <a:schemeClr val="accent1"/>
+              </a:effectRef>
+              <a:fontRef idx="minor">
+                <a:schemeClr val="lt1"/>
+              </a:fontRef>
+            </p:style>
+            <p:txBody>
+              <a:bodyPr rtlCol="0" anchor="ctr"/>
+              <a:lstStyle/>
+              <a:p>
+                <a:pPr algn="ctr"/>
+                <a14:m>
+                  <m:oMathPara xmlns:m="http://schemas.openxmlformats.org/officeDocument/2006/math">
+                    <m:oMathParaPr>
+                      <m:jc m:val="centerGroup"/>
+                    </m:oMathParaPr>
+                    <m:oMath xmlns:m="http://schemas.openxmlformats.org/officeDocument/2006/math">
+                      <m:sSub>
+                        <m:sSubPr>
+                          <m:ctrlPr>
+                            <a:rPr lang="en-US" sz="1400" i="1" smtClean="0">
+                              <a:solidFill>
+                                <a:schemeClr val="tx1"/>
+                              </a:solidFill>
+                              <a:latin typeface="Cambria Math" panose="02040503050406030204" pitchFamily="18" charset="0"/>
+                            </a:rPr>
+                          </m:ctrlPr>
+                        </m:sSubPr>
+                        <m:e>
+                          <m:r>
+                            <a:rPr lang="en-US" sz="1400" i="1">
+                              <a:solidFill>
+                                <a:schemeClr val="tx1"/>
+                              </a:solidFill>
+                              <a:latin typeface="Cambria Math" panose="02040503050406030204" pitchFamily="18" charset="0"/>
+                            </a:rPr>
+                            <m:t>𝑘</m:t>
+                          </m:r>
+                        </m:e>
+                        <m:sub>
+                          <m:r>
+                            <a:rPr lang="en-US" sz="1400" i="1">
+                              <a:solidFill>
+                                <a:schemeClr val="tx1"/>
+                              </a:solidFill>
+                              <a:latin typeface="Cambria Math" panose="02040503050406030204" pitchFamily="18" charset="0"/>
+                            </a:rPr>
+                            <m:t>𝐵</m:t>
+                          </m:r>
+                        </m:sub>
+                      </m:sSub>
+                      <m:r>
+                        <a:rPr lang="en-US" sz="1400" i="1">
+                          <a:solidFill>
+                            <a:schemeClr val="tx1"/>
+                          </a:solidFill>
+                          <a:latin typeface="Cambria Math" panose="02040503050406030204" pitchFamily="18" charset="0"/>
+                        </a:rPr>
+                        <m:t>=1</m:t>
+                      </m:r>
+                      <m:r>
+                        <a:rPr lang="en-US" sz="1400" b="0" i="1" smtClean="0">
+                          <a:solidFill>
+                            <a:schemeClr val="tx1"/>
+                          </a:solidFill>
+                          <a:latin typeface="Cambria Math" panose="02040503050406030204" pitchFamily="18" charset="0"/>
+                        </a:rPr>
+                        <m:t>.</m:t>
+                      </m:r>
+                      <m:r>
+                        <a:rPr lang="en-US" sz="1400" i="1">
+                          <a:solidFill>
+                            <a:schemeClr val="tx1"/>
+                          </a:solidFill>
+                          <a:latin typeface="Cambria Math" panose="02040503050406030204" pitchFamily="18" charset="0"/>
+                        </a:rPr>
+                        <m:t>38</m:t>
+                      </m:r>
+                      <m:r>
+                        <a:rPr lang="en-US" sz="1400" i="1">
+                          <a:solidFill>
+                            <a:srgbClr val="002060"/>
+                          </a:solidFill>
+                          <a:latin typeface="Cambria Math" panose="02040503050406030204" pitchFamily="18" charset="0"/>
+                          <a:ea typeface="Cambria Math" panose="02040503050406030204" pitchFamily="18" charset="0"/>
+                        </a:rPr>
+                        <m:t>×</m:t>
+                      </m:r>
+                      <m:sSup>
+                        <m:sSupPr>
+                          <m:ctrlPr>
+                            <a:rPr lang="en-US" sz="1400" i="1">
+                              <a:solidFill>
+                                <a:srgbClr val="002060"/>
+                              </a:solidFill>
+                              <a:latin typeface="Cambria Math" panose="02040503050406030204" pitchFamily="18" charset="0"/>
+                              <a:ea typeface="Cambria Math" panose="02040503050406030204" pitchFamily="18" charset="0"/>
+                            </a:rPr>
+                          </m:ctrlPr>
+                        </m:sSupPr>
+                        <m:e>
+                          <m:r>
+                            <a:rPr lang="en-US" sz="1400" i="1">
+                              <a:solidFill>
+                                <a:srgbClr val="002060"/>
+                              </a:solidFill>
+                              <a:latin typeface="Cambria Math" panose="02040503050406030204" pitchFamily="18" charset="0"/>
+                              <a:ea typeface="Cambria Math" panose="02040503050406030204" pitchFamily="18" charset="0"/>
+                            </a:rPr>
+                            <m:t>10</m:t>
+                          </m:r>
+                        </m:e>
+                        <m:sup>
+                          <m:r>
+                            <a:rPr lang="en-US" sz="1400" i="1">
+                              <a:solidFill>
+                                <a:srgbClr val="002060"/>
+                              </a:solidFill>
+                              <a:latin typeface="Cambria Math" panose="02040503050406030204" pitchFamily="18" charset="0"/>
+                              <a:ea typeface="Cambria Math" panose="02040503050406030204" pitchFamily="18" charset="0"/>
+                            </a:rPr>
+                            <m:t>−</m:t>
+                          </m:r>
+                          <m:r>
+                            <a:rPr lang="en-US" sz="1400" b="0" i="1" smtClean="0">
+                              <a:solidFill>
+                                <a:srgbClr val="002060"/>
+                              </a:solidFill>
+                              <a:latin typeface="Cambria Math" panose="02040503050406030204" pitchFamily="18" charset="0"/>
+                              <a:ea typeface="Cambria Math" panose="02040503050406030204" pitchFamily="18" charset="0"/>
+                            </a:rPr>
+                            <m:t>2</m:t>
+                          </m:r>
+                        </m:sup>
+                      </m:sSup>
+                      <m:f>
+                        <m:fPr>
+                          <m:ctrlPr>
+                            <a:rPr lang="en-US" sz="1400" i="1">
+                              <a:solidFill>
+                                <a:schemeClr val="tx1"/>
+                              </a:solidFill>
+                              <a:latin typeface="Cambria Math" panose="02040503050406030204" pitchFamily="18" charset="0"/>
+                            </a:rPr>
+                          </m:ctrlPr>
+                        </m:fPr>
+                        <m:num>
+                          <m:r>
+                            <a:rPr lang="en-US" sz="1400" i="1">
+                              <a:solidFill>
+                                <a:schemeClr val="tx1"/>
+                              </a:solidFill>
+                              <a:latin typeface="Cambria Math" panose="02040503050406030204" pitchFamily="18" charset="0"/>
+                            </a:rPr>
+                            <m:t>𝑓𝑊</m:t>
+                          </m:r>
+                        </m:num>
+                        <m:den>
+                          <m:r>
+                            <a:rPr lang="en-US" sz="1400" i="1">
+                              <a:solidFill>
+                                <a:schemeClr val="tx1"/>
+                              </a:solidFill>
+                              <a:latin typeface="Cambria Math" panose="02040503050406030204" pitchFamily="18" charset="0"/>
+                            </a:rPr>
+                            <m:t>𝐺𝐻𝑧</m:t>
+                          </m:r>
+                          <m:r>
+                            <a:rPr lang="en-US" sz="1400" i="1">
+                              <a:solidFill>
+                                <a:schemeClr val="tx1"/>
+                              </a:solidFill>
+                              <a:latin typeface="Cambria Math" panose="02040503050406030204" pitchFamily="18" charset="0"/>
+                              <a:ea typeface="Cambria Math" panose="02040503050406030204" pitchFamily="18" charset="0"/>
+                            </a:rPr>
+                            <m:t>∙</m:t>
+                          </m:r>
+                          <m:r>
+                            <a:rPr lang="en-US" sz="1400" b="0" i="1" smtClean="0">
+                              <a:solidFill>
+                                <a:schemeClr val="tx1"/>
+                              </a:solidFill>
+                              <a:latin typeface="Cambria Math" panose="02040503050406030204" pitchFamily="18" charset="0"/>
+                              <a:ea typeface="Cambria Math" panose="02040503050406030204" pitchFamily="18" charset="0"/>
+                            </a:rPr>
+                            <m:t>𝑚</m:t>
+                          </m:r>
+                          <m:r>
+                            <a:rPr lang="en-US" sz="1400" i="1">
+                              <a:solidFill>
+                                <a:schemeClr val="tx1"/>
+                              </a:solidFill>
+                              <a:latin typeface="Cambria Math" panose="02040503050406030204" pitchFamily="18" charset="0"/>
+                              <a:ea typeface="Cambria Math" panose="02040503050406030204" pitchFamily="18" charset="0"/>
+                            </a:rPr>
+                            <m:t>𝐾</m:t>
+                          </m:r>
+                        </m:den>
+                      </m:f>
+                    </m:oMath>
+                  </m:oMathPara>
+                </a14:m>
+                <a:endParaRPr lang="en-US" sz="1400" dirty="0">
+                  <a:solidFill>
+                    <a:schemeClr val="tx1"/>
+                  </a:solidFill>
+                </a:endParaRPr>
+              </a:p>
+            </p:txBody>
+          </p:sp>
+        </mc:Choice>
+        <mc:Fallback>
+          <p:sp>
+            <p:nvSpPr>
+              <p:cNvPr id="21" name="Rectangle: Rounded Corners 20">
+                <a:extLst>
+                  <a:ext uri="{FF2B5EF4-FFF2-40B4-BE49-F238E27FC236}">
+                    <a16:creationId xmlns:a16="http://schemas.microsoft.com/office/drawing/2014/main" id="{DDFAA716-2272-285C-CAC1-E4E20EB611BB}"/>
+                  </a:ext>
+                </a:extLst>
+              </p:cNvPr>
+              <p:cNvSpPr>
+                <a:spLocks noRot="1" noChangeAspect="1" noMove="1" noResize="1" noEditPoints="1" noAdjustHandles="1" noChangeArrowheads="1" noChangeShapeType="1" noTextEdit="1"/>
+              </p:cNvSpPr>
+              <p:nvPr/>
+            </p:nvSpPr>
+            <p:spPr>
+              <a:xfrm>
+                <a:off x="6911673" y="5778073"/>
+                <a:ext cx="2514600" cy="914400"/>
+              </a:xfrm>
+              <a:prstGeom prst="roundRect">
+                <a:avLst/>
+              </a:prstGeom>
+              <a:blipFill>
+                <a:blip r:embed="rId4"/>
+                <a:stretch>
+                  <a:fillRect/>
+                </a:stretch>
+              </a:blipFill>
+            </p:spPr>
+            <p:txBody>
+              <a:bodyPr/>
+              <a:lstStyle/>
+              <a:p>
+                <a:r>
+                  <a:rPr lang="en-US">
+                    <a:noFill/>
+                  </a:rPr>
+                  <a:t> </a:t>
+                </a:r>
+              </a:p>
+            </p:txBody>
+          </p:sp>
+        </mc:Fallback>
+      </mc:AlternateContent>
+      <mc:AlternateContent xmlns:mc="http://schemas.openxmlformats.org/markup-compatibility/2006">
+        <mc:Choice xmlns:a14="http://schemas.microsoft.com/office/drawing/2010/main" Requires="a14">
+          <p:sp>
+            <p:nvSpPr>
+              <p:cNvPr id="23" name="Rectangle: Rounded Corners 22">
+                <a:extLst>
+                  <a:ext uri="{FF2B5EF4-FFF2-40B4-BE49-F238E27FC236}">
+                    <a16:creationId xmlns:a16="http://schemas.microsoft.com/office/drawing/2014/main" id="{79375B6B-AE3C-1C61-BE2C-B06D32E87695}"/>
+                  </a:ext>
+                </a:extLst>
+              </p:cNvPr>
+              <p:cNvSpPr/>
+              <p:nvPr/>
+            </p:nvSpPr>
+            <p:spPr>
+              <a:xfrm>
+                <a:off x="4232366" y="5501667"/>
+                <a:ext cx="2011680" cy="1371600"/>
+              </a:xfrm>
+              <a:prstGeom prst="roundRect">
+                <a:avLst/>
+              </a:prstGeom>
+              <a:solidFill>
+                <a:srgbClr val="FF61FF"/>
+              </a:solidFill>
+            </p:spPr>
+            <p:style>
+              <a:lnRef idx="2">
+                <a:schemeClr val="accent1">
+                  <a:shade val="15000"/>
+                </a:schemeClr>
+              </a:lnRef>
+              <a:fillRef idx="1">
+                <a:schemeClr val="accent1"/>
+              </a:fillRef>
+              <a:effectRef idx="0">
+                <a:schemeClr val="accent1"/>
+              </a:effectRef>
+              <a:fontRef idx="minor">
+                <a:schemeClr val="lt1"/>
+              </a:fontRef>
+            </p:style>
+            <p:txBody>
+              <a:bodyPr rtlCol="0" anchor="ctr"/>
+              <a:lstStyle/>
+              <a:p>
+                <a:pPr algn="ctr"/>
+                <a14:m>
+                  <m:oMathPara xmlns:m="http://schemas.openxmlformats.org/officeDocument/2006/math">
+                    <m:oMathParaPr>
+                      <m:jc m:val="centerGroup"/>
+                    </m:oMathParaPr>
+                    <m:oMath xmlns:m="http://schemas.openxmlformats.org/officeDocument/2006/math">
+                      <m:f>
+                        <m:fPr>
+                          <m:ctrlPr>
+                            <a:rPr lang="en-US" sz="1400" i="1" smtClean="0">
+                              <a:solidFill>
+                                <a:srgbClr val="002060"/>
+                              </a:solidFill>
+                              <a:latin typeface="Cambria Math" panose="02040503050406030204" pitchFamily="18" charset="0"/>
+                            </a:rPr>
+                          </m:ctrlPr>
+                        </m:fPr>
+                        <m:num>
+                          <m:sSub>
+                            <m:sSubPr>
+                              <m:ctrlPr>
+                                <a:rPr lang="en-US" sz="1400" i="1">
+                                  <a:solidFill>
+                                    <a:srgbClr val="002060"/>
+                                  </a:solidFill>
+                                  <a:latin typeface="Cambria Math" panose="02040503050406030204" pitchFamily="18" charset="0"/>
+                                </a:rPr>
+                              </m:ctrlPr>
+                            </m:sSubPr>
+                            <m:e>
+                              <m:r>
+                                <a:rPr lang="en-US" sz="1400" i="1">
+                                  <a:solidFill>
+                                    <a:srgbClr val="002060"/>
+                                  </a:solidFill>
+                                  <a:latin typeface="Cambria Math" panose="02040503050406030204" pitchFamily="18" charset="0"/>
+                                </a:rPr>
+                                <m:t>𝑘</m:t>
+                              </m:r>
+                            </m:e>
+                            <m:sub>
+                              <m:r>
+                                <a:rPr lang="en-US" sz="1400" i="1">
+                                  <a:solidFill>
+                                    <a:srgbClr val="002060"/>
+                                  </a:solidFill>
+                                  <a:latin typeface="Cambria Math" panose="02040503050406030204" pitchFamily="18" charset="0"/>
+                                </a:rPr>
+                                <m:t>𝐵</m:t>
+                              </m:r>
+                            </m:sub>
+                          </m:sSub>
+                        </m:num>
+                        <m:den>
+                          <m:r>
+                            <a:rPr lang="en-US" sz="1400" i="1">
+                              <a:solidFill>
+                                <a:srgbClr val="002060"/>
+                              </a:solidFill>
+                              <a:latin typeface="Cambria Math" panose="02040503050406030204" pitchFamily="18" charset="0"/>
+                            </a:rPr>
+                            <m:t>𝑒</m:t>
+                          </m:r>
+                        </m:den>
+                      </m:f>
+                      <m:r>
+                        <a:rPr lang="en-US" sz="1400" i="1">
+                          <a:solidFill>
+                            <a:srgbClr val="002060"/>
+                          </a:solidFill>
+                          <a:latin typeface="Cambria Math" panose="02040503050406030204" pitchFamily="18" charset="0"/>
+                        </a:rPr>
+                        <m:t>=8</m:t>
+                      </m:r>
+                      <m:r>
+                        <a:rPr lang="en-US" sz="1400" b="0" i="1" smtClean="0">
+                          <a:solidFill>
+                            <a:srgbClr val="002060"/>
+                          </a:solidFill>
+                          <a:latin typeface="Cambria Math" panose="02040503050406030204" pitchFamily="18" charset="0"/>
+                        </a:rPr>
+                        <m:t>.</m:t>
+                      </m:r>
+                      <m:r>
+                        <a:rPr lang="en-US" sz="1400" i="1">
+                          <a:solidFill>
+                            <a:srgbClr val="002060"/>
+                          </a:solidFill>
+                          <a:latin typeface="Cambria Math" panose="02040503050406030204" pitchFamily="18" charset="0"/>
+                        </a:rPr>
+                        <m:t>62</m:t>
+                      </m:r>
+                      <m:r>
+                        <a:rPr lang="en-US" sz="1400" i="1">
+                          <a:solidFill>
+                            <a:srgbClr val="002060"/>
+                          </a:solidFill>
+                          <a:latin typeface="Cambria Math" panose="02040503050406030204" pitchFamily="18" charset="0"/>
+                          <a:ea typeface="Cambria Math" panose="02040503050406030204" pitchFamily="18" charset="0"/>
+                        </a:rPr>
+                        <m:t>×</m:t>
+                      </m:r>
+                      <m:sSup>
+                        <m:sSupPr>
+                          <m:ctrlPr>
+                            <a:rPr lang="en-US" sz="1400" i="1">
+                              <a:solidFill>
+                                <a:srgbClr val="002060"/>
+                              </a:solidFill>
+                              <a:latin typeface="Cambria Math" panose="02040503050406030204" pitchFamily="18" charset="0"/>
+                              <a:ea typeface="Cambria Math" panose="02040503050406030204" pitchFamily="18" charset="0"/>
+                            </a:rPr>
+                          </m:ctrlPr>
+                        </m:sSupPr>
+                        <m:e>
+                          <m:r>
+                            <a:rPr lang="en-US" sz="1400" i="1">
+                              <a:solidFill>
+                                <a:srgbClr val="002060"/>
+                              </a:solidFill>
+                              <a:latin typeface="Cambria Math" panose="02040503050406030204" pitchFamily="18" charset="0"/>
+                              <a:ea typeface="Cambria Math" panose="02040503050406030204" pitchFamily="18" charset="0"/>
+                            </a:rPr>
+                            <m:t>10</m:t>
+                          </m:r>
+                        </m:e>
+                        <m:sup>
+                          <m:r>
+                            <a:rPr lang="en-US" sz="1400" i="1">
+                              <a:solidFill>
+                                <a:srgbClr val="002060"/>
+                              </a:solidFill>
+                              <a:latin typeface="Cambria Math" panose="02040503050406030204" pitchFamily="18" charset="0"/>
+                              <a:ea typeface="Cambria Math" panose="02040503050406030204" pitchFamily="18" charset="0"/>
+                            </a:rPr>
+                            <m:t>−</m:t>
+                          </m:r>
+                          <m:r>
+                            <a:rPr lang="en-US" sz="1400" b="0" i="1" smtClean="0">
+                              <a:solidFill>
+                                <a:srgbClr val="002060"/>
+                              </a:solidFill>
+                              <a:latin typeface="Cambria Math" panose="02040503050406030204" pitchFamily="18" charset="0"/>
+                              <a:ea typeface="Cambria Math" panose="02040503050406030204" pitchFamily="18" charset="0"/>
+                            </a:rPr>
+                            <m:t>5</m:t>
+                          </m:r>
+                        </m:sup>
+                      </m:sSup>
+                      <m:f>
+                        <m:fPr>
+                          <m:ctrlPr>
+                            <a:rPr lang="en-US" sz="1400" i="1">
+                              <a:solidFill>
+                                <a:srgbClr val="002060"/>
+                              </a:solidFill>
+                              <a:latin typeface="Cambria Math" panose="02040503050406030204" pitchFamily="18" charset="0"/>
+                            </a:rPr>
+                          </m:ctrlPr>
+                        </m:fPr>
+                        <m:num>
+                          <m:r>
+                            <a:rPr lang="en-US" sz="1400" b="0" i="1" smtClean="0">
+                              <a:solidFill>
+                                <a:srgbClr val="002060"/>
+                              </a:solidFill>
+                              <a:latin typeface="Cambria Math" panose="02040503050406030204" pitchFamily="18" charset="0"/>
+                            </a:rPr>
+                            <m:t>𝑚</m:t>
+                          </m:r>
+                          <m:r>
+                            <a:rPr lang="en-US" sz="1400" i="1">
+                              <a:solidFill>
+                                <a:srgbClr val="002060"/>
+                              </a:solidFill>
+                              <a:latin typeface="Cambria Math" panose="02040503050406030204" pitchFamily="18" charset="0"/>
+                              <a:ea typeface="Cambria Math" panose="02040503050406030204" pitchFamily="18" charset="0"/>
+                            </a:rPr>
+                            <m:t>𝑉</m:t>
+                          </m:r>
+                        </m:num>
+                        <m:den>
+                          <m:r>
+                            <a:rPr lang="en-US" sz="1400" b="0" i="1" smtClean="0">
+                              <a:solidFill>
+                                <a:srgbClr val="002060"/>
+                              </a:solidFill>
+                              <a:latin typeface="Cambria Math" panose="02040503050406030204" pitchFamily="18" charset="0"/>
+                              <a:ea typeface="Cambria Math" panose="02040503050406030204" pitchFamily="18" charset="0"/>
+                            </a:rPr>
+                            <m:t>𝑚</m:t>
+                          </m:r>
+                          <m:r>
+                            <a:rPr lang="en-US" sz="1400" i="1">
+                              <a:solidFill>
+                                <a:srgbClr val="002060"/>
+                              </a:solidFill>
+                              <a:latin typeface="Cambria Math" panose="02040503050406030204" pitchFamily="18" charset="0"/>
+                            </a:rPr>
+                            <m:t>𝐾</m:t>
+                          </m:r>
+                        </m:den>
+                      </m:f>
+                    </m:oMath>
+                  </m:oMathPara>
+                </a14:m>
+                <a:endParaRPr lang="en-US" sz="1400" dirty="0">
+                  <a:solidFill>
+                    <a:srgbClr val="002060"/>
+                  </a:solidFill>
+                  <a:ea typeface="Cambria Math" panose="02040503050406030204" pitchFamily="18" charset="0"/>
+                </a:endParaRPr>
+              </a:p>
+              <a:p>
+                <a:pPr algn="ctr"/>
+                <a:endParaRPr lang="en-US" sz="1400" dirty="0">
+                  <a:solidFill>
+                    <a:srgbClr val="002060"/>
+                  </a:solidFill>
+                  <a:ea typeface="Cambria Math" panose="02040503050406030204" pitchFamily="18" charset="0"/>
+                </a:endParaRPr>
+              </a:p>
+              <a:p>
+                <a:pPr algn="ctr"/>
+                <a14:m>
+                  <m:oMathPara xmlns:m="http://schemas.openxmlformats.org/officeDocument/2006/math">
+                    <m:oMathParaPr>
+                      <m:jc m:val="centerGroup"/>
+                    </m:oMathParaPr>
+                    <m:oMath xmlns:m="http://schemas.openxmlformats.org/officeDocument/2006/math">
+                      <m:f>
+                        <m:fPr>
+                          <m:ctrlPr>
+                            <a:rPr lang="en-US" sz="1400" i="1">
+                              <a:solidFill>
+                                <a:srgbClr val="002060"/>
+                              </a:solidFill>
+                              <a:latin typeface="Cambria Math" panose="02040503050406030204" pitchFamily="18" charset="0"/>
+                            </a:rPr>
+                          </m:ctrlPr>
+                        </m:fPr>
+                        <m:num>
+                          <m:r>
+                            <a:rPr lang="en-US" sz="1400" i="1">
+                              <a:solidFill>
+                                <a:srgbClr val="002060"/>
+                              </a:solidFill>
+                              <a:latin typeface="Cambria Math" panose="02040503050406030204" pitchFamily="18" charset="0"/>
+                            </a:rPr>
+                            <m:t>𝑒</m:t>
+                          </m:r>
+                        </m:num>
+                        <m:den>
+                          <m:sSub>
+                            <m:sSubPr>
+                              <m:ctrlPr>
+                                <a:rPr lang="en-US" sz="1400" i="1">
+                                  <a:solidFill>
+                                    <a:srgbClr val="002060"/>
+                                  </a:solidFill>
+                                  <a:latin typeface="Cambria Math" panose="02040503050406030204" pitchFamily="18" charset="0"/>
+                                </a:rPr>
+                              </m:ctrlPr>
+                            </m:sSubPr>
+                            <m:e>
+                              <m:r>
+                                <a:rPr lang="en-US" sz="1400" i="1">
+                                  <a:solidFill>
+                                    <a:srgbClr val="002060"/>
+                                  </a:solidFill>
+                                  <a:latin typeface="Cambria Math" panose="02040503050406030204" pitchFamily="18" charset="0"/>
+                                </a:rPr>
+                                <m:t>𝑘</m:t>
+                              </m:r>
+                            </m:e>
+                            <m:sub>
+                              <m:r>
+                                <a:rPr lang="en-US" sz="1400" i="1">
+                                  <a:solidFill>
+                                    <a:srgbClr val="002060"/>
+                                  </a:solidFill>
+                                  <a:latin typeface="Cambria Math" panose="02040503050406030204" pitchFamily="18" charset="0"/>
+                                </a:rPr>
+                                <m:t>𝐵</m:t>
+                              </m:r>
+                            </m:sub>
+                          </m:sSub>
+                        </m:den>
+                      </m:f>
+                      <m:r>
+                        <a:rPr lang="en-US" sz="1400" i="1">
+                          <a:solidFill>
+                            <a:srgbClr val="002060"/>
+                          </a:solidFill>
+                          <a:latin typeface="Cambria Math" panose="02040503050406030204" pitchFamily="18" charset="0"/>
+                        </a:rPr>
+                        <m:t>=1</m:t>
+                      </m:r>
+                      <m:r>
+                        <a:rPr lang="en-US" sz="1400" b="0" i="1" smtClean="0">
+                          <a:solidFill>
+                            <a:srgbClr val="002060"/>
+                          </a:solidFill>
+                          <a:latin typeface="Cambria Math" panose="02040503050406030204" pitchFamily="18" charset="0"/>
+                        </a:rPr>
+                        <m:t>.</m:t>
+                      </m:r>
+                      <m:r>
+                        <a:rPr lang="en-US" sz="1400" i="1">
+                          <a:solidFill>
+                            <a:srgbClr val="002060"/>
+                          </a:solidFill>
+                          <a:latin typeface="Cambria Math" panose="02040503050406030204" pitchFamily="18" charset="0"/>
+                        </a:rPr>
+                        <m:t>16</m:t>
+                      </m:r>
+                      <m:r>
+                        <a:rPr lang="en-US" sz="1400" i="1">
+                          <a:solidFill>
+                            <a:srgbClr val="002060"/>
+                          </a:solidFill>
+                          <a:latin typeface="Cambria Math" panose="02040503050406030204" pitchFamily="18" charset="0"/>
+                          <a:ea typeface="Cambria Math" panose="02040503050406030204" pitchFamily="18" charset="0"/>
+                        </a:rPr>
+                        <m:t>×</m:t>
+                      </m:r>
+                      <m:sSup>
+                        <m:sSupPr>
+                          <m:ctrlPr>
+                            <a:rPr lang="en-US" sz="1400" i="1">
+                              <a:solidFill>
+                                <a:srgbClr val="002060"/>
+                              </a:solidFill>
+                              <a:latin typeface="Cambria Math" panose="02040503050406030204" pitchFamily="18" charset="0"/>
+                              <a:ea typeface="Cambria Math" panose="02040503050406030204" pitchFamily="18" charset="0"/>
+                            </a:rPr>
+                          </m:ctrlPr>
+                        </m:sSupPr>
+                        <m:e>
+                          <m:r>
+                            <a:rPr lang="en-US" sz="1400" i="1">
+                              <a:solidFill>
+                                <a:srgbClr val="002060"/>
+                              </a:solidFill>
+                              <a:latin typeface="Cambria Math" panose="02040503050406030204" pitchFamily="18" charset="0"/>
+                              <a:ea typeface="Cambria Math" panose="02040503050406030204" pitchFamily="18" charset="0"/>
+                            </a:rPr>
+                            <m:t>10</m:t>
+                          </m:r>
+                        </m:e>
+                        <m:sup>
+                          <m:r>
+                            <a:rPr lang="en-US" sz="1400" b="0" i="1" smtClean="0">
+                              <a:solidFill>
+                                <a:srgbClr val="002060"/>
+                              </a:solidFill>
+                              <a:latin typeface="Cambria Math" panose="02040503050406030204" pitchFamily="18" charset="0"/>
+                              <a:ea typeface="Cambria Math" panose="02040503050406030204" pitchFamily="18" charset="0"/>
+                            </a:rPr>
+                            <m:t>4</m:t>
+                          </m:r>
+                        </m:sup>
+                      </m:sSup>
+                      <m:f>
+                        <m:fPr>
+                          <m:ctrlPr>
+                            <a:rPr lang="en-US" sz="1400" i="1">
+                              <a:solidFill>
+                                <a:srgbClr val="002060"/>
+                              </a:solidFill>
+                              <a:latin typeface="Cambria Math" panose="02040503050406030204" pitchFamily="18" charset="0"/>
+                            </a:rPr>
+                          </m:ctrlPr>
+                        </m:fPr>
+                        <m:num>
+                          <m:r>
+                            <a:rPr lang="en-US" sz="1400" b="0" i="1" smtClean="0">
+                              <a:solidFill>
+                                <a:srgbClr val="002060"/>
+                              </a:solidFill>
+                              <a:latin typeface="Cambria Math" panose="02040503050406030204" pitchFamily="18" charset="0"/>
+                            </a:rPr>
+                            <m:t>𝑚</m:t>
+                          </m:r>
+                          <m:r>
+                            <a:rPr lang="en-US" sz="1400" i="1">
+                              <a:solidFill>
+                                <a:srgbClr val="002060"/>
+                              </a:solidFill>
+                              <a:latin typeface="Cambria Math" panose="02040503050406030204" pitchFamily="18" charset="0"/>
+                            </a:rPr>
+                            <m:t>𝐾</m:t>
+                          </m:r>
+                        </m:num>
+                        <m:den>
+                          <m:r>
+                            <a:rPr lang="en-US" sz="1400" i="1">
+                              <a:solidFill>
+                                <a:srgbClr val="002060"/>
+                              </a:solidFill>
+                              <a:latin typeface="Cambria Math" panose="02040503050406030204" pitchFamily="18" charset="0"/>
+                            </a:rPr>
+                            <m:t>𝑚𝑉</m:t>
+                          </m:r>
+                        </m:den>
+                      </m:f>
+                    </m:oMath>
+                  </m:oMathPara>
+                </a14:m>
+                <a:endParaRPr lang="en-US" sz="1400" dirty="0">
+                  <a:solidFill>
+                    <a:srgbClr val="002060"/>
+                  </a:solidFill>
+                </a:endParaRPr>
+              </a:p>
+            </p:txBody>
+          </p:sp>
+        </mc:Choice>
+        <mc:Fallback>
+          <p:sp>
+            <p:nvSpPr>
+              <p:cNvPr id="23" name="Rectangle: Rounded Corners 22">
+                <a:extLst>
+                  <a:ext uri="{FF2B5EF4-FFF2-40B4-BE49-F238E27FC236}">
+                    <a16:creationId xmlns:a16="http://schemas.microsoft.com/office/drawing/2014/main" id="{79375B6B-AE3C-1C61-BE2C-B06D32E87695}"/>
+                  </a:ext>
+                </a:extLst>
+              </p:cNvPr>
+              <p:cNvSpPr>
+                <a:spLocks noRot="1" noChangeAspect="1" noMove="1" noResize="1" noEditPoints="1" noAdjustHandles="1" noChangeArrowheads="1" noChangeShapeType="1" noTextEdit="1"/>
+              </p:cNvSpPr>
+              <p:nvPr/>
+            </p:nvSpPr>
+            <p:spPr>
+              <a:xfrm>
+                <a:off x="4232366" y="5501667"/>
+                <a:ext cx="2011680" cy="1371600"/>
+              </a:xfrm>
+              <a:prstGeom prst="roundRect">
+                <a:avLst/>
+              </a:prstGeom>
+              <a:blipFill>
+                <a:blip r:embed="rId5"/>
+                <a:stretch>
+                  <a:fillRect/>
+                </a:stretch>
+              </a:blipFill>
+            </p:spPr>
+            <p:txBody>
+              <a:bodyPr/>
+              <a:lstStyle/>
+              <a:p>
+                <a:r>
+                  <a:rPr lang="en-US">
+                    <a:noFill/>
+                  </a:rPr>
+                  <a:t> </a:t>
+                </a:r>
+              </a:p>
+            </p:txBody>
+          </p:sp>
+        </mc:Fallback>
+      </mc:AlternateContent>
+      <mc:AlternateContent xmlns:mc="http://schemas.openxmlformats.org/markup-compatibility/2006">
+        <mc:Choice xmlns:a14="http://schemas.microsoft.com/office/drawing/2010/main" Requires="a14">
+          <p:sp>
+            <p:nvSpPr>
+              <p:cNvPr id="27" name="Rectangle: Rounded Corners 26">
+                <a:extLst>
+                  <a:ext uri="{FF2B5EF4-FFF2-40B4-BE49-F238E27FC236}">
+                    <a16:creationId xmlns:a16="http://schemas.microsoft.com/office/drawing/2014/main" id="{439C5FB7-D09A-CD38-9FD3-F236846536E5}"/>
+                  </a:ext>
+                </a:extLst>
+              </p:cNvPr>
+              <p:cNvSpPr/>
+              <p:nvPr/>
+            </p:nvSpPr>
+            <p:spPr>
+              <a:xfrm>
+                <a:off x="5421904" y="3361786"/>
+                <a:ext cx="2514600" cy="914400"/>
+              </a:xfrm>
+              <a:prstGeom prst="roundRect">
+                <a:avLst/>
+              </a:prstGeom>
+              <a:solidFill>
+                <a:srgbClr val="92D050"/>
+              </a:solidFill>
+            </p:spPr>
+            <p:style>
+              <a:lnRef idx="2">
+                <a:schemeClr val="accent1">
+                  <a:shade val="15000"/>
+                </a:schemeClr>
+              </a:lnRef>
+              <a:fillRef idx="1">
+                <a:schemeClr val="accent1"/>
+              </a:fillRef>
+              <a:effectRef idx="0">
+                <a:schemeClr val="accent1"/>
+              </a:effectRef>
+              <a:fontRef idx="minor">
+                <a:schemeClr val="lt1"/>
+              </a:fontRef>
+            </p:style>
+            <p:txBody>
+              <a:bodyPr rtlCol="0" anchor="ctr"/>
+              <a:lstStyle/>
+              <a:p>
+                <a:pPr algn="ctr"/>
+                <a14:m>
+                  <m:oMathPara xmlns:m="http://schemas.openxmlformats.org/officeDocument/2006/math">
+                    <m:oMathParaPr>
+                      <m:jc m:val="centerGroup"/>
+                    </m:oMathParaPr>
+                    <m:oMath xmlns:m="http://schemas.openxmlformats.org/officeDocument/2006/math">
+                      <m:f>
+                        <m:fPr>
+                          <m:ctrlPr>
+                            <a:rPr lang="en-US" sz="1400" i="1">
+                              <a:solidFill>
+                                <a:srgbClr val="002060"/>
+                              </a:solidFill>
+                              <a:latin typeface="Cambria Math" panose="02040503050406030204" pitchFamily="18" charset="0"/>
+                            </a:rPr>
+                          </m:ctrlPr>
+                        </m:fPr>
+                        <m:num>
+                          <m:r>
+                            <a:rPr lang="en-US" sz="1400" i="1">
+                              <a:solidFill>
+                                <a:srgbClr val="002060"/>
+                              </a:solidFill>
+                              <a:latin typeface="Cambria Math" panose="02040503050406030204" pitchFamily="18" charset="0"/>
+                            </a:rPr>
+                            <m:t>h</m:t>
+                          </m:r>
+                        </m:num>
+                        <m:den>
+                          <m:sSub>
+                            <m:sSubPr>
+                              <m:ctrlPr>
+                                <a:rPr lang="en-US" sz="1400" i="1">
+                                  <a:solidFill>
+                                    <a:srgbClr val="002060"/>
+                                  </a:solidFill>
+                                  <a:latin typeface="Cambria Math" panose="02040503050406030204" pitchFamily="18" charset="0"/>
+                                </a:rPr>
+                              </m:ctrlPr>
+                            </m:sSubPr>
+                            <m:e>
+                              <m:r>
+                                <a:rPr lang="en-US" sz="1400" i="1">
+                                  <a:solidFill>
+                                    <a:srgbClr val="002060"/>
+                                  </a:solidFill>
+                                  <a:latin typeface="Cambria Math" panose="02040503050406030204" pitchFamily="18" charset="0"/>
+                                </a:rPr>
+                                <m:t>2</m:t>
+                              </m:r>
+                              <m:r>
+                                <a:rPr lang="en-US" sz="1400" i="1">
+                                  <a:solidFill>
+                                    <a:srgbClr val="002060"/>
+                                  </a:solidFill>
+                                  <a:latin typeface="Cambria Math" panose="02040503050406030204" pitchFamily="18" charset="0"/>
+                                </a:rPr>
+                                <m:t>𝑘</m:t>
+                              </m:r>
+                            </m:e>
+                            <m:sub>
+                              <m:r>
+                                <a:rPr lang="en-US" sz="1400" i="1">
+                                  <a:solidFill>
+                                    <a:srgbClr val="002060"/>
+                                  </a:solidFill>
+                                  <a:latin typeface="Cambria Math" panose="02040503050406030204" pitchFamily="18" charset="0"/>
+                                </a:rPr>
+                                <m:t>𝐵</m:t>
+                              </m:r>
+                            </m:sub>
+                          </m:sSub>
+                        </m:den>
+                      </m:f>
+                      <m:r>
+                        <a:rPr lang="en-US" sz="1400" i="1">
+                          <a:solidFill>
+                            <a:srgbClr val="002060"/>
+                          </a:solidFill>
+                          <a:latin typeface="Cambria Math" panose="02040503050406030204" pitchFamily="18" charset="0"/>
+                        </a:rPr>
+                        <m:t>=24.0 </m:t>
+                      </m:r>
+                      <m:f>
+                        <m:fPr>
+                          <m:ctrlPr>
+                            <a:rPr lang="en-US" sz="1400" i="1">
+                              <a:solidFill>
+                                <a:srgbClr val="002060"/>
+                              </a:solidFill>
+                              <a:latin typeface="Cambria Math" panose="02040503050406030204" pitchFamily="18" charset="0"/>
+                            </a:rPr>
+                          </m:ctrlPr>
+                        </m:fPr>
+                        <m:num>
+                          <m:r>
+                            <a:rPr lang="en-US" sz="1400" i="1">
+                              <a:solidFill>
+                                <a:srgbClr val="002060"/>
+                              </a:solidFill>
+                              <a:latin typeface="Cambria Math" panose="02040503050406030204" pitchFamily="18" charset="0"/>
+                            </a:rPr>
+                            <m:t>𝑚𝐾</m:t>
+                          </m:r>
+                        </m:num>
+                        <m:den>
+                          <m:r>
+                            <a:rPr lang="en-US" sz="1400" i="1">
+                              <a:solidFill>
+                                <a:srgbClr val="002060"/>
+                              </a:solidFill>
+                              <a:latin typeface="Cambria Math" panose="02040503050406030204" pitchFamily="18" charset="0"/>
+                            </a:rPr>
+                            <m:t>𝐺𝐻𝑧</m:t>
+                          </m:r>
+                        </m:den>
+                      </m:f>
+                    </m:oMath>
+                  </m:oMathPara>
+                </a14:m>
+                <a:endParaRPr lang="en-US" sz="1400" dirty="0">
+                  <a:solidFill>
+                    <a:srgbClr val="002060"/>
+                  </a:solidFill>
+                </a:endParaRPr>
+              </a:p>
+            </p:txBody>
+          </p:sp>
+        </mc:Choice>
+        <mc:Fallback>
+          <p:sp>
+            <p:nvSpPr>
+              <p:cNvPr id="27" name="Rectangle: Rounded Corners 26">
+                <a:extLst>
+                  <a:ext uri="{FF2B5EF4-FFF2-40B4-BE49-F238E27FC236}">
+                    <a16:creationId xmlns:a16="http://schemas.microsoft.com/office/drawing/2014/main" id="{439C5FB7-D09A-CD38-9FD3-F236846536E5}"/>
+                  </a:ext>
+                </a:extLst>
+              </p:cNvPr>
+              <p:cNvSpPr>
+                <a:spLocks noRot="1" noChangeAspect="1" noMove="1" noResize="1" noEditPoints="1" noAdjustHandles="1" noChangeArrowheads="1" noChangeShapeType="1" noTextEdit="1"/>
+              </p:cNvSpPr>
+              <p:nvPr/>
+            </p:nvSpPr>
+            <p:spPr>
+              <a:xfrm>
+                <a:off x="5421904" y="3361786"/>
+                <a:ext cx="2514600" cy="914400"/>
+              </a:xfrm>
+              <a:prstGeom prst="roundRect">
+                <a:avLst/>
+              </a:prstGeom>
+              <a:blipFill>
+                <a:blip r:embed="rId6"/>
+                <a:stretch>
+                  <a:fillRect/>
+                </a:stretch>
+              </a:blipFill>
+            </p:spPr>
+            <p:txBody>
+              <a:bodyPr/>
+              <a:lstStyle/>
+              <a:p>
+                <a:r>
+                  <a:rPr lang="en-US">
+                    <a:noFill/>
+                  </a:rPr>
+                  <a:t> </a:t>
+                </a:r>
+              </a:p>
+            </p:txBody>
+          </p:sp>
+        </mc:Fallback>
+      </mc:AlternateContent>
+      <mc:AlternateContent xmlns:mc="http://schemas.openxmlformats.org/markup-compatibility/2006">
+        <mc:Choice xmlns:a14="http://schemas.microsoft.com/office/drawing/2010/main" Requires="a14">
+          <p:sp>
+            <p:nvSpPr>
+              <p:cNvPr id="28" name="Rectangle: Rounded Corners 27">
+                <a:extLst>
+                  <a:ext uri="{FF2B5EF4-FFF2-40B4-BE49-F238E27FC236}">
+                    <a16:creationId xmlns:a16="http://schemas.microsoft.com/office/drawing/2014/main" id="{37148C56-95B5-0EBC-6170-8B83C71C6CE2}"/>
+                  </a:ext>
+                </a:extLst>
+              </p:cNvPr>
+              <p:cNvSpPr/>
+              <p:nvPr/>
+            </p:nvSpPr>
+            <p:spPr>
+              <a:xfrm>
+                <a:off x="2351190" y="3361786"/>
+                <a:ext cx="2514600" cy="914400"/>
+              </a:xfrm>
+              <a:prstGeom prst="roundRect">
+                <a:avLst/>
+              </a:prstGeom>
+              <a:solidFill>
+                <a:srgbClr val="FFA83F"/>
+              </a:solidFill>
+            </p:spPr>
+            <p:style>
+              <a:lnRef idx="2">
+                <a:schemeClr val="accent1">
+                  <a:shade val="15000"/>
+                </a:schemeClr>
+              </a:lnRef>
+              <a:fillRef idx="1">
+                <a:schemeClr val="accent1"/>
+              </a:fillRef>
+              <a:effectRef idx="0">
+                <a:schemeClr val="accent1"/>
+              </a:effectRef>
+              <a:fontRef idx="minor">
+                <a:schemeClr val="lt1"/>
+              </a:fontRef>
+            </p:style>
+            <p:txBody>
+              <a:bodyPr rtlCol="0" anchor="ctr"/>
+              <a:lstStyle/>
+              <a:p>
+                <a:pPr algn="ctr"/>
+                <a14:m>
+                  <m:oMathPara xmlns:m="http://schemas.openxmlformats.org/officeDocument/2006/math">
+                    <m:oMathParaPr>
+                      <m:jc m:val="centerGroup"/>
+                    </m:oMathParaPr>
+                    <m:oMath xmlns:m="http://schemas.openxmlformats.org/officeDocument/2006/math">
+                      <m:f>
+                        <m:fPr>
+                          <m:ctrlPr>
+                            <a:rPr lang="en-US" sz="1400" i="1" smtClean="0">
+                              <a:solidFill>
+                                <a:srgbClr val="002060"/>
+                              </a:solidFill>
+                              <a:latin typeface="Cambria Math" panose="02040503050406030204" pitchFamily="18" charset="0"/>
+                            </a:rPr>
+                          </m:ctrlPr>
+                        </m:fPr>
+                        <m:num>
+                          <m:r>
+                            <a:rPr lang="en-US" sz="1400" i="1">
+                              <a:solidFill>
+                                <a:srgbClr val="002060"/>
+                              </a:solidFill>
+                              <a:latin typeface="Cambria Math" panose="02040503050406030204" pitchFamily="18" charset="0"/>
+                            </a:rPr>
+                            <m:t>h</m:t>
+                          </m:r>
+                        </m:num>
+                        <m:den>
+                          <m:r>
+                            <a:rPr lang="en-US" sz="1400" i="1">
+                              <a:solidFill>
+                                <a:srgbClr val="002060"/>
+                              </a:solidFill>
+                              <a:latin typeface="Cambria Math" panose="02040503050406030204" pitchFamily="18" charset="0"/>
+                            </a:rPr>
+                            <m:t>2</m:t>
+                          </m:r>
+                          <m:r>
+                            <a:rPr lang="en-US" sz="1400" i="1">
+                              <a:solidFill>
+                                <a:srgbClr val="002060"/>
+                              </a:solidFill>
+                              <a:latin typeface="Cambria Math" panose="02040503050406030204" pitchFamily="18" charset="0"/>
+                            </a:rPr>
+                            <m:t>𝑒</m:t>
+                          </m:r>
+                        </m:den>
+                      </m:f>
+                      <m:r>
+                        <a:rPr lang="en-US" sz="1400" i="1">
+                          <a:solidFill>
+                            <a:srgbClr val="002060"/>
+                          </a:solidFill>
+                          <a:latin typeface="Cambria Math" panose="02040503050406030204" pitchFamily="18" charset="0"/>
+                        </a:rPr>
+                        <m:t>=2.07</m:t>
+                      </m:r>
+                      <m:r>
+                        <a:rPr lang="en-US" sz="1400" i="1" smtClean="0">
+                          <a:solidFill>
+                            <a:srgbClr val="002060"/>
+                          </a:solidFill>
+                          <a:latin typeface="Cambria Math" panose="02040503050406030204" pitchFamily="18" charset="0"/>
+                          <a:ea typeface="Cambria Math" panose="02040503050406030204" pitchFamily="18" charset="0"/>
+                        </a:rPr>
+                        <m:t>×</m:t>
+                      </m:r>
+                      <m:sSup>
+                        <m:sSupPr>
+                          <m:ctrlPr>
+                            <a:rPr lang="en-US" sz="1400" i="1" smtClean="0">
+                              <a:solidFill>
+                                <a:srgbClr val="002060"/>
+                              </a:solidFill>
+                              <a:latin typeface="Cambria Math" panose="02040503050406030204" pitchFamily="18" charset="0"/>
+                              <a:ea typeface="Cambria Math" panose="02040503050406030204" pitchFamily="18" charset="0"/>
+                            </a:rPr>
+                          </m:ctrlPr>
+                        </m:sSupPr>
+                        <m:e>
+                          <m:r>
+                            <a:rPr lang="en-US" sz="1400" b="0" i="1" smtClean="0">
+                              <a:solidFill>
+                                <a:srgbClr val="002060"/>
+                              </a:solidFill>
+                              <a:latin typeface="Cambria Math" panose="02040503050406030204" pitchFamily="18" charset="0"/>
+                              <a:ea typeface="Cambria Math" panose="02040503050406030204" pitchFamily="18" charset="0"/>
+                            </a:rPr>
+                            <m:t>10</m:t>
+                          </m:r>
+                        </m:e>
+                        <m:sup>
+                          <m:r>
+                            <a:rPr lang="en-US" sz="1400" b="0" i="1" smtClean="0">
+                              <a:solidFill>
+                                <a:srgbClr val="002060"/>
+                              </a:solidFill>
+                              <a:latin typeface="Cambria Math" panose="02040503050406030204" pitchFamily="18" charset="0"/>
+                              <a:ea typeface="Cambria Math" panose="02040503050406030204" pitchFamily="18" charset="0"/>
+                            </a:rPr>
+                            <m:t>−3</m:t>
+                          </m:r>
+                        </m:sup>
+                      </m:sSup>
+                      <m:r>
+                        <a:rPr lang="en-US" sz="1400" i="1">
+                          <a:solidFill>
+                            <a:srgbClr val="002060"/>
+                          </a:solidFill>
+                          <a:latin typeface="Cambria Math" panose="02040503050406030204" pitchFamily="18" charset="0"/>
+                        </a:rPr>
+                        <m:t> </m:t>
+                      </m:r>
+                      <m:f>
+                        <m:fPr>
+                          <m:ctrlPr>
+                            <a:rPr lang="en-US" sz="1400" i="1">
+                              <a:solidFill>
+                                <a:srgbClr val="002060"/>
+                              </a:solidFill>
+                              <a:latin typeface="Cambria Math" panose="02040503050406030204" pitchFamily="18" charset="0"/>
+                            </a:rPr>
+                          </m:ctrlPr>
+                        </m:fPr>
+                        <m:num>
+                          <m:r>
+                            <a:rPr lang="en-US" sz="1400" b="0" i="1" smtClean="0">
+                              <a:solidFill>
+                                <a:srgbClr val="002060"/>
+                              </a:solidFill>
+                              <a:latin typeface="Cambria Math" panose="02040503050406030204" pitchFamily="18" charset="0"/>
+                              <a:ea typeface="Cambria Math" panose="02040503050406030204" pitchFamily="18" charset="0"/>
+                            </a:rPr>
+                            <m:t>𝑚</m:t>
+                          </m:r>
+                          <m:r>
+                            <a:rPr lang="en-US" sz="1400" i="1">
+                              <a:solidFill>
+                                <a:srgbClr val="002060"/>
+                              </a:solidFill>
+                              <a:latin typeface="Cambria Math" panose="02040503050406030204" pitchFamily="18" charset="0"/>
+                              <a:ea typeface="Cambria Math" panose="02040503050406030204" pitchFamily="18" charset="0"/>
+                            </a:rPr>
+                            <m:t>𝑉</m:t>
+                          </m:r>
+                        </m:num>
+                        <m:den>
+                          <m:r>
+                            <a:rPr lang="en-US" sz="1400" i="1">
+                              <a:solidFill>
+                                <a:srgbClr val="002060"/>
+                              </a:solidFill>
+                              <a:latin typeface="Cambria Math" panose="02040503050406030204" pitchFamily="18" charset="0"/>
+                            </a:rPr>
+                            <m:t>𝐺𝐻𝑧</m:t>
+                          </m:r>
+                        </m:den>
+                      </m:f>
+                    </m:oMath>
+                  </m:oMathPara>
+                </a14:m>
+                <a:endParaRPr lang="en-US" sz="1400" dirty="0">
+                  <a:solidFill>
+                    <a:srgbClr val="002060"/>
+                  </a:solidFill>
+                </a:endParaRPr>
+              </a:p>
+            </p:txBody>
+          </p:sp>
+        </mc:Choice>
+        <mc:Fallback>
+          <p:sp>
+            <p:nvSpPr>
+              <p:cNvPr id="28" name="Rectangle: Rounded Corners 27">
+                <a:extLst>
+                  <a:ext uri="{FF2B5EF4-FFF2-40B4-BE49-F238E27FC236}">
+                    <a16:creationId xmlns:a16="http://schemas.microsoft.com/office/drawing/2014/main" id="{37148C56-95B5-0EBC-6170-8B83C71C6CE2}"/>
+                  </a:ext>
+                </a:extLst>
+              </p:cNvPr>
+              <p:cNvSpPr>
+                <a:spLocks noRot="1" noChangeAspect="1" noMove="1" noResize="1" noEditPoints="1" noAdjustHandles="1" noChangeArrowheads="1" noChangeShapeType="1" noTextEdit="1"/>
+              </p:cNvSpPr>
+              <p:nvPr/>
+            </p:nvSpPr>
+            <p:spPr>
+              <a:xfrm>
+                <a:off x="2351190" y="3361786"/>
+                <a:ext cx="2514600" cy="914400"/>
+              </a:xfrm>
+              <a:prstGeom prst="roundRect">
+                <a:avLst/>
+              </a:prstGeom>
+              <a:blipFill>
+                <a:blip r:embed="rId7"/>
+                <a:stretch>
+                  <a:fillRect/>
+                </a:stretch>
+              </a:blipFill>
+            </p:spPr>
+            <p:txBody>
+              <a:bodyPr/>
+              <a:lstStyle/>
+              <a:p>
+                <a:r>
+                  <a:rPr lang="en-US">
+                    <a:noFill/>
+                  </a:rPr>
+                  <a:t> </a:t>
+                </a:r>
+              </a:p>
+            </p:txBody>
+          </p:sp>
+        </mc:Fallback>
+      </mc:AlternateContent>
+      <mc:AlternateContent xmlns:mc="http://schemas.openxmlformats.org/markup-compatibility/2006">
+        <mc:Choice xmlns:a14="http://schemas.microsoft.com/office/drawing/2010/main" Requires="a14">
+          <p:sp>
+            <p:nvSpPr>
+              <p:cNvPr id="4" name="Rectangle: Rounded Corners 3">
+                <a:extLst>
+                  <a:ext uri="{FF2B5EF4-FFF2-40B4-BE49-F238E27FC236}">
+                    <a16:creationId xmlns:a16="http://schemas.microsoft.com/office/drawing/2014/main" id="{F32D8B7C-4CF0-BA78-5353-41A46AD10499}"/>
+                  </a:ext>
+                </a:extLst>
+              </p:cNvPr>
+              <p:cNvSpPr/>
+              <p:nvPr/>
+            </p:nvSpPr>
+            <p:spPr>
+              <a:xfrm>
+                <a:off x="3887386" y="815934"/>
+                <a:ext cx="2514600" cy="914400"/>
+              </a:xfrm>
+              <a:prstGeom prst="roundRect">
+                <a:avLst/>
+              </a:prstGeom>
+              <a:solidFill>
+                <a:srgbClr val="FFFF00"/>
+              </a:solidFill>
+            </p:spPr>
+            <p:style>
+              <a:lnRef idx="2">
+                <a:schemeClr val="accent1">
+                  <a:shade val="15000"/>
+                </a:schemeClr>
+              </a:lnRef>
+              <a:fillRef idx="1">
+                <a:schemeClr val="accent1"/>
+              </a:fillRef>
+              <a:effectRef idx="0">
+                <a:schemeClr val="accent1"/>
+              </a:effectRef>
+              <a:fontRef idx="minor">
+                <a:schemeClr val="lt1"/>
+              </a:fontRef>
+            </p:style>
+            <p:txBody>
+              <a:bodyPr rtlCol="0" anchor="ctr"/>
+              <a:lstStyle/>
+              <a:p>
+                <a:pPr algn="ctr"/>
+                <a14:m>
+                  <m:oMathPara xmlns:m="http://schemas.openxmlformats.org/officeDocument/2006/math">
+                    <m:oMathParaPr>
+                      <m:jc m:val="centerGroup"/>
+                    </m:oMathParaPr>
+                    <m:oMath xmlns:m="http://schemas.openxmlformats.org/officeDocument/2006/math">
+                      <m:r>
+                        <a:rPr lang="en-US" sz="1400" i="1" smtClean="0">
+                          <a:solidFill>
+                            <a:schemeClr val="tx1"/>
+                          </a:solidFill>
+                          <a:latin typeface="Cambria Math" panose="02040503050406030204" pitchFamily="18" charset="0"/>
+                        </a:rPr>
+                        <m:t>h</m:t>
+                      </m:r>
+                      <m:r>
+                        <a:rPr lang="en-US" sz="1400" i="1" smtClean="0">
+                          <a:solidFill>
+                            <a:schemeClr val="tx1"/>
+                          </a:solidFill>
+                          <a:latin typeface="Cambria Math" panose="02040503050406030204" pitchFamily="18" charset="0"/>
+                        </a:rPr>
+                        <m:t>=6.6</m:t>
+                      </m:r>
+                      <m:r>
+                        <a:rPr lang="en-US" sz="1400" i="1" smtClean="0">
+                          <a:solidFill>
+                            <a:schemeClr val="tx1"/>
+                          </a:solidFill>
+                          <a:latin typeface="Cambria Math" panose="02040503050406030204" pitchFamily="18" charset="0"/>
+                        </a:rPr>
+                        <m:t>3×</m:t>
+                      </m:r>
+                      <m:sSup>
+                        <m:sSupPr>
+                          <m:ctrlPr>
+                            <a:rPr lang="en-US" sz="1400" i="1">
+                              <a:solidFill>
+                                <a:srgbClr val="002060"/>
+                              </a:solidFill>
+                              <a:latin typeface="Cambria Math" panose="02040503050406030204" pitchFamily="18" charset="0"/>
+                              <a:ea typeface="Cambria Math" panose="02040503050406030204" pitchFamily="18" charset="0"/>
+                            </a:rPr>
+                          </m:ctrlPr>
+                        </m:sSupPr>
+                        <m:e>
+                          <m:r>
+                            <a:rPr lang="en-US" sz="1400" i="1">
+                              <a:solidFill>
+                                <a:srgbClr val="002060"/>
+                              </a:solidFill>
+                              <a:latin typeface="Cambria Math" panose="02040503050406030204" pitchFamily="18" charset="0"/>
+                              <a:ea typeface="Cambria Math" panose="02040503050406030204" pitchFamily="18" charset="0"/>
+                            </a:rPr>
+                            <m:t>10</m:t>
+                          </m:r>
+                        </m:e>
+                        <m:sup>
+                          <m:r>
+                            <a:rPr lang="en-US" sz="1400" i="1">
+                              <a:solidFill>
+                                <a:srgbClr val="002060"/>
+                              </a:solidFill>
+                              <a:latin typeface="Cambria Math" panose="02040503050406030204" pitchFamily="18" charset="0"/>
+                              <a:ea typeface="Cambria Math" panose="02040503050406030204" pitchFamily="18" charset="0"/>
+                            </a:rPr>
+                            <m:t>−</m:t>
+                          </m:r>
+                          <m:r>
+                            <a:rPr lang="en-US" sz="1400" b="0" i="1" smtClean="0">
+                              <a:solidFill>
+                                <a:srgbClr val="002060"/>
+                              </a:solidFill>
+                              <a:latin typeface="Cambria Math" panose="02040503050406030204" pitchFamily="18" charset="0"/>
+                              <a:ea typeface="Cambria Math" panose="02040503050406030204" pitchFamily="18" charset="0"/>
+                            </a:rPr>
+                            <m:t>1</m:t>
+                          </m:r>
+                        </m:sup>
+                      </m:sSup>
+                      <m:f>
+                        <m:fPr>
+                          <m:ctrlPr>
+                            <a:rPr lang="en-US" sz="1400" i="1">
+                              <a:solidFill>
+                                <a:schemeClr val="tx1"/>
+                              </a:solidFill>
+                              <a:latin typeface="Cambria Math" panose="02040503050406030204" pitchFamily="18" charset="0"/>
+                            </a:rPr>
+                          </m:ctrlPr>
+                        </m:fPr>
+                        <m:num>
+                          <m:r>
+                            <a:rPr lang="en-US" sz="1400" b="0" i="1" smtClean="0">
+                              <a:solidFill>
+                                <a:schemeClr val="tx1"/>
+                              </a:solidFill>
+                              <a:latin typeface="Cambria Math" panose="02040503050406030204" pitchFamily="18" charset="0"/>
+                            </a:rPr>
+                            <m:t>𝑓</m:t>
+                          </m:r>
+                          <m:r>
+                            <a:rPr lang="en-US" sz="1400" i="1">
+                              <a:solidFill>
+                                <a:schemeClr val="tx1"/>
+                              </a:solidFill>
+                              <a:latin typeface="Cambria Math" panose="02040503050406030204" pitchFamily="18" charset="0"/>
+                            </a:rPr>
+                            <m:t>𝑊</m:t>
+                          </m:r>
+                        </m:num>
+                        <m:den>
+                          <m:sSup>
+                            <m:sSupPr>
+                              <m:ctrlPr>
+                                <a:rPr lang="en-US" sz="1400" i="1">
+                                  <a:solidFill>
+                                    <a:schemeClr val="tx1"/>
+                                  </a:solidFill>
+                                  <a:latin typeface="Cambria Math" panose="02040503050406030204" pitchFamily="18" charset="0"/>
+                                </a:rPr>
+                              </m:ctrlPr>
+                            </m:sSupPr>
+                            <m:e>
+                              <m:r>
+                                <a:rPr lang="en-US" sz="1400" i="1">
+                                  <a:solidFill>
+                                    <a:schemeClr val="tx1"/>
+                                  </a:solidFill>
+                                  <a:latin typeface="Cambria Math" panose="02040503050406030204" pitchFamily="18" charset="0"/>
+                                </a:rPr>
+                                <m:t>𝐺𝐻𝑧</m:t>
+                              </m:r>
+                            </m:e>
+                            <m:sup>
+                              <m:r>
+                                <a:rPr lang="en-US" sz="1400" i="1">
+                                  <a:solidFill>
+                                    <a:schemeClr val="tx1"/>
+                                  </a:solidFill>
+                                  <a:latin typeface="Cambria Math" panose="02040503050406030204" pitchFamily="18" charset="0"/>
+                                </a:rPr>
+                                <m:t>2</m:t>
+                              </m:r>
+                            </m:sup>
+                          </m:sSup>
+                        </m:den>
+                      </m:f>
+                    </m:oMath>
+                  </m:oMathPara>
+                </a14:m>
+                <a:endParaRPr lang="en-US" sz="1400" dirty="0">
+                  <a:solidFill>
+                    <a:schemeClr val="tx1"/>
+                  </a:solidFill>
+                </a:endParaRPr>
+              </a:p>
+            </p:txBody>
+          </p:sp>
+        </mc:Choice>
+        <mc:Fallback>
+          <p:sp>
+            <p:nvSpPr>
+              <p:cNvPr id="4" name="Rectangle: Rounded Corners 3">
+                <a:extLst>
+                  <a:ext uri="{FF2B5EF4-FFF2-40B4-BE49-F238E27FC236}">
+                    <a16:creationId xmlns:a16="http://schemas.microsoft.com/office/drawing/2014/main" id="{F32D8B7C-4CF0-BA78-5353-41A46AD10499}"/>
+                  </a:ext>
+                </a:extLst>
+              </p:cNvPr>
+              <p:cNvSpPr>
+                <a:spLocks noRot="1" noChangeAspect="1" noMove="1" noResize="1" noEditPoints="1" noAdjustHandles="1" noChangeArrowheads="1" noChangeShapeType="1" noTextEdit="1"/>
+              </p:cNvSpPr>
+              <p:nvPr/>
+            </p:nvSpPr>
+            <p:spPr>
+              <a:xfrm>
+                <a:off x="3887386" y="815934"/>
+                <a:ext cx="2514600" cy="914400"/>
+              </a:xfrm>
+              <a:prstGeom prst="roundRect">
+                <a:avLst/>
+              </a:prstGeom>
+              <a:blipFill>
+                <a:blip r:embed="rId8"/>
+                <a:stretch>
+                  <a:fillRect/>
+                </a:stretch>
+              </a:blipFill>
+            </p:spPr>
+            <p:txBody>
+              <a:bodyPr/>
+              <a:lstStyle/>
+              <a:p>
+                <a:r>
+                  <a:rPr lang="en-US">
+                    <a:noFill/>
+                  </a:rPr>
+                  <a:t> </a:t>
+                </a:r>
+              </a:p>
+            </p:txBody>
+          </p:sp>
+        </mc:Fallback>
+      </mc:AlternateContent>
+      <mc:AlternateContent xmlns:mc="http://schemas.openxmlformats.org/markup-compatibility/2006">
+        <mc:Choice xmlns:a14="http://schemas.microsoft.com/office/drawing/2010/main" Requires="a14">
+          <p:sp>
+            <p:nvSpPr>
+              <p:cNvPr id="9" name="Rectangle: Rounded Corners 8">
+                <a:extLst>
+                  <a:ext uri="{FF2B5EF4-FFF2-40B4-BE49-F238E27FC236}">
+                    <a16:creationId xmlns:a16="http://schemas.microsoft.com/office/drawing/2014/main" id="{41F32D43-5514-1899-7D1D-98BF7A1FFACB}"/>
+                  </a:ext>
+                </a:extLst>
+              </p:cNvPr>
+              <p:cNvSpPr/>
+              <p:nvPr/>
+            </p:nvSpPr>
+            <p:spPr>
+              <a:xfrm>
+                <a:off x="977237" y="930234"/>
+                <a:ext cx="2011680" cy="685800"/>
+              </a:xfrm>
+              <a:prstGeom prst="roundRect">
+                <a:avLst/>
+              </a:prstGeom>
+              <a:solidFill>
+                <a:schemeClr val="tx1">
+                  <a:lumMod val="75000"/>
+                  <a:lumOff val="25000"/>
+                </a:schemeClr>
+              </a:solidFill>
+            </p:spPr>
+            <p:style>
+              <a:lnRef idx="2">
+                <a:schemeClr val="accent1">
+                  <a:shade val="15000"/>
+                </a:schemeClr>
+              </a:lnRef>
+              <a:fillRef idx="1">
+                <a:schemeClr val="accent1"/>
+              </a:fillRef>
+              <a:effectRef idx="0">
+                <a:schemeClr val="accent1"/>
+              </a:effectRef>
+              <a:fontRef idx="minor">
+                <a:schemeClr val="lt1"/>
+              </a:fontRef>
+            </p:style>
+            <p:txBody>
+              <a:bodyPr rtlCol="0" anchor="ctr"/>
+              <a:lstStyle/>
+              <a:p>
+                <a:pPr algn="ctr"/>
+                <a14:m>
+                  <m:oMathPara xmlns:m="http://schemas.openxmlformats.org/officeDocument/2006/math">
+                    <m:oMathParaPr>
+                      <m:jc m:val="centerGroup"/>
+                    </m:oMathParaPr>
+                    <m:oMath xmlns:m="http://schemas.openxmlformats.org/officeDocument/2006/math">
+                      <m:r>
+                        <a:rPr lang="en-US" sz="1400" smtClean="0">
+                          <a:solidFill>
+                            <a:schemeClr val="bg1"/>
+                          </a:solidFill>
+                          <a:latin typeface="Cambria Math" panose="02040503050406030204" pitchFamily="18" charset="0"/>
+                        </a:rPr>
+                        <m:t>1 </m:t>
+                      </m:r>
+                      <m:r>
+                        <m:rPr>
+                          <m:sty m:val="p"/>
+                        </m:rPr>
+                        <a:rPr lang="en-US" sz="1400" smtClean="0">
+                          <a:solidFill>
+                            <a:schemeClr val="bg1"/>
+                          </a:solidFill>
+                          <a:latin typeface="Cambria Math" panose="02040503050406030204" pitchFamily="18" charset="0"/>
+                        </a:rPr>
+                        <m:t>C</m:t>
+                      </m:r>
+                      <m:r>
+                        <a:rPr lang="en-US" sz="1400" smtClean="0">
+                          <a:solidFill>
+                            <a:schemeClr val="bg1"/>
+                          </a:solidFill>
+                          <a:latin typeface="Cambria Math" panose="02040503050406030204" pitchFamily="18" charset="0"/>
+                        </a:rPr>
+                        <m:t>=</m:t>
+                      </m:r>
+                      <m:sSup>
+                        <m:sSupPr>
+                          <m:ctrlPr>
+                            <a:rPr lang="en-US" sz="1400" i="1">
+                              <a:solidFill>
+                                <a:schemeClr val="bg1"/>
+                              </a:solidFill>
+                              <a:latin typeface="Cambria Math" panose="02040503050406030204" pitchFamily="18" charset="0"/>
+                            </a:rPr>
+                          </m:ctrlPr>
+                        </m:sSupPr>
+                        <m:e>
+                          <m:r>
+                            <a:rPr lang="en-US" sz="1400" i="1">
+                              <a:solidFill>
+                                <a:schemeClr val="bg1"/>
+                              </a:solidFill>
+                              <a:latin typeface="Cambria Math" panose="02040503050406030204" pitchFamily="18" charset="0"/>
+                            </a:rPr>
+                            <m:t>10</m:t>
+                          </m:r>
+                        </m:e>
+                        <m:sup>
+                          <m:r>
+                            <a:rPr lang="en-US" sz="1400" i="1">
+                              <a:solidFill>
+                                <a:schemeClr val="bg1"/>
+                              </a:solidFill>
+                              <a:latin typeface="Cambria Math" panose="02040503050406030204" pitchFamily="18" charset="0"/>
+                            </a:rPr>
+                            <m:t>21</m:t>
+                          </m:r>
+                        </m:sup>
+                      </m:sSup>
+                      <m:f>
+                        <m:fPr>
+                          <m:ctrlPr>
+                            <a:rPr lang="en-US" sz="1400" i="1">
+                              <a:solidFill>
+                                <a:schemeClr val="bg1"/>
+                              </a:solidFill>
+                              <a:latin typeface="Cambria Math" panose="02040503050406030204" pitchFamily="18" charset="0"/>
+                            </a:rPr>
+                          </m:ctrlPr>
+                        </m:fPr>
+                        <m:num>
+                          <m:r>
+                            <a:rPr lang="en-US" sz="1400" b="0" i="1" smtClean="0">
+                              <a:solidFill>
+                                <a:schemeClr val="bg1"/>
+                              </a:solidFill>
+                              <a:latin typeface="Cambria Math" panose="02040503050406030204" pitchFamily="18" charset="0"/>
+                            </a:rPr>
+                            <m:t>𝑓</m:t>
+                          </m:r>
+                          <m:r>
+                            <a:rPr lang="en-US" sz="1400" i="1">
+                              <a:solidFill>
+                                <a:schemeClr val="bg1"/>
+                              </a:solidFill>
+                              <a:latin typeface="Cambria Math" panose="02040503050406030204" pitchFamily="18" charset="0"/>
+                            </a:rPr>
+                            <m:t>𝑊</m:t>
+                          </m:r>
+                        </m:num>
+                        <m:den>
+                          <m:r>
+                            <a:rPr lang="en-US" sz="1400" i="1">
+                              <a:solidFill>
+                                <a:schemeClr val="bg1"/>
+                              </a:solidFill>
+                              <a:latin typeface="Cambria Math" panose="02040503050406030204" pitchFamily="18" charset="0"/>
+                            </a:rPr>
+                            <m:t>𝐺𝐻𝑧</m:t>
+                          </m:r>
+                          <m:r>
+                            <a:rPr lang="en-US" sz="1400" i="1">
+                              <a:solidFill>
+                                <a:schemeClr val="bg1"/>
+                              </a:solidFill>
+                              <a:latin typeface="Cambria Math" panose="02040503050406030204" pitchFamily="18" charset="0"/>
+                              <a:ea typeface="Cambria Math" panose="02040503050406030204" pitchFamily="18" charset="0"/>
+                            </a:rPr>
+                            <m:t>∙</m:t>
+                          </m:r>
+                          <m:r>
+                            <a:rPr lang="en-US" sz="1400" b="0" i="1" smtClean="0">
+                              <a:solidFill>
+                                <a:schemeClr val="bg1"/>
+                              </a:solidFill>
+                              <a:latin typeface="Cambria Math" panose="02040503050406030204" pitchFamily="18" charset="0"/>
+                              <a:ea typeface="Cambria Math" panose="02040503050406030204" pitchFamily="18" charset="0"/>
+                            </a:rPr>
+                            <m:t>𝑚</m:t>
+                          </m:r>
+                          <m:r>
+                            <a:rPr lang="en-US" sz="1400" i="1">
+                              <a:solidFill>
+                                <a:schemeClr val="bg1"/>
+                              </a:solidFill>
+                              <a:latin typeface="Cambria Math" panose="02040503050406030204" pitchFamily="18" charset="0"/>
+                              <a:ea typeface="Cambria Math" panose="02040503050406030204" pitchFamily="18" charset="0"/>
+                            </a:rPr>
+                            <m:t>𝑉</m:t>
+                          </m:r>
+                        </m:den>
+                      </m:f>
+                    </m:oMath>
+                  </m:oMathPara>
+                </a14:m>
+                <a:endParaRPr lang="en-US" sz="1400" dirty="0">
+                  <a:solidFill>
+                    <a:schemeClr val="bg1"/>
+                  </a:solidFill>
+                </a:endParaRPr>
+              </a:p>
+            </p:txBody>
+          </p:sp>
+        </mc:Choice>
+        <mc:Fallback>
+          <p:sp>
+            <p:nvSpPr>
+              <p:cNvPr id="9" name="Rectangle: Rounded Corners 8">
+                <a:extLst>
+                  <a:ext uri="{FF2B5EF4-FFF2-40B4-BE49-F238E27FC236}">
+                    <a16:creationId xmlns:a16="http://schemas.microsoft.com/office/drawing/2014/main" id="{41F32D43-5514-1899-7D1D-98BF7A1FFACB}"/>
+                  </a:ext>
+                </a:extLst>
+              </p:cNvPr>
+              <p:cNvSpPr>
+                <a:spLocks noRot="1" noChangeAspect="1" noMove="1" noResize="1" noEditPoints="1" noAdjustHandles="1" noChangeArrowheads="1" noChangeShapeType="1" noTextEdit="1"/>
+              </p:cNvSpPr>
+              <p:nvPr/>
+            </p:nvSpPr>
+            <p:spPr>
+              <a:xfrm>
+                <a:off x="977237" y="930234"/>
+                <a:ext cx="2011680" cy="685800"/>
+              </a:xfrm>
+              <a:prstGeom prst="roundRect">
+                <a:avLst/>
+              </a:prstGeom>
+              <a:blipFill>
+                <a:blip r:embed="rId9"/>
+                <a:stretch>
+                  <a:fillRect/>
+                </a:stretch>
+              </a:blipFill>
+            </p:spPr>
+            <p:txBody>
+              <a:bodyPr/>
+              <a:lstStyle/>
+              <a:p>
+                <a:r>
+                  <a:rPr lang="en-US">
+                    <a:noFill/>
+                  </a:rPr>
+                  <a:t> </a:t>
+                </a:r>
+              </a:p>
+            </p:txBody>
+          </p:sp>
+        </mc:Fallback>
+      </mc:AlternateContent>
+      <mc:AlternateContent xmlns:mc="http://schemas.openxmlformats.org/markup-compatibility/2006">
+        <mc:Choice xmlns:a14="http://schemas.microsoft.com/office/drawing/2010/main" Requires="a14">
+          <p:sp>
+            <p:nvSpPr>
+              <p:cNvPr id="10" name="Rectangle: Rounded Corners 9">
+                <a:extLst>
+                  <a:ext uri="{FF2B5EF4-FFF2-40B4-BE49-F238E27FC236}">
+                    <a16:creationId xmlns:a16="http://schemas.microsoft.com/office/drawing/2014/main" id="{A04394F7-7858-4F40-8A74-A23DA02D02E4}"/>
+                  </a:ext>
+                </a:extLst>
+              </p:cNvPr>
+              <p:cNvSpPr/>
+              <p:nvPr/>
+            </p:nvSpPr>
+            <p:spPr>
+              <a:xfrm>
+                <a:off x="7430961" y="930234"/>
+                <a:ext cx="2011680" cy="685800"/>
+              </a:xfrm>
+              <a:prstGeom prst="roundRect">
+                <a:avLst/>
+              </a:prstGeom>
+              <a:solidFill>
+                <a:schemeClr val="tx1">
+                  <a:lumMod val="75000"/>
+                  <a:lumOff val="25000"/>
+                </a:schemeClr>
+              </a:solidFill>
+            </p:spPr>
+            <p:style>
+              <a:lnRef idx="2">
+                <a:schemeClr val="accent1">
+                  <a:shade val="15000"/>
+                </a:schemeClr>
+              </a:lnRef>
+              <a:fillRef idx="1">
+                <a:schemeClr val="accent1"/>
+              </a:fillRef>
+              <a:effectRef idx="0">
+                <a:schemeClr val="accent1"/>
+              </a:effectRef>
+              <a:fontRef idx="minor">
+                <a:schemeClr val="lt1"/>
+              </a:fontRef>
+            </p:style>
+            <p:txBody>
+              <a:bodyPr rtlCol="0" anchor="ctr"/>
+              <a:lstStyle/>
+              <a:p>
+                <a:pPr algn="ctr"/>
+                <a14:m>
+                  <m:oMathPara xmlns:m="http://schemas.openxmlformats.org/officeDocument/2006/math">
+                    <m:oMathParaPr>
+                      <m:jc m:val="centerGroup"/>
+                    </m:oMathParaPr>
+                    <m:oMath xmlns:m="http://schemas.openxmlformats.org/officeDocument/2006/math">
+                      <m:r>
+                        <a:rPr lang="en-US" sz="1400" smtClean="0">
+                          <a:solidFill>
+                            <a:schemeClr val="bg1"/>
+                          </a:solidFill>
+                          <a:latin typeface="Cambria Math" panose="02040503050406030204" pitchFamily="18" charset="0"/>
+                        </a:rPr>
+                        <m:t>1 </m:t>
+                      </m:r>
+                      <m:r>
+                        <m:rPr>
+                          <m:sty m:val="p"/>
+                        </m:rPr>
+                        <a:rPr lang="en-US" sz="1400" smtClean="0">
+                          <a:solidFill>
+                            <a:schemeClr val="bg1"/>
+                          </a:solidFill>
+                          <a:latin typeface="Cambria Math" panose="02040503050406030204" pitchFamily="18" charset="0"/>
+                        </a:rPr>
+                        <m:t>J</m:t>
+                      </m:r>
+                      <m:r>
+                        <a:rPr lang="en-US" sz="1400" i="1">
+                          <a:solidFill>
+                            <a:schemeClr val="bg1"/>
+                          </a:solidFill>
+                          <a:latin typeface="Cambria Math" panose="02040503050406030204" pitchFamily="18" charset="0"/>
+                          <a:ea typeface="Cambria Math" panose="02040503050406030204" pitchFamily="18" charset="0"/>
+                        </a:rPr>
+                        <m:t>∙</m:t>
+                      </m:r>
+                      <m:r>
+                        <m:rPr>
+                          <m:sty m:val="p"/>
+                        </m:rPr>
+                        <a:rPr lang="en-US" sz="1400">
+                          <a:solidFill>
+                            <a:schemeClr val="bg1"/>
+                          </a:solidFill>
+                          <a:latin typeface="Cambria Math" panose="02040503050406030204" pitchFamily="18" charset="0"/>
+                          <a:ea typeface="Cambria Math" panose="02040503050406030204" pitchFamily="18" charset="0"/>
+                        </a:rPr>
+                        <m:t>s</m:t>
+                      </m:r>
+                      <m:r>
+                        <a:rPr lang="en-US" sz="1400">
+                          <a:solidFill>
+                            <a:schemeClr val="bg1"/>
+                          </a:solidFill>
+                          <a:latin typeface="Cambria Math" panose="02040503050406030204" pitchFamily="18" charset="0"/>
+                        </a:rPr>
+                        <m:t>=</m:t>
+                      </m:r>
+                      <m:sSup>
+                        <m:sSupPr>
+                          <m:ctrlPr>
+                            <a:rPr lang="en-US" sz="1400" i="1">
+                              <a:solidFill>
+                                <a:schemeClr val="bg1"/>
+                              </a:solidFill>
+                              <a:latin typeface="Cambria Math" panose="02040503050406030204" pitchFamily="18" charset="0"/>
+                            </a:rPr>
+                          </m:ctrlPr>
+                        </m:sSupPr>
+                        <m:e>
+                          <m:r>
+                            <a:rPr lang="en-US" sz="1400" i="1">
+                              <a:solidFill>
+                                <a:schemeClr val="bg1"/>
+                              </a:solidFill>
+                              <a:latin typeface="Cambria Math" panose="02040503050406030204" pitchFamily="18" charset="0"/>
+                            </a:rPr>
+                            <m:t>10</m:t>
+                          </m:r>
+                        </m:e>
+                        <m:sup>
+                          <m:r>
+                            <a:rPr lang="en-US" sz="1400" i="1">
+                              <a:solidFill>
+                                <a:schemeClr val="bg1"/>
+                              </a:solidFill>
+                              <a:latin typeface="Cambria Math" panose="02040503050406030204" pitchFamily="18" charset="0"/>
+                            </a:rPr>
+                            <m:t>3</m:t>
+                          </m:r>
+                          <m:r>
+                            <a:rPr lang="en-US" sz="1400" b="0" i="1" smtClean="0">
+                              <a:solidFill>
+                                <a:schemeClr val="bg1"/>
+                              </a:solidFill>
+                              <a:latin typeface="Cambria Math" panose="02040503050406030204" pitchFamily="18" charset="0"/>
+                            </a:rPr>
+                            <m:t>3</m:t>
+                          </m:r>
+                        </m:sup>
+                      </m:sSup>
+                      <m:f>
+                        <m:fPr>
+                          <m:ctrlPr>
+                            <a:rPr lang="en-US" sz="1400" i="1">
+                              <a:solidFill>
+                                <a:schemeClr val="bg1"/>
+                              </a:solidFill>
+                              <a:latin typeface="Cambria Math" panose="02040503050406030204" pitchFamily="18" charset="0"/>
+                            </a:rPr>
+                          </m:ctrlPr>
+                        </m:fPr>
+                        <m:num>
+                          <m:r>
+                            <a:rPr lang="en-US" sz="1400" b="0" i="1" smtClean="0">
+                              <a:solidFill>
+                                <a:schemeClr val="bg1"/>
+                              </a:solidFill>
+                              <a:latin typeface="Cambria Math" panose="02040503050406030204" pitchFamily="18" charset="0"/>
+                            </a:rPr>
+                            <m:t>𝑓</m:t>
+                          </m:r>
+                          <m:r>
+                            <a:rPr lang="en-US" sz="1400" i="1">
+                              <a:solidFill>
+                                <a:schemeClr val="bg1"/>
+                              </a:solidFill>
+                              <a:latin typeface="Cambria Math" panose="02040503050406030204" pitchFamily="18" charset="0"/>
+                            </a:rPr>
+                            <m:t>𝑊</m:t>
+                          </m:r>
+                        </m:num>
+                        <m:den>
+                          <m:sSup>
+                            <m:sSupPr>
+                              <m:ctrlPr>
+                                <a:rPr lang="en-US" sz="1400" i="1">
+                                  <a:solidFill>
+                                    <a:schemeClr val="bg1"/>
+                                  </a:solidFill>
+                                  <a:latin typeface="Cambria Math" panose="02040503050406030204" pitchFamily="18" charset="0"/>
+                                </a:rPr>
+                              </m:ctrlPr>
+                            </m:sSupPr>
+                            <m:e>
+                              <m:r>
+                                <a:rPr lang="en-US" sz="1400" i="1">
+                                  <a:solidFill>
+                                    <a:schemeClr val="bg1"/>
+                                  </a:solidFill>
+                                  <a:latin typeface="Cambria Math" panose="02040503050406030204" pitchFamily="18" charset="0"/>
+                                </a:rPr>
+                                <m:t>𝐺𝐻𝑧</m:t>
+                              </m:r>
+                            </m:e>
+                            <m:sup>
+                              <m:r>
+                                <a:rPr lang="en-US" sz="1400" i="1">
+                                  <a:solidFill>
+                                    <a:schemeClr val="bg1"/>
+                                  </a:solidFill>
+                                  <a:latin typeface="Cambria Math" panose="02040503050406030204" pitchFamily="18" charset="0"/>
+                                </a:rPr>
+                                <m:t>2</m:t>
+                              </m:r>
+                            </m:sup>
+                          </m:sSup>
+                        </m:den>
+                      </m:f>
+                    </m:oMath>
+                  </m:oMathPara>
+                </a14:m>
+                <a:endParaRPr lang="en-US" sz="1400" dirty="0">
+                  <a:solidFill>
+                    <a:schemeClr val="bg1"/>
+                  </a:solidFill>
+                </a:endParaRPr>
+              </a:p>
+            </p:txBody>
+          </p:sp>
+        </mc:Choice>
+        <mc:Fallback>
+          <p:sp>
+            <p:nvSpPr>
+              <p:cNvPr id="10" name="Rectangle: Rounded Corners 9">
+                <a:extLst>
+                  <a:ext uri="{FF2B5EF4-FFF2-40B4-BE49-F238E27FC236}">
+                    <a16:creationId xmlns:a16="http://schemas.microsoft.com/office/drawing/2014/main" id="{A04394F7-7858-4F40-8A74-A23DA02D02E4}"/>
+                  </a:ext>
+                </a:extLst>
+              </p:cNvPr>
+              <p:cNvSpPr>
+                <a:spLocks noRot="1" noChangeAspect="1" noMove="1" noResize="1" noEditPoints="1" noAdjustHandles="1" noChangeArrowheads="1" noChangeShapeType="1" noTextEdit="1"/>
+              </p:cNvSpPr>
+              <p:nvPr/>
+            </p:nvSpPr>
+            <p:spPr>
+              <a:xfrm>
+                <a:off x="7430961" y="930234"/>
+                <a:ext cx="2011680" cy="685800"/>
+              </a:xfrm>
+              <a:prstGeom prst="roundRect">
+                <a:avLst/>
+              </a:prstGeom>
+              <a:blipFill>
+                <a:blip r:embed="rId10"/>
+                <a:stretch>
+                  <a:fillRect/>
+                </a:stretch>
+              </a:blipFill>
+            </p:spPr>
+            <p:txBody>
+              <a:bodyPr/>
+              <a:lstStyle/>
+              <a:p>
+                <a:r>
+                  <a:rPr lang="en-US">
+                    <a:noFill/>
+                  </a:rPr>
+                  <a:t> </a:t>
+                </a:r>
+              </a:p>
+            </p:txBody>
+          </p:sp>
+        </mc:Fallback>
+      </mc:AlternateContent>
+      <p:sp>
+        <p:nvSpPr>
+          <p:cNvPr id="11" name="TextBox 10">
+            <a:extLst>
+              <a:ext uri="{FF2B5EF4-FFF2-40B4-BE49-F238E27FC236}">
+                <a16:creationId xmlns:a16="http://schemas.microsoft.com/office/drawing/2014/main" id="{E1B66234-55C6-CA59-1A9C-59A8EC0DB030}"/>
+              </a:ext>
+            </a:extLst>
+          </p:cNvPr>
+          <p:cNvSpPr txBox="1"/>
+          <p:nvPr/>
+        </p:nvSpPr>
+        <p:spPr>
+          <a:xfrm>
+            <a:off x="-3025" y="7127787"/>
+            <a:ext cx="2019992" cy="646331"/>
+          </a:xfrm>
+          <a:prstGeom prst="rect">
+            <a:avLst/>
+          </a:prstGeom>
+          <a:noFill/>
+        </p:spPr>
+        <p:txBody>
+          <a:bodyPr wrap="square" rtlCol="0">
+            <a:spAutoFit/>
+          </a:bodyPr>
+          <a:lstStyle/>
+          <a:p>
+            <a:pPr algn="ctr"/>
+            <a:r>
+              <a:rPr lang="en-US" dirty="0"/>
+              <a:t>Frequency</a:t>
+            </a:r>
+          </a:p>
+          <a:p>
+            <a:pPr algn="ctr"/>
+            <a:r>
+              <a:rPr lang="en-US" dirty="0"/>
+              <a:t>GHz</a:t>
+            </a:r>
+          </a:p>
+        </p:txBody>
+      </p:sp>
+      <p:sp>
+        <p:nvSpPr>
+          <p:cNvPr id="12" name="TextBox 11">
+            <a:extLst>
+              <a:ext uri="{FF2B5EF4-FFF2-40B4-BE49-F238E27FC236}">
+                <a16:creationId xmlns:a16="http://schemas.microsoft.com/office/drawing/2014/main" id="{E2023F90-77D1-39E7-5F05-BC156334999D}"/>
+              </a:ext>
+            </a:extLst>
+          </p:cNvPr>
+          <p:cNvSpPr txBox="1"/>
+          <p:nvPr/>
+        </p:nvSpPr>
+        <p:spPr>
+          <a:xfrm>
+            <a:off x="2453792" y="7127787"/>
+            <a:ext cx="2019992" cy="646331"/>
+          </a:xfrm>
+          <a:prstGeom prst="rect">
+            <a:avLst/>
+          </a:prstGeom>
+          <a:noFill/>
+        </p:spPr>
+        <p:txBody>
+          <a:bodyPr wrap="square" rtlCol="0">
+            <a:spAutoFit/>
+          </a:bodyPr>
+          <a:lstStyle/>
+          <a:p>
+            <a:pPr algn="ctr"/>
+            <a:r>
+              <a:rPr lang="en-US" dirty="0"/>
+              <a:t>Voltage</a:t>
+            </a:r>
+          </a:p>
+          <a:p>
+            <a:pPr algn="ctr"/>
+            <a:r>
+              <a:rPr lang="en-US" dirty="0"/>
+              <a:t>mV</a:t>
+            </a:r>
+          </a:p>
+        </p:txBody>
+      </p:sp>
+      <p:sp>
+        <p:nvSpPr>
+          <p:cNvPr id="13" name="TextBox 12">
+            <a:extLst>
+              <a:ext uri="{FF2B5EF4-FFF2-40B4-BE49-F238E27FC236}">
+                <a16:creationId xmlns:a16="http://schemas.microsoft.com/office/drawing/2014/main" id="{6482B462-6C0C-61E0-4666-7E71F6A7BD7B}"/>
+              </a:ext>
+            </a:extLst>
+          </p:cNvPr>
+          <p:cNvSpPr txBox="1"/>
+          <p:nvPr/>
+        </p:nvSpPr>
+        <p:spPr>
+          <a:xfrm>
+            <a:off x="5451372" y="7127787"/>
+            <a:ext cx="2019992" cy="646331"/>
+          </a:xfrm>
+          <a:prstGeom prst="rect">
+            <a:avLst/>
+          </a:prstGeom>
+          <a:noFill/>
+        </p:spPr>
+        <p:txBody>
+          <a:bodyPr wrap="square" rtlCol="0">
+            <a:spAutoFit/>
+          </a:bodyPr>
+          <a:lstStyle/>
+          <a:p>
+            <a:pPr algn="ctr"/>
+            <a:r>
+              <a:rPr lang="en-US" dirty="0"/>
+              <a:t>Power</a:t>
+            </a:r>
+          </a:p>
+          <a:p>
+            <a:pPr algn="ctr"/>
+            <a:r>
+              <a:rPr lang="en-US" dirty="0"/>
+              <a:t>fW</a:t>
+            </a:r>
+          </a:p>
+        </p:txBody>
+      </p:sp>
+      <p:sp>
+        <p:nvSpPr>
+          <p:cNvPr id="14" name="TextBox 13">
+            <a:extLst>
+              <a:ext uri="{FF2B5EF4-FFF2-40B4-BE49-F238E27FC236}">
+                <a16:creationId xmlns:a16="http://schemas.microsoft.com/office/drawing/2014/main" id="{CF67EA5C-D441-2D53-BE8C-2B6DE695ABD0}"/>
+              </a:ext>
+            </a:extLst>
+          </p:cNvPr>
+          <p:cNvSpPr txBox="1"/>
+          <p:nvPr/>
+        </p:nvSpPr>
+        <p:spPr>
+          <a:xfrm>
+            <a:off x="7891624" y="7127787"/>
+            <a:ext cx="2019992" cy="646331"/>
+          </a:xfrm>
+          <a:prstGeom prst="rect">
+            <a:avLst/>
+          </a:prstGeom>
+          <a:noFill/>
+        </p:spPr>
+        <p:txBody>
+          <a:bodyPr wrap="square" rtlCol="0">
+            <a:spAutoFit/>
+          </a:bodyPr>
+          <a:lstStyle/>
+          <a:p>
+            <a:pPr algn="ctr"/>
+            <a:r>
+              <a:rPr lang="en-US" dirty="0"/>
+              <a:t>Temperature</a:t>
+            </a:r>
+          </a:p>
+          <a:p>
+            <a:pPr algn="ctr"/>
+            <a:r>
+              <a:rPr lang="en-US" dirty="0"/>
+              <a:t>mK</a:t>
+            </a:r>
+          </a:p>
+        </p:txBody>
+      </p:sp>
+    </p:spTree>
+    <p:extLst>
+      <p:ext uri="{BB962C8B-B14F-4D97-AF65-F5344CB8AC3E}">
+        <p14:creationId xmlns:p14="http://schemas.microsoft.com/office/powerpoint/2010/main" val="852898358"/>
       </p:ext>
     </p:extLst>
   </p:cSld>
